--- a/DS_210/final/DS 210.pptx
+++ b/DS_210/final/DS 210.pptx
@@ -9,8 +9,8 @@
     <p:sldId id="257" r:id="rId3"/>
     <p:sldId id="258" r:id="rId4"/>
     <p:sldId id="259" r:id="rId5"/>
-    <p:sldId id="260" r:id="rId6"/>
-    <p:sldId id="263" r:id="rId7"/>
+    <p:sldId id="263" r:id="rId6"/>
+    <p:sldId id="260" r:id="rId7"/>
     <p:sldId id="261" r:id="rId8"/>
     <p:sldId id="262" r:id="rId9"/>
     <p:sldId id="264" r:id="rId10"/>
@@ -121,6 +121,11 @@
       </a:defRPr>
     </a:lvl9pPr>
   </p:defaultTextStyle>
+  <p:extLst>
+    <p:ext uri="{EFAFB233-063F-42B5-8137-9DF3F51BA10A}">
+      <p15:sldGuideLst xmlns:p15="http://schemas.microsoft.com/office/powerpoint/2012/main"/>
+    </p:ext>
+  </p:extLst>
 </p:presentation>
 </file>
 
@@ -5471,7 +5476,7 @@
         <a:p>
           <a:r>
             <a:rPr lang="en-US" dirty="0"/>
-            <a:t>Can we estimate outside temperature based on chirp frequency</a:t>
+            <a:t>Can we estimate outside temperature based on chirp frequency?</a:t>
           </a:r>
         </a:p>
       </dgm:t>
@@ -5543,7 +5548,7 @@
         <a:p>
           <a:r>
             <a:rPr lang="en-US" dirty="0"/>
-            <a:t>Scrubbed our product for processed</a:t>
+            <a:t>Scrubbed our product for processing</a:t>
           </a:r>
         </a:p>
       </dgm:t>
@@ -5706,6 +5711,13 @@
     <dgm:pt modelId="{41DEDD8E-C989-48ED-BB23-3176F9EADCA9}" type="sibTrans" cxnId="{02262E6A-7305-4EE5-8100-CF8B2D1E13B5}">
       <dgm:prSet/>
       <dgm:spPr/>
+      <dgm:t>
+        <a:bodyPr/>
+        <a:lstStyle/>
+        <a:p>
+          <a:endParaRPr lang="en-US"/>
+        </a:p>
+      </dgm:t>
     </dgm:pt>
     <dgm:pt modelId="{52196BBC-FDDD-4561-8F43-79CD039561DC}">
       <dgm:prSet/>
@@ -5735,6 +5747,13 @@
     <dgm:pt modelId="{245E8D63-09CF-485E-A0EA-EA55512F7E71}" type="sibTrans" cxnId="{86AE8DA6-2739-4438-8065-0953A5C4089C}">
       <dgm:prSet/>
       <dgm:spPr/>
+      <dgm:t>
+        <a:bodyPr/>
+        <a:lstStyle/>
+        <a:p>
+          <a:endParaRPr lang="en-US"/>
+        </a:p>
+      </dgm:t>
     </dgm:pt>
     <dgm:pt modelId="{602D02A1-38D9-430D-8FC4-E5976289C4C1}">
       <dgm:prSet/>
@@ -5764,6 +5783,13 @@
     <dgm:pt modelId="{24354829-96DB-49DB-A8E7-433AF1F082C6}" type="sibTrans" cxnId="{0757E29A-16FF-4C7E-AFC5-9979F7B57438}">
       <dgm:prSet/>
       <dgm:spPr/>
+      <dgm:t>
+        <a:bodyPr/>
+        <a:lstStyle/>
+        <a:p>
+          <a:endParaRPr lang="en-US"/>
+        </a:p>
+      </dgm:t>
     </dgm:pt>
     <dgm:pt modelId="{8CCAE849-B563-4CF5-9552-0DE4194A6DD0}">
       <dgm:prSet/>
@@ -5793,6 +5819,13 @@
     <dgm:pt modelId="{BE588C1E-A9BB-40C8-A8D5-03C462BEAEC3}" type="sibTrans" cxnId="{F802C964-5240-42D2-B833-A3A438C82C94}">
       <dgm:prSet/>
       <dgm:spPr/>
+      <dgm:t>
+        <a:bodyPr/>
+        <a:lstStyle/>
+        <a:p>
+          <a:endParaRPr lang="en-US"/>
+        </a:p>
+      </dgm:t>
     </dgm:pt>
     <dgm:pt modelId="{28660098-959B-426C-969E-0727AD369027}">
       <dgm:prSet/>
@@ -5822,6 +5855,13 @@
     <dgm:pt modelId="{42B59699-95E7-4E47-85C8-4FDE622C2148}" type="sibTrans" cxnId="{80225552-9AE9-4964-9BE7-BAA1D5911658}">
       <dgm:prSet/>
       <dgm:spPr/>
+      <dgm:t>
+        <a:bodyPr/>
+        <a:lstStyle/>
+        <a:p>
+          <a:endParaRPr lang="en-US"/>
+        </a:p>
+      </dgm:t>
     </dgm:pt>
     <dgm:pt modelId="{3DDAA059-28FF-4338-AD8B-04FDDD01A1EA}">
       <dgm:prSet/>
@@ -5851,6 +5891,13 @@
     <dgm:pt modelId="{7E17586F-E4CC-4C7F-B2FB-7B06FF39F41F}" type="sibTrans" cxnId="{40B09F13-191C-4FA0-96F3-219F20641FDD}">
       <dgm:prSet/>
       <dgm:spPr/>
+      <dgm:t>
+        <a:bodyPr/>
+        <a:lstStyle/>
+        <a:p>
+          <a:endParaRPr lang="en-US"/>
+        </a:p>
+      </dgm:t>
     </dgm:pt>
     <dgm:pt modelId="{4F4EEC9D-D219-4E01-88A7-FDBD429356F5}" type="pres">
       <dgm:prSet presAssocID="{0EA9049D-00B7-4678-BA9A-1F2F6E0AE135}" presName="linear" presStyleCnt="0">
@@ -7962,7 +8009,7 @@
           </a:pPr>
           <a:r>
             <a:rPr lang="en-US" sz="1300" kern="1200" dirty="0"/>
-            <a:t>Can we estimate outside temperature based on chirp frequency</a:t>
+            <a:t>Can we estimate outside temperature based on chirp frequency?</a:t>
           </a:r>
         </a:p>
       </dsp:txBody>
@@ -8386,7 +8433,7 @@
           </a:pPr>
           <a:r>
             <a:rPr lang="en-US" sz="1300" kern="1200" dirty="0"/>
-            <a:t>Scrubbed our product for processed</a:t>
+            <a:t>Scrubbed our product for processing</a:t>
           </a:r>
         </a:p>
       </dsp:txBody>
@@ -22983,7 +23030,7 @@
             <p:ph idx="1"/>
             <p:extLst>
               <p:ext uri="{D42A27DB-BD31-4B8C-83A1-F6EECF244321}">
-                <p14:modId xmlns:p14="http://schemas.microsoft.com/office/powerpoint/2010/main" val="3732596289"/>
+                <p14:modId xmlns:p14="http://schemas.microsoft.com/office/powerpoint/2010/main" val="1296916387"/>
               </p:ext>
             </p:extLst>
           </p:nvPr>
@@ -25097,469 +25144,6 @@
           <a:chExt cx="0" cy="0"/>
         </a:xfrm>
       </p:grpSpPr>
-      <p:sp>
-        <p:nvSpPr>
-          <p:cNvPr id="12" name="Freeform: Shape 11">
-            <a:extLst>
-              <a:ext uri="{FF2B5EF4-FFF2-40B4-BE49-F238E27FC236}">
-                <a16:creationId xmlns:a16="http://schemas.microsoft.com/office/drawing/2014/main" id="{AE192E3E-68A9-4F36-936C-1C8D0B9EF132}"/>
-              </a:ext>
-              <a:ext uri="{C183D7F6-B498-43B3-948B-1728B52AA6E4}">
-                <adec:decorative xmlns:adec="http://schemas.microsoft.com/office/drawing/2017/decorative" val="1"/>
-              </a:ext>
-            </a:extLst>
-          </p:cNvPr>
-          <p:cNvSpPr>
-            <a:spLocks noGrp="1" noRot="1" noChangeAspect="1" noMove="1" noResize="1" noEditPoints="1" noAdjustHandles="1" noChangeArrowheads="1" noChangeShapeType="1" noTextEdit="1"/>
-          </p:cNvSpPr>
-          <p:nvPr>
-            <p:extLst>
-              <p:ext uri="{386F3935-93C4-4BCD-93E2-E3B085C9AB24}">
-                <p16:designElem xmlns:p16="http://schemas.microsoft.com/office/powerpoint/2015/main" val="1"/>
-              </p:ext>
-            </p:extLst>
-          </p:nvPr>
-        </p:nvSpPr>
-        <p:spPr>
-          <a:xfrm>
-            <a:off x="8803792" y="3455896"/>
-            <a:ext cx="3388208" cy="3406341"/>
-          </a:xfrm>
-          <a:custGeom>
-            <a:avLst/>
-            <a:gdLst>
-              <a:gd name="connsiteX0" fmla="*/ 3388058 w 3388208"/>
-              <a:gd name="connsiteY0" fmla="*/ 0 h 3406341"/>
-              <a:gd name="connsiteX1" fmla="*/ 3388208 w 3388208"/>
-              <a:gd name="connsiteY1" fmla="*/ 0 h 3406341"/>
-              <a:gd name="connsiteX2" fmla="*/ 3388208 w 3388208"/>
-              <a:gd name="connsiteY2" fmla="*/ 3406341 h 3406341"/>
-              <a:gd name="connsiteX3" fmla="*/ 0 w 3388208"/>
-              <a:gd name="connsiteY3" fmla="*/ 3406341 h 3406341"/>
-              <a:gd name="connsiteX4" fmla="*/ 79006 w 3388208"/>
-              <a:gd name="connsiteY4" fmla="*/ 3404386 h 3406341"/>
-              <a:gd name="connsiteX5" fmla="*/ 3383947 w 3388208"/>
-              <a:gd name="connsiteY5" fmla="*/ 164274 h 3406341"/>
-            </a:gdLst>
-            <a:ahLst/>
-            <a:cxnLst>
-              <a:cxn ang="0">
-                <a:pos x="connsiteX0" y="connsiteY0"/>
-              </a:cxn>
-              <a:cxn ang="0">
-                <a:pos x="connsiteX1" y="connsiteY1"/>
-              </a:cxn>
-              <a:cxn ang="0">
-                <a:pos x="connsiteX2" y="connsiteY2"/>
-              </a:cxn>
-              <a:cxn ang="0">
-                <a:pos x="connsiteX3" y="connsiteY3"/>
-              </a:cxn>
-              <a:cxn ang="0">
-                <a:pos x="connsiteX4" y="connsiteY4"/>
-              </a:cxn>
-              <a:cxn ang="0">
-                <a:pos x="connsiteX5" y="connsiteY5"/>
-              </a:cxn>
-            </a:cxnLst>
-            <a:rect l="l" t="t" r="r" b="b"/>
-            <a:pathLst>
-              <a:path w="3388208" h="3406341">
-                <a:moveTo>
-                  <a:pt x="3388058" y="0"/>
-                </a:moveTo>
-                <a:lnTo>
-                  <a:pt x="3388208" y="0"/>
-                </a:lnTo>
-                <a:lnTo>
-                  <a:pt x="3388208" y="3406341"/>
-                </a:lnTo>
-                <a:lnTo>
-                  <a:pt x="0" y="3406341"/>
-                </a:lnTo>
-                <a:lnTo>
-                  <a:pt x="79006" y="3404386"/>
-                </a:lnTo>
-                <a:cubicBezTo>
-                  <a:pt x="1864742" y="3315784"/>
-                  <a:pt x="3296223" y="1912901"/>
-                  <a:pt x="3383947" y="164274"/>
-                </a:cubicBezTo>
-                <a:close/>
-              </a:path>
-            </a:pathLst>
-          </a:custGeom>
-          <a:solidFill>
-            <a:schemeClr val="accent5"/>
-          </a:solidFill>
-          <a:ln>
-            <a:noFill/>
-          </a:ln>
-        </p:spPr>
-        <p:style>
-          <a:lnRef idx="2">
-            <a:schemeClr val="accent1">
-              <a:shade val="50000"/>
-            </a:schemeClr>
-          </a:lnRef>
-          <a:fillRef idx="1">
-            <a:schemeClr val="accent1"/>
-          </a:fillRef>
-          <a:effectRef idx="0">
-            <a:schemeClr val="accent1"/>
-          </a:effectRef>
-          <a:fontRef idx="minor">
-            <a:schemeClr val="lt1"/>
-          </a:fontRef>
-        </p:style>
-        <p:txBody>
-          <a:bodyPr wrap="square" rtlCol="0" anchor="ctr">
-            <a:noAutofit/>
-          </a:bodyPr>
-          <a:lstStyle/>
-          <a:p>
-            <a:pPr algn="ctr"/>
-            <a:endParaRPr lang="en-US"/>
-          </a:p>
-        </p:txBody>
-      </p:sp>
-      <p:sp useBgFill="1">
-        <p:nvSpPr>
-          <p:cNvPr id="14" name="Rectangle 13">
-            <a:extLst>
-              <a:ext uri="{FF2B5EF4-FFF2-40B4-BE49-F238E27FC236}">
-                <a16:creationId xmlns:a16="http://schemas.microsoft.com/office/drawing/2014/main" id="{8FB1897B-3F14-4996-810D-54D93A629F41}"/>
-              </a:ext>
-              <a:ext uri="{C183D7F6-B498-43B3-948B-1728B52AA6E4}">
-                <adec:decorative xmlns:adec="http://schemas.microsoft.com/office/drawing/2017/decorative" val="1"/>
-              </a:ext>
-            </a:extLst>
-          </p:cNvPr>
-          <p:cNvSpPr>
-            <a:spLocks noGrp="1" noRot="1" noChangeAspect="1" noMove="1" noResize="1" noEditPoints="1" noAdjustHandles="1" noChangeArrowheads="1" noChangeShapeType="1" noTextEdit="1"/>
-          </p:cNvSpPr>
-          <p:nvPr>
-            <p:extLst>
-              <p:ext uri="{386F3935-93C4-4BCD-93E2-E3B085C9AB24}">
-                <p16:designElem xmlns:p16="http://schemas.microsoft.com/office/powerpoint/2015/main" val="1"/>
-              </p:ext>
-            </p:extLst>
-          </p:nvPr>
-        </p:nvSpPr>
-        <p:spPr>
-          <a:xfrm>
-            <a:off x="0" y="0"/>
-            <a:ext cx="12192000" cy="6858000"/>
-          </a:xfrm>
-          <a:prstGeom prst="rect">
-            <a:avLst/>
-          </a:prstGeom>
-          <a:ln w="12700" cap="flat" cmpd="sng" algn="ctr">
-            <a:noFill/>
-            <a:prstDash val="solid"/>
-            <a:miter lim="800000"/>
-          </a:ln>
-          <a:effectLst/>
-          <a:extLst>
-            <a:ext uri="{91240B29-F687-4F45-9708-019B960494DF}">
-              <a14:hiddenLine xmlns:a14="http://schemas.microsoft.com/office/drawing/2010/main" w="12700" cap="flat" cmpd="sng" algn="ctr">
-                <a:solidFill>
-                  <a:schemeClr val="accent1">
-                    <a:shade val="50000"/>
-                  </a:schemeClr>
-                </a:solidFill>
-                <a:prstDash val="solid"/>
-                <a:miter lim="800000"/>
-              </a14:hiddenLine>
-            </a:ext>
-          </a:extLst>
-        </p:spPr>
-        <p:style>
-          <a:lnRef idx="2">
-            <a:schemeClr val="accent1">
-              <a:shade val="50000"/>
-            </a:schemeClr>
-          </a:lnRef>
-          <a:fillRef idx="1">
-            <a:schemeClr val="accent1"/>
-          </a:fillRef>
-          <a:effectRef idx="0">
-            <a:schemeClr val="accent1"/>
-          </a:effectRef>
-          <a:fontRef idx="minor">
-            <a:schemeClr val="lt1"/>
-          </a:fontRef>
-        </p:style>
-        <p:txBody>
-          <a:bodyPr rtlCol="0" anchor="ctr"/>
-          <a:lstStyle/>
-          <a:p>
-            <a:pPr algn="ctr"/>
-            <a:endParaRPr lang="en-US"/>
-          </a:p>
-        </p:txBody>
-      </p:sp>
-      <p:sp>
-        <p:nvSpPr>
-          <p:cNvPr id="2" name="Title 1">
-            <a:extLst>
-              <a:ext uri="{FF2B5EF4-FFF2-40B4-BE49-F238E27FC236}">
-                <a16:creationId xmlns:a16="http://schemas.microsoft.com/office/drawing/2014/main" id="{3B395FC2-8321-7C5C-29AA-B99C08821674}"/>
-              </a:ext>
-            </a:extLst>
-          </p:cNvPr>
-          <p:cNvSpPr>
-            <a:spLocks noGrp="1"/>
-          </p:cNvSpPr>
-          <p:nvPr>
-            <p:ph type="title"/>
-          </p:nvPr>
-        </p:nvSpPr>
-        <p:spPr>
-          <a:xfrm>
-            <a:off x="1297858" y="5457603"/>
-            <a:ext cx="9335728" cy="634181"/>
-          </a:xfrm>
-        </p:spPr>
-        <p:txBody>
-          <a:bodyPr vert="horz" lIns="91440" tIns="45720" rIns="91440" bIns="45720" rtlCol="0" anchor="b">
-            <a:normAutofit/>
-          </a:bodyPr>
-          <a:lstStyle/>
-          <a:p>
-            <a:r>
-              <a:rPr lang="en-US" sz="2800" dirty="0"/>
-              <a:t>Data Analysis: Outliers</a:t>
-            </a:r>
-          </a:p>
-        </p:txBody>
-      </p:sp>
-      <p:sp>
-        <p:nvSpPr>
-          <p:cNvPr id="3" name="Content Placeholder 2">
-            <a:extLst>
-              <a:ext uri="{FF2B5EF4-FFF2-40B4-BE49-F238E27FC236}">
-                <a16:creationId xmlns:a16="http://schemas.microsoft.com/office/drawing/2014/main" id="{24DA2570-282A-3399-BAB1-08B8E114B865}"/>
-              </a:ext>
-            </a:extLst>
-          </p:cNvPr>
-          <p:cNvSpPr>
-            <a:spLocks noGrp="1"/>
-          </p:cNvSpPr>
-          <p:nvPr>
-            <p:ph idx="1"/>
-          </p:nvPr>
-        </p:nvSpPr>
-        <p:spPr>
-          <a:xfrm>
-            <a:off x="1297858" y="6117453"/>
-            <a:ext cx="7359445" cy="440939"/>
-          </a:xfrm>
-        </p:spPr>
-        <p:txBody>
-          <a:bodyPr vert="horz" lIns="91440" tIns="45720" rIns="91440" bIns="45720" rtlCol="0" anchor="t">
-            <a:normAutofit/>
-          </a:bodyPr>
-          <a:lstStyle/>
-          <a:p>
-            <a:pPr marL="0" indent="0">
-              <a:buNone/>
-            </a:pPr>
-            <a:r>
-              <a:rPr lang="en-US" sz="1600" dirty="0"/>
-              <a:t>Outliers are visually evident in the data set. That won’t do!</a:t>
-            </a:r>
-          </a:p>
-        </p:txBody>
-      </p:sp>
-      <p:pic>
-        <p:nvPicPr>
-          <p:cNvPr id="5" name="Picture 4">
-            <a:extLst>
-              <a:ext uri="{FF2B5EF4-FFF2-40B4-BE49-F238E27FC236}">
-                <a16:creationId xmlns:a16="http://schemas.microsoft.com/office/drawing/2014/main" id="{232D2A49-4C4A-AD2D-5CD1-C5A952828DE4}"/>
-              </a:ext>
-            </a:extLst>
-          </p:cNvPr>
-          <p:cNvPicPr>
-            <a:picLocks noChangeAspect="1"/>
-          </p:cNvPicPr>
-          <p:nvPr/>
-        </p:nvPicPr>
-        <p:blipFill rotWithShape="1">
-          <a:blip r:embed="rId2"/>
-          <a:srcRect t="3217" r="-2" b="-2"/>
-          <a:stretch/>
-        </p:blipFill>
-        <p:spPr>
-          <a:xfrm>
-            <a:off x="-14045" y="-2641"/>
-            <a:ext cx="6971606" cy="5149259"/>
-          </a:xfrm>
-          <a:prstGeom prst="rect">
-            <a:avLst/>
-          </a:prstGeom>
-        </p:spPr>
-      </p:pic>
-      <p:sp>
-        <p:nvSpPr>
-          <p:cNvPr id="16" name="Rectangle 15">
-            <a:extLst>
-              <a:ext uri="{FF2B5EF4-FFF2-40B4-BE49-F238E27FC236}">
-                <a16:creationId xmlns:a16="http://schemas.microsoft.com/office/drawing/2014/main" id="{23897094-E24A-4AF2-A248-62AA3C428915}"/>
-              </a:ext>
-              <a:ext uri="{C183D7F6-B498-43B3-948B-1728B52AA6E4}">
-                <adec:decorative xmlns:adec="http://schemas.microsoft.com/office/drawing/2017/decorative" val="1"/>
-              </a:ext>
-            </a:extLst>
-          </p:cNvPr>
-          <p:cNvSpPr>
-            <a:spLocks noGrp="1" noRot="1" noChangeAspect="1" noMove="1" noResize="1" noEditPoints="1" noAdjustHandles="1" noChangeArrowheads="1" noChangeShapeType="1" noTextEdit="1"/>
-          </p:cNvSpPr>
-          <p:nvPr>
-            <p:extLst>
-              <p:ext uri="{386F3935-93C4-4BCD-93E2-E3B085C9AB24}">
-                <p16:designElem xmlns:p16="http://schemas.microsoft.com/office/powerpoint/2015/main" val="1"/>
-              </p:ext>
-            </p:extLst>
-          </p:nvPr>
-        </p:nvSpPr>
-        <p:spPr>
-          <a:xfrm>
-            <a:off x="6957569" y="0"/>
-            <a:ext cx="5234431" cy="5146618"/>
-          </a:xfrm>
-          <a:prstGeom prst="rect">
-            <a:avLst/>
-          </a:prstGeom>
-          <a:ln>
-            <a:noFill/>
-          </a:ln>
-        </p:spPr>
-        <p:style>
-          <a:lnRef idx="2">
-            <a:schemeClr val="accent1">
-              <a:shade val="50000"/>
-            </a:schemeClr>
-          </a:lnRef>
-          <a:fillRef idx="1">
-            <a:schemeClr val="accent1"/>
-          </a:fillRef>
-          <a:effectRef idx="0">
-            <a:schemeClr val="accent1"/>
-          </a:effectRef>
-          <a:fontRef idx="minor">
-            <a:schemeClr val="lt1"/>
-          </a:fontRef>
-        </p:style>
-        <p:txBody>
-          <a:bodyPr rtlCol="0" anchor="ctr"/>
-          <a:lstStyle/>
-          <a:p>
-            <a:pPr algn="ctr"/>
-            <a:endParaRPr lang="en-US"/>
-          </a:p>
-        </p:txBody>
-      </p:sp>
-      <p:pic>
-        <p:nvPicPr>
-          <p:cNvPr id="7" name="Picture 6">
-            <a:extLst>
-              <a:ext uri="{FF2B5EF4-FFF2-40B4-BE49-F238E27FC236}">
-                <a16:creationId xmlns:a16="http://schemas.microsoft.com/office/drawing/2014/main" id="{6C9C9544-A457-2B1A-E9A2-7AEDED5F470B}"/>
-              </a:ext>
-            </a:extLst>
-          </p:cNvPr>
-          <p:cNvPicPr>
-            <a:picLocks noChangeAspect="1"/>
-          </p:cNvPicPr>
-          <p:nvPr/>
-        </p:nvPicPr>
-        <p:blipFill rotWithShape="1">
-          <a:blip r:embed="rId3"/>
-          <a:srcRect t="7067" r="-2" b="3572"/>
-          <a:stretch/>
-        </p:blipFill>
-        <p:spPr>
-          <a:xfrm>
-            <a:off x="7190524" y="230286"/>
-            <a:ext cx="4768527" cy="4686047"/>
-          </a:xfrm>
-          <a:custGeom>
-            <a:avLst/>
-            <a:gdLst/>
-            <a:ahLst/>
-            <a:cxnLst/>
-            <a:rect l="l" t="t" r="r" b="b"/>
-            <a:pathLst>
-              <a:path w="4845018" h="4845018">
-                <a:moveTo>
-                  <a:pt x="2422509" y="0"/>
-                </a:moveTo>
-                <a:cubicBezTo>
-                  <a:pt x="3760424" y="0"/>
-                  <a:pt x="4845018" y="1084594"/>
-                  <a:pt x="4845018" y="2422509"/>
-                </a:cubicBezTo>
-                <a:cubicBezTo>
-                  <a:pt x="4845018" y="3760424"/>
-                  <a:pt x="3760424" y="4845018"/>
-                  <a:pt x="2422509" y="4845018"/>
-                </a:cubicBezTo>
-                <a:cubicBezTo>
-                  <a:pt x="1084594" y="4845018"/>
-                  <a:pt x="0" y="3760424"/>
-                  <a:pt x="0" y="2422509"/>
-                </a:cubicBezTo>
-                <a:cubicBezTo>
-                  <a:pt x="0" y="1084594"/>
-                  <a:pt x="1084594" y="0"/>
-                  <a:pt x="2422509" y="0"/>
-                </a:cubicBezTo>
-                <a:close/>
-              </a:path>
-            </a:pathLst>
-          </a:custGeom>
-        </p:spPr>
-      </p:pic>
-    </p:spTree>
-    <p:extLst>
-      <p:ext uri="{BB962C8B-B14F-4D97-AF65-F5344CB8AC3E}">
-        <p14:creationId xmlns:p14="http://schemas.microsoft.com/office/powerpoint/2010/main" val="2767907557"/>
-      </p:ext>
-    </p:extLst>
-  </p:cSld>
-  <p:clrMapOvr>
-    <a:masterClrMapping/>
-  </p:clrMapOvr>
-</p:sld>
-</file>
-
-<file path=ppt/slides/slide6.xml><?xml version="1.0" encoding="utf-8"?>
-<p:sld xmlns:a="http://schemas.openxmlformats.org/drawingml/2006/main" xmlns:r="http://schemas.openxmlformats.org/officeDocument/2006/relationships" xmlns:p="http://schemas.openxmlformats.org/presentationml/2006/main">
-  <p:cSld>
-    <p:bg>
-      <p:bgPr>
-        <a:solidFill>
-          <a:schemeClr val="bg1"/>
-        </a:solidFill>
-        <a:effectLst/>
-      </p:bgPr>
-    </p:bg>
-    <p:spTree>
-      <p:nvGrpSpPr>
-        <p:cNvPr id="1" name=""/>
-        <p:cNvGrpSpPr/>
-        <p:nvPr/>
-      </p:nvGrpSpPr>
-      <p:grpSpPr>
-        <a:xfrm>
-          <a:off x="0" y="0"/>
-          <a:ext cx="0" cy="0"/>
-          <a:chOff x="0" y="0"/>
-          <a:chExt cx="0" cy="0"/>
-        </a:xfrm>
-      </p:grpSpPr>
       <p:sp useBgFill="1">
         <p:nvSpPr>
           <p:cNvPr id="10" name="Rectangle 9">
@@ -26004,6 +25588,781 @@
     <p:extLst>
       <p:ext uri="{BB962C8B-B14F-4D97-AF65-F5344CB8AC3E}">
         <p14:creationId xmlns:p14="http://schemas.microsoft.com/office/powerpoint/2010/main" val="3993871760"/>
+      </p:ext>
+    </p:extLst>
+  </p:cSld>
+  <p:clrMapOvr>
+    <a:masterClrMapping/>
+  </p:clrMapOvr>
+</p:sld>
+</file>
+
+<file path=ppt/slides/slide6.xml><?xml version="1.0" encoding="utf-8"?>
+<p:sld xmlns:a="http://schemas.openxmlformats.org/drawingml/2006/main" xmlns:r="http://schemas.openxmlformats.org/officeDocument/2006/relationships" xmlns:p="http://schemas.openxmlformats.org/presentationml/2006/main">
+  <p:cSld>
+    <p:bg>
+      <p:bgPr>
+        <a:solidFill>
+          <a:schemeClr val="bg1"/>
+        </a:solidFill>
+        <a:effectLst/>
+      </p:bgPr>
+    </p:bg>
+    <p:spTree>
+      <p:nvGrpSpPr>
+        <p:cNvPr id="1" name=""/>
+        <p:cNvGrpSpPr/>
+        <p:nvPr/>
+      </p:nvGrpSpPr>
+      <p:grpSpPr>
+        <a:xfrm>
+          <a:off x="0" y="0"/>
+          <a:ext cx="0" cy="0"/>
+          <a:chOff x="0" y="0"/>
+          <a:chExt cx="0" cy="0"/>
+        </a:xfrm>
+      </p:grpSpPr>
+      <p:sp>
+        <p:nvSpPr>
+          <p:cNvPr id="12" name="Freeform: Shape 11">
+            <a:extLst>
+              <a:ext uri="{FF2B5EF4-FFF2-40B4-BE49-F238E27FC236}">
+                <a16:creationId xmlns:a16="http://schemas.microsoft.com/office/drawing/2014/main" id="{AE192E3E-68A9-4F36-936C-1C8D0B9EF132}"/>
+              </a:ext>
+              <a:ext uri="{C183D7F6-B498-43B3-948B-1728B52AA6E4}">
+                <adec:decorative xmlns:adec="http://schemas.microsoft.com/office/drawing/2017/decorative" val="1"/>
+              </a:ext>
+            </a:extLst>
+          </p:cNvPr>
+          <p:cNvSpPr>
+            <a:spLocks noGrp="1" noRot="1" noChangeAspect="1" noMove="1" noResize="1" noEditPoints="1" noAdjustHandles="1" noChangeArrowheads="1" noChangeShapeType="1" noTextEdit="1"/>
+          </p:cNvSpPr>
+          <p:nvPr>
+            <p:extLst>
+              <p:ext uri="{386F3935-93C4-4BCD-93E2-E3B085C9AB24}">
+                <p16:designElem xmlns:p16="http://schemas.microsoft.com/office/powerpoint/2015/main" val="1"/>
+              </p:ext>
+            </p:extLst>
+          </p:nvPr>
+        </p:nvSpPr>
+        <p:spPr>
+          <a:xfrm>
+            <a:off x="8803792" y="3455896"/>
+            <a:ext cx="3388208" cy="3406341"/>
+          </a:xfrm>
+          <a:custGeom>
+            <a:avLst/>
+            <a:gdLst>
+              <a:gd name="connsiteX0" fmla="*/ 3388058 w 3388208"/>
+              <a:gd name="connsiteY0" fmla="*/ 0 h 3406341"/>
+              <a:gd name="connsiteX1" fmla="*/ 3388208 w 3388208"/>
+              <a:gd name="connsiteY1" fmla="*/ 0 h 3406341"/>
+              <a:gd name="connsiteX2" fmla="*/ 3388208 w 3388208"/>
+              <a:gd name="connsiteY2" fmla="*/ 3406341 h 3406341"/>
+              <a:gd name="connsiteX3" fmla="*/ 0 w 3388208"/>
+              <a:gd name="connsiteY3" fmla="*/ 3406341 h 3406341"/>
+              <a:gd name="connsiteX4" fmla="*/ 79006 w 3388208"/>
+              <a:gd name="connsiteY4" fmla="*/ 3404386 h 3406341"/>
+              <a:gd name="connsiteX5" fmla="*/ 3383947 w 3388208"/>
+              <a:gd name="connsiteY5" fmla="*/ 164274 h 3406341"/>
+            </a:gdLst>
+            <a:ahLst/>
+            <a:cxnLst>
+              <a:cxn ang="0">
+                <a:pos x="connsiteX0" y="connsiteY0"/>
+              </a:cxn>
+              <a:cxn ang="0">
+                <a:pos x="connsiteX1" y="connsiteY1"/>
+              </a:cxn>
+              <a:cxn ang="0">
+                <a:pos x="connsiteX2" y="connsiteY2"/>
+              </a:cxn>
+              <a:cxn ang="0">
+                <a:pos x="connsiteX3" y="connsiteY3"/>
+              </a:cxn>
+              <a:cxn ang="0">
+                <a:pos x="connsiteX4" y="connsiteY4"/>
+              </a:cxn>
+              <a:cxn ang="0">
+                <a:pos x="connsiteX5" y="connsiteY5"/>
+              </a:cxn>
+            </a:cxnLst>
+            <a:rect l="l" t="t" r="r" b="b"/>
+            <a:pathLst>
+              <a:path w="3388208" h="3406341">
+                <a:moveTo>
+                  <a:pt x="3388058" y="0"/>
+                </a:moveTo>
+                <a:lnTo>
+                  <a:pt x="3388208" y="0"/>
+                </a:lnTo>
+                <a:lnTo>
+                  <a:pt x="3388208" y="3406341"/>
+                </a:lnTo>
+                <a:lnTo>
+                  <a:pt x="0" y="3406341"/>
+                </a:lnTo>
+                <a:lnTo>
+                  <a:pt x="79006" y="3404386"/>
+                </a:lnTo>
+                <a:cubicBezTo>
+                  <a:pt x="1864742" y="3315784"/>
+                  <a:pt x="3296223" y="1912901"/>
+                  <a:pt x="3383947" y="164274"/>
+                </a:cubicBezTo>
+                <a:close/>
+              </a:path>
+            </a:pathLst>
+          </a:custGeom>
+          <a:solidFill>
+            <a:schemeClr val="accent5"/>
+          </a:solidFill>
+          <a:ln>
+            <a:noFill/>
+          </a:ln>
+        </p:spPr>
+        <p:style>
+          <a:lnRef idx="2">
+            <a:schemeClr val="accent1">
+              <a:shade val="50000"/>
+            </a:schemeClr>
+          </a:lnRef>
+          <a:fillRef idx="1">
+            <a:schemeClr val="accent1"/>
+          </a:fillRef>
+          <a:effectRef idx="0">
+            <a:schemeClr val="accent1"/>
+          </a:effectRef>
+          <a:fontRef idx="minor">
+            <a:schemeClr val="lt1"/>
+          </a:fontRef>
+        </p:style>
+        <p:txBody>
+          <a:bodyPr wrap="square" rtlCol="0" anchor="ctr">
+            <a:noAutofit/>
+          </a:bodyPr>
+          <a:lstStyle/>
+          <a:p>
+            <a:pPr algn="ctr"/>
+            <a:endParaRPr lang="en-US"/>
+          </a:p>
+        </p:txBody>
+      </p:sp>
+      <p:sp useBgFill="1">
+        <p:nvSpPr>
+          <p:cNvPr id="14" name="Rectangle 13">
+            <a:extLst>
+              <a:ext uri="{FF2B5EF4-FFF2-40B4-BE49-F238E27FC236}">
+                <a16:creationId xmlns:a16="http://schemas.microsoft.com/office/drawing/2014/main" id="{8FB1897B-3F14-4996-810D-54D93A629F41}"/>
+              </a:ext>
+              <a:ext uri="{C183D7F6-B498-43B3-948B-1728B52AA6E4}">
+                <adec:decorative xmlns:adec="http://schemas.microsoft.com/office/drawing/2017/decorative" val="1"/>
+              </a:ext>
+            </a:extLst>
+          </p:cNvPr>
+          <p:cNvSpPr>
+            <a:spLocks noGrp="1" noRot="1" noChangeAspect="1" noMove="1" noResize="1" noEditPoints="1" noAdjustHandles="1" noChangeArrowheads="1" noChangeShapeType="1" noTextEdit="1"/>
+          </p:cNvSpPr>
+          <p:nvPr>
+            <p:extLst>
+              <p:ext uri="{386F3935-93C4-4BCD-93E2-E3B085C9AB24}">
+                <p16:designElem xmlns:p16="http://schemas.microsoft.com/office/powerpoint/2015/main" val="1"/>
+              </p:ext>
+            </p:extLst>
+          </p:nvPr>
+        </p:nvSpPr>
+        <p:spPr>
+          <a:xfrm>
+            <a:off x="0" y="0"/>
+            <a:ext cx="12192000" cy="6858000"/>
+          </a:xfrm>
+          <a:prstGeom prst="rect">
+            <a:avLst/>
+          </a:prstGeom>
+          <a:ln w="12700" cap="flat" cmpd="sng" algn="ctr">
+            <a:noFill/>
+            <a:prstDash val="solid"/>
+            <a:miter lim="800000"/>
+          </a:ln>
+          <a:effectLst/>
+          <a:extLst>
+            <a:ext uri="{91240B29-F687-4F45-9708-019B960494DF}">
+              <a14:hiddenLine xmlns:a14="http://schemas.microsoft.com/office/drawing/2010/main" w="12700" cap="flat" cmpd="sng" algn="ctr">
+                <a:solidFill>
+                  <a:schemeClr val="accent1">
+                    <a:shade val="50000"/>
+                  </a:schemeClr>
+                </a:solidFill>
+                <a:prstDash val="solid"/>
+                <a:miter lim="800000"/>
+              </a14:hiddenLine>
+            </a:ext>
+          </a:extLst>
+        </p:spPr>
+        <p:style>
+          <a:lnRef idx="2">
+            <a:schemeClr val="accent1">
+              <a:shade val="50000"/>
+            </a:schemeClr>
+          </a:lnRef>
+          <a:fillRef idx="1">
+            <a:schemeClr val="accent1"/>
+          </a:fillRef>
+          <a:effectRef idx="0">
+            <a:schemeClr val="accent1"/>
+          </a:effectRef>
+          <a:fontRef idx="minor">
+            <a:schemeClr val="lt1"/>
+          </a:fontRef>
+        </p:style>
+        <p:txBody>
+          <a:bodyPr rtlCol="0" anchor="ctr"/>
+          <a:lstStyle/>
+          <a:p>
+            <a:pPr algn="ctr"/>
+            <a:endParaRPr lang="en-US"/>
+          </a:p>
+        </p:txBody>
+      </p:sp>
+      <p:sp>
+        <p:nvSpPr>
+          <p:cNvPr id="2" name="Title 1">
+            <a:extLst>
+              <a:ext uri="{FF2B5EF4-FFF2-40B4-BE49-F238E27FC236}">
+                <a16:creationId xmlns:a16="http://schemas.microsoft.com/office/drawing/2014/main" id="{3B395FC2-8321-7C5C-29AA-B99C08821674}"/>
+              </a:ext>
+            </a:extLst>
+          </p:cNvPr>
+          <p:cNvSpPr>
+            <a:spLocks noGrp="1"/>
+          </p:cNvSpPr>
+          <p:nvPr>
+            <p:ph type="title"/>
+          </p:nvPr>
+        </p:nvSpPr>
+        <p:spPr>
+          <a:xfrm>
+            <a:off x="1297858" y="5457603"/>
+            <a:ext cx="9335728" cy="634181"/>
+          </a:xfrm>
+        </p:spPr>
+        <p:txBody>
+          <a:bodyPr vert="horz" lIns="91440" tIns="45720" rIns="91440" bIns="45720" rtlCol="0" anchor="b">
+            <a:normAutofit/>
+          </a:bodyPr>
+          <a:lstStyle/>
+          <a:p>
+            <a:r>
+              <a:rPr lang="en-US" sz="2800" dirty="0"/>
+              <a:t>Data Analysis: Outliers</a:t>
+            </a:r>
+          </a:p>
+        </p:txBody>
+      </p:sp>
+      <p:sp>
+        <p:nvSpPr>
+          <p:cNvPr id="3" name="Content Placeholder 2">
+            <a:extLst>
+              <a:ext uri="{FF2B5EF4-FFF2-40B4-BE49-F238E27FC236}">
+                <a16:creationId xmlns:a16="http://schemas.microsoft.com/office/drawing/2014/main" id="{24DA2570-282A-3399-BAB1-08B8E114B865}"/>
+              </a:ext>
+            </a:extLst>
+          </p:cNvPr>
+          <p:cNvSpPr>
+            <a:spLocks noGrp="1"/>
+          </p:cNvSpPr>
+          <p:nvPr>
+            <p:ph idx="1"/>
+          </p:nvPr>
+        </p:nvSpPr>
+        <p:spPr>
+          <a:xfrm>
+            <a:off x="1297858" y="6117453"/>
+            <a:ext cx="7359445" cy="440939"/>
+          </a:xfrm>
+        </p:spPr>
+        <p:txBody>
+          <a:bodyPr vert="horz" lIns="91440" tIns="45720" rIns="91440" bIns="45720" rtlCol="0" anchor="t">
+            <a:normAutofit/>
+          </a:bodyPr>
+          <a:lstStyle/>
+          <a:p>
+            <a:pPr marL="0" indent="0">
+              <a:buNone/>
+            </a:pPr>
+            <a:r>
+              <a:rPr lang="en-US" sz="1600" dirty="0"/>
+              <a:t>Outliers are visually evident in the data set. That won’t do!</a:t>
+            </a:r>
+          </a:p>
+        </p:txBody>
+      </p:sp>
+      <p:pic>
+        <p:nvPicPr>
+          <p:cNvPr id="5" name="Picture 4">
+            <a:extLst>
+              <a:ext uri="{FF2B5EF4-FFF2-40B4-BE49-F238E27FC236}">
+                <a16:creationId xmlns:a16="http://schemas.microsoft.com/office/drawing/2014/main" id="{232D2A49-4C4A-AD2D-5CD1-C5A952828DE4}"/>
+              </a:ext>
+            </a:extLst>
+          </p:cNvPr>
+          <p:cNvPicPr>
+            <a:picLocks noChangeAspect="1"/>
+          </p:cNvPicPr>
+          <p:nvPr/>
+        </p:nvPicPr>
+        <p:blipFill rotWithShape="1">
+          <a:blip r:embed="rId2"/>
+          <a:srcRect t="3217" r="-2" b="-2"/>
+          <a:stretch/>
+        </p:blipFill>
+        <p:spPr>
+          <a:xfrm>
+            <a:off x="-14045" y="-2641"/>
+            <a:ext cx="6971606" cy="5149259"/>
+          </a:xfrm>
+          <a:prstGeom prst="rect">
+            <a:avLst/>
+          </a:prstGeom>
+        </p:spPr>
+      </p:pic>
+      <p:sp>
+        <p:nvSpPr>
+          <p:cNvPr id="16" name="Rectangle 15">
+            <a:extLst>
+              <a:ext uri="{FF2B5EF4-FFF2-40B4-BE49-F238E27FC236}">
+                <a16:creationId xmlns:a16="http://schemas.microsoft.com/office/drawing/2014/main" id="{23897094-E24A-4AF2-A248-62AA3C428915}"/>
+              </a:ext>
+              <a:ext uri="{C183D7F6-B498-43B3-948B-1728B52AA6E4}">
+                <adec:decorative xmlns:adec="http://schemas.microsoft.com/office/drawing/2017/decorative" val="1"/>
+              </a:ext>
+            </a:extLst>
+          </p:cNvPr>
+          <p:cNvSpPr>
+            <a:spLocks noGrp="1" noRot="1" noChangeAspect="1" noMove="1" noResize="1" noEditPoints="1" noAdjustHandles="1" noChangeArrowheads="1" noChangeShapeType="1" noTextEdit="1"/>
+          </p:cNvSpPr>
+          <p:nvPr>
+            <p:extLst>
+              <p:ext uri="{386F3935-93C4-4BCD-93E2-E3B085C9AB24}">
+                <p16:designElem xmlns:p16="http://schemas.microsoft.com/office/powerpoint/2015/main" val="1"/>
+              </p:ext>
+            </p:extLst>
+          </p:nvPr>
+        </p:nvSpPr>
+        <p:spPr>
+          <a:xfrm>
+            <a:off x="6957569" y="0"/>
+            <a:ext cx="5234431" cy="5146618"/>
+          </a:xfrm>
+          <a:prstGeom prst="rect">
+            <a:avLst/>
+          </a:prstGeom>
+          <a:ln>
+            <a:noFill/>
+          </a:ln>
+        </p:spPr>
+        <p:style>
+          <a:lnRef idx="2">
+            <a:schemeClr val="accent1">
+              <a:shade val="50000"/>
+            </a:schemeClr>
+          </a:lnRef>
+          <a:fillRef idx="1">
+            <a:schemeClr val="accent1"/>
+          </a:fillRef>
+          <a:effectRef idx="0">
+            <a:schemeClr val="accent1"/>
+          </a:effectRef>
+          <a:fontRef idx="minor">
+            <a:schemeClr val="lt1"/>
+          </a:fontRef>
+        </p:style>
+        <p:txBody>
+          <a:bodyPr rtlCol="0" anchor="ctr"/>
+          <a:lstStyle/>
+          <a:p>
+            <a:pPr algn="ctr"/>
+            <a:endParaRPr lang="en-US"/>
+          </a:p>
+        </p:txBody>
+      </p:sp>
+      <p:pic>
+        <p:nvPicPr>
+          <p:cNvPr id="7" name="Picture 6">
+            <a:extLst>
+              <a:ext uri="{FF2B5EF4-FFF2-40B4-BE49-F238E27FC236}">
+                <a16:creationId xmlns:a16="http://schemas.microsoft.com/office/drawing/2014/main" id="{6C9C9544-A457-2B1A-E9A2-7AEDED5F470B}"/>
+              </a:ext>
+            </a:extLst>
+          </p:cNvPr>
+          <p:cNvPicPr>
+            <a:picLocks noChangeAspect="1"/>
+          </p:cNvPicPr>
+          <p:nvPr/>
+        </p:nvPicPr>
+        <p:blipFill rotWithShape="1">
+          <a:blip r:embed="rId3"/>
+          <a:srcRect t="7067" r="-2" b="3572"/>
+          <a:stretch/>
+        </p:blipFill>
+        <p:spPr>
+          <a:xfrm>
+            <a:off x="7190524" y="230286"/>
+            <a:ext cx="4768527" cy="4686047"/>
+          </a:xfrm>
+          <a:custGeom>
+            <a:avLst/>
+            <a:gdLst/>
+            <a:ahLst/>
+            <a:cxnLst/>
+            <a:rect l="l" t="t" r="r" b="b"/>
+            <a:pathLst>
+              <a:path w="4845018" h="4845018">
+                <a:moveTo>
+                  <a:pt x="2422509" y="0"/>
+                </a:moveTo>
+                <a:cubicBezTo>
+                  <a:pt x="3760424" y="0"/>
+                  <a:pt x="4845018" y="1084594"/>
+                  <a:pt x="4845018" y="2422509"/>
+                </a:cubicBezTo>
+                <a:cubicBezTo>
+                  <a:pt x="4845018" y="3760424"/>
+                  <a:pt x="3760424" y="4845018"/>
+                  <a:pt x="2422509" y="4845018"/>
+                </a:cubicBezTo>
+                <a:cubicBezTo>
+                  <a:pt x="1084594" y="4845018"/>
+                  <a:pt x="0" y="3760424"/>
+                  <a:pt x="0" y="2422509"/>
+                </a:cubicBezTo>
+                <a:cubicBezTo>
+                  <a:pt x="0" y="1084594"/>
+                  <a:pt x="1084594" y="0"/>
+                  <a:pt x="2422509" y="0"/>
+                </a:cubicBezTo>
+                <a:close/>
+              </a:path>
+            </a:pathLst>
+          </a:custGeom>
+        </p:spPr>
+      </p:pic>
+      <p:sp>
+        <p:nvSpPr>
+          <p:cNvPr id="15" name="Oval 14">
+            <a:extLst>
+              <a:ext uri="{FF2B5EF4-FFF2-40B4-BE49-F238E27FC236}">
+                <a16:creationId xmlns:a16="http://schemas.microsoft.com/office/drawing/2014/main" id="{40FC04D0-C60B-B61E-CD7F-9C59F443C041}"/>
+              </a:ext>
+            </a:extLst>
+          </p:cNvPr>
+          <p:cNvSpPr/>
+          <p:nvPr/>
+        </p:nvSpPr>
+        <p:spPr>
+          <a:xfrm>
+            <a:off x="8195417" y="4221622"/>
+            <a:ext cx="282011" cy="264920"/>
+          </a:xfrm>
+          <a:prstGeom prst="ellipse">
+            <a:avLst/>
+          </a:prstGeom>
+          <a:noFill/>
+          <a:ln>
+            <a:solidFill>
+              <a:srgbClr val="FF0000"/>
+            </a:solidFill>
+          </a:ln>
+        </p:spPr>
+        <p:style>
+          <a:lnRef idx="2">
+            <a:schemeClr val="accent1">
+              <a:shade val="50000"/>
+            </a:schemeClr>
+          </a:lnRef>
+          <a:fillRef idx="1">
+            <a:schemeClr val="accent1"/>
+          </a:fillRef>
+          <a:effectRef idx="0">
+            <a:schemeClr val="accent1"/>
+          </a:effectRef>
+          <a:fontRef idx="minor">
+            <a:schemeClr val="lt1"/>
+          </a:fontRef>
+        </p:style>
+        <p:txBody>
+          <a:bodyPr rtlCol="0" anchor="ctr"/>
+          <a:lstStyle/>
+          <a:p>
+            <a:pPr algn="ctr"/>
+            <a:endParaRPr lang="en-US"/>
+          </a:p>
+        </p:txBody>
+      </p:sp>
+      <p:sp>
+        <p:nvSpPr>
+          <p:cNvPr id="18" name="Oval 17">
+            <a:extLst>
+              <a:ext uri="{FF2B5EF4-FFF2-40B4-BE49-F238E27FC236}">
+                <a16:creationId xmlns:a16="http://schemas.microsoft.com/office/drawing/2014/main" id="{009348FB-6536-0982-9B56-A79767C31B23}"/>
+              </a:ext>
+            </a:extLst>
+          </p:cNvPr>
+          <p:cNvSpPr/>
+          <p:nvPr/>
+        </p:nvSpPr>
+        <p:spPr>
+          <a:xfrm>
+            <a:off x="9843331" y="2424760"/>
+            <a:ext cx="282011" cy="264920"/>
+          </a:xfrm>
+          <a:prstGeom prst="ellipse">
+            <a:avLst/>
+          </a:prstGeom>
+          <a:noFill/>
+          <a:ln>
+            <a:solidFill>
+              <a:srgbClr val="FF0000"/>
+            </a:solidFill>
+          </a:ln>
+        </p:spPr>
+        <p:style>
+          <a:lnRef idx="2">
+            <a:schemeClr val="accent1">
+              <a:shade val="50000"/>
+            </a:schemeClr>
+          </a:lnRef>
+          <a:fillRef idx="1">
+            <a:schemeClr val="accent1"/>
+          </a:fillRef>
+          <a:effectRef idx="0">
+            <a:schemeClr val="accent1"/>
+          </a:effectRef>
+          <a:fontRef idx="minor">
+            <a:schemeClr val="lt1"/>
+          </a:fontRef>
+        </p:style>
+        <p:txBody>
+          <a:bodyPr rtlCol="0" anchor="ctr"/>
+          <a:lstStyle/>
+          <a:p>
+            <a:pPr algn="ctr"/>
+            <a:endParaRPr lang="en-US" dirty="0"/>
+          </a:p>
+        </p:txBody>
+      </p:sp>
+      <p:sp>
+        <p:nvSpPr>
+          <p:cNvPr id="19" name="Oval 18">
+            <a:extLst>
+              <a:ext uri="{FF2B5EF4-FFF2-40B4-BE49-F238E27FC236}">
+                <a16:creationId xmlns:a16="http://schemas.microsoft.com/office/drawing/2014/main" id="{6A131D22-3566-A8BA-C9B3-5F8DED6B210F}"/>
+              </a:ext>
+            </a:extLst>
+          </p:cNvPr>
+          <p:cNvSpPr/>
+          <p:nvPr/>
+        </p:nvSpPr>
+        <p:spPr>
+          <a:xfrm>
+            <a:off x="11157959" y="962826"/>
+            <a:ext cx="282011" cy="264920"/>
+          </a:xfrm>
+          <a:prstGeom prst="ellipse">
+            <a:avLst/>
+          </a:prstGeom>
+          <a:noFill/>
+          <a:ln>
+            <a:solidFill>
+              <a:srgbClr val="FF0000"/>
+            </a:solidFill>
+          </a:ln>
+        </p:spPr>
+        <p:style>
+          <a:lnRef idx="2">
+            <a:schemeClr val="accent1">
+              <a:shade val="50000"/>
+            </a:schemeClr>
+          </a:lnRef>
+          <a:fillRef idx="1">
+            <a:schemeClr val="accent1"/>
+          </a:fillRef>
+          <a:effectRef idx="0">
+            <a:schemeClr val="accent1"/>
+          </a:effectRef>
+          <a:fontRef idx="minor">
+            <a:schemeClr val="lt1"/>
+          </a:fontRef>
+        </p:style>
+        <p:txBody>
+          <a:bodyPr rtlCol="0" anchor="ctr"/>
+          <a:lstStyle/>
+          <a:p>
+            <a:pPr algn="ctr"/>
+            <a:endParaRPr lang="en-US"/>
+          </a:p>
+        </p:txBody>
+      </p:sp>
+      <p:sp>
+        <p:nvSpPr>
+          <p:cNvPr id="22" name="Oval 21">
+            <a:extLst>
+              <a:ext uri="{FF2B5EF4-FFF2-40B4-BE49-F238E27FC236}">
+                <a16:creationId xmlns:a16="http://schemas.microsoft.com/office/drawing/2014/main" id="{A9A3E875-A5F9-C39E-B95D-7724472CDCC2}"/>
+              </a:ext>
+            </a:extLst>
+          </p:cNvPr>
+          <p:cNvSpPr/>
+          <p:nvPr/>
+        </p:nvSpPr>
+        <p:spPr>
+          <a:xfrm>
+            <a:off x="9640088" y="2868205"/>
+            <a:ext cx="282011" cy="264920"/>
+          </a:xfrm>
+          <a:prstGeom prst="ellipse">
+            <a:avLst/>
+          </a:prstGeom>
+          <a:noFill/>
+          <a:ln>
+            <a:solidFill>
+              <a:srgbClr val="FF0000"/>
+            </a:solidFill>
+          </a:ln>
+        </p:spPr>
+        <p:style>
+          <a:lnRef idx="2">
+            <a:schemeClr val="accent1">
+              <a:shade val="50000"/>
+            </a:schemeClr>
+          </a:lnRef>
+          <a:fillRef idx="1">
+            <a:schemeClr val="accent1"/>
+          </a:fillRef>
+          <a:effectRef idx="0">
+            <a:schemeClr val="accent1"/>
+          </a:effectRef>
+          <a:fontRef idx="minor">
+            <a:schemeClr val="lt1"/>
+          </a:fontRef>
+        </p:style>
+        <p:txBody>
+          <a:bodyPr rtlCol="0" anchor="ctr"/>
+          <a:lstStyle/>
+          <a:p>
+            <a:pPr algn="ctr"/>
+            <a:endParaRPr lang="en-US"/>
+          </a:p>
+        </p:txBody>
+      </p:sp>
+      <p:sp>
+        <p:nvSpPr>
+          <p:cNvPr id="23" name="Oval 22">
+            <a:extLst>
+              <a:ext uri="{FF2B5EF4-FFF2-40B4-BE49-F238E27FC236}">
+                <a16:creationId xmlns:a16="http://schemas.microsoft.com/office/drawing/2014/main" id="{78B30DF0-073C-BE33-A3CB-64EDD7A7EEE9}"/>
+              </a:ext>
+            </a:extLst>
+          </p:cNvPr>
+          <p:cNvSpPr/>
+          <p:nvPr/>
+        </p:nvSpPr>
+        <p:spPr>
+          <a:xfrm>
+            <a:off x="4836574" y="4089162"/>
+            <a:ext cx="282011" cy="264920"/>
+          </a:xfrm>
+          <a:prstGeom prst="ellipse">
+            <a:avLst/>
+          </a:prstGeom>
+          <a:noFill/>
+          <a:ln>
+            <a:solidFill>
+              <a:srgbClr val="FF0000"/>
+            </a:solidFill>
+          </a:ln>
+        </p:spPr>
+        <p:style>
+          <a:lnRef idx="2">
+            <a:schemeClr val="accent1">
+              <a:shade val="50000"/>
+            </a:schemeClr>
+          </a:lnRef>
+          <a:fillRef idx="1">
+            <a:schemeClr val="accent1"/>
+          </a:fillRef>
+          <a:effectRef idx="0">
+            <a:schemeClr val="accent1"/>
+          </a:effectRef>
+          <a:fontRef idx="minor">
+            <a:schemeClr val="lt1"/>
+          </a:fontRef>
+        </p:style>
+        <p:txBody>
+          <a:bodyPr rtlCol="0" anchor="ctr"/>
+          <a:lstStyle/>
+          <a:p>
+            <a:pPr algn="ctr"/>
+            <a:endParaRPr lang="en-US"/>
+          </a:p>
+        </p:txBody>
+      </p:sp>
+      <p:sp>
+        <p:nvSpPr>
+          <p:cNvPr id="24" name="Oval 23">
+            <a:extLst>
+              <a:ext uri="{FF2B5EF4-FFF2-40B4-BE49-F238E27FC236}">
+                <a16:creationId xmlns:a16="http://schemas.microsoft.com/office/drawing/2014/main" id="{8AE8A45A-05C3-07FD-3CFE-37BB968DB0A8}"/>
+              </a:ext>
+            </a:extLst>
+          </p:cNvPr>
+          <p:cNvSpPr/>
+          <p:nvPr/>
+        </p:nvSpPr>
+        <p:spPr>
+          <a:xfrm>
+            <a:off x="2227604" y="1066424"/>
+            <a:ext cx="282011" cy="264920"/>
+          </a:xfrm>
+          <a:prstGeom prst="ellipse">
+            <a:avLst/>
+          </a:prstGeom>
+          <a:noFill/>
+          <a:ln>
+            <a:solidFill>
+              <a:srgbClr val="FF0000"/>
+            </a:solidFill>
+          </a:ln>
+        </p:spPr>
+        <p:style>
+          <a:lnRef idx="2">
+            <a:schemeClr val="accent1">
+              <a:shade val="50000"/>
+            </a:schemeClr>
+          </a:lnRef>
+          <a:fillRef idx="1">
+            <a:schemeClr val="accent1"/>
+          </a:fillRef>
+          <a:effectRef idx="0">
+            <a:schemeClr val="accent1"/>
+          </a:effectRef>
+          <a:fontRef idx="minor">
+            <a:schemeClr val="lt1"/>
+          </a:fontRef>
+        </p:style>
+        <p:txBody>
+          <a:bodyPr rtlCol="0" anchor="ctr"/>
+          <a:lstStyle/>
+          <a:p>
+            <a:pPr algn="ctr"/>
+            <a:endParaRPr lang="en-US"/>
+          </a:p>
+        </p:txBody>
+      </p:sp>
+    </p:spTree>
+    <p:extLst>
+      <p:ext uri="{BB962C8B-B14F-4D97-AF65-F5344CB8AC3E}">
+        <p14:creationId xmlns:p14="http://schemas.microsoft.com/office/powerpoint/2010/main" val="2767907557"/>
       </p:ext>
     </p:extLst>
   </p:cSld>

--- a/DS_210/final/DS 210.pptx
+++ b/DS_210/final/DS 210.pptx
@@ -5649,7 +5649,13 @@
     </dgm:pt>
     <dgm:pt modelId="{481DC3DE-C970-44D8-A2A1-FC1AEB75022F}">
       <dgm:prSet/>
-      <dgm:spPr/>
+      <dgm:spPr>
+        <a:solidFill>
+          <a:schemeClr val="accent6">
+            <a:lumMod val="75000"/>
+          </a:schemeClr>
+        </a:solidFill>
+      </dgm:spPr>
       <dgm:t>
         <a:bodyPr/>
         <a:lstStyle/>
@@ -6083,7 +6089,7 @@
       <dgm:spPr/>
     </dgm:pt>
     <dgm:pt modelId="{0C0FBAD5-8BAA-4473-BAD0-1AB146AECBA9}" type="pres">
-      <dgm:prSet presAssocID="{481DC3DE-C970-44D8-A2A1-FC1AEB75022F}" presName="parentText" presStyleLbl="node1" presStyleIdx="5" presStyleCnt="6">
+      <dgm:prSet presAssocID="{481DC3DE-C970-44D8-A2A1-FC1AEB75022F}" presName="parentText" presStyleLbl="node1" presStyleIdx="5" presStyleCnt="6" custLinFactX="6754" custLinFactNeighborX="100000">
         <dgm:presLayoutVars>
           <dgm:chMax val="0"/>
           <dgm:bulletEnabled val="1"/>
@@ -8808,18 +8814,15 @@
       </dsp:nvSpPr>
       <dsp:spPr>
         <a:xfrm>
-          <a:off x="386541" y="4883782"/>
+          <a:off x="1138581" y="4883782"/>
           <a:ext cx="5411584" cy="383760"/>
         </a:xfrm>
         <a:prstGeom prst="roundRect">
           <a:avLst/>
         </a:prstGeom>
         <a:solidFill>
-          <a:schemeClr val="accent1">
-            <a:hueOff val="0"/>
-            <a:satOff val="0"/>
-            <a:lumOff val="0"/>
-            <a:alphaOff val="0"/>
+          <a:schemeClr val="accent6">
+            <a:lumMod val="75000"/>
           </a:schemeClr>
         </a:solidFill>
         <a:ln w="12700" cap="flat" cmpd="sng" algn="ctr">
@@ -8875,7 +8878,7 @@
         </a:p>
       </dsp:txBody>
       <dsp:txXfrm>
-        <a:off x="405275" y="4902516"/>
+        <a:off x="1157315" y="4902516"/>
         <a:ext cx="5374116" cy="346292"/>
       </dsp:txXfrm>
     </dsp:sp>
@@ -23030,7 +23033,7 @@
             <p:ph idx="1"/>
             <p:extLst>
               <p:ext uri="{D42A27DB-BD31-4B8C-83A1-F6EECF244321}">
-                <p14:modId xmlns:p14="http://schemas.microsoft.com/office/powerpoint/2010/main" val="1296916387"/>
+                <p14:modId xmlns:p14="http://schemas.microsoft.com/office/powerpoint/2010/main" val="4070357114"/>
               </p:ext>
             </p:extLst>
           </p:nvPr>

--- a/DS_210/final/DS 210.pptx
+++ b/DS_210/final/DS 210.pptx
@@ -18,11 +18,13 @@
     <p:sldId id="266" r:id="rId12"/>
     <p:sldId id="267" r:id="rId13"/>
     <p:sldId id="268" r:id="rId14"/>
-    <p:sldId id="269" r:id="rId15"/>
-    <p:sldId id="270" r:id="rId16"/>
-    <p:sldId id="271" r:id="rId17"/>
-    <p:sldId id="273" r:id="rId18"/>
-    <p:sldId id="272" r:id="rId19"/>
+    <p:sldId id="274" r:id="rId15"/>
+    <p:sldId id="269" r:id="rId16"/>
+    <p:sldId id="270" r:id="rId17"/>
+    <p:sldId id="275" r:id="rId18"/>
+    <p:sldId id="271" r:id="rId19"/>
+    <p:sldId id="273" r:id="rId20"/>
+    <p:sldId id="272" r:id="rId21"/>
   </p:sldIdLst>
   <p:sldSz cx="12192000" cy="6858000"/>
   <p:notesSz cx="6858000" cy="9144000"/>
@@ -4290,12 +4292,12 @@
     <dgm:cxn modelId="{279DC115-91B2-4BE7-A373-0734CA375739}" type="presOf" srcId="{0018925B-0AD3-4B2B-ADB3-E6B154667C5A}" destId="{B00F5C27-0884-4C31-841C-3FEB11AAFD19}" srcOrd="0" destOrd="0" presId="urn:microsoft.com/office/officeart/2016/7/layout/VerticalDownArrowProcess"/>
     <dgm:cxn modelId="{13AF5918-0A09-4282-B468-9657DF26352C}" type="presOf" srcId="{7A096A27-3452-45C3-9907-D8D3FE69B3FF}" destId="{2E2BB127-3644-48F9-B0F8-9EA970F636B6}" srcOrd="0" destOrd="0" presId="urn:microsoft.com/office/officeart/2016/7/layout/VerticalDownArrowProcess"/>
     <dgm:cxn modelId="{4298D52E-5677-4628-A660-00F0CE0CAAA8}" type="presOf" srcId="{D3D2F446-0F7A-474F-9B8A-A1E8B0602CDF}" destId="{CC492B09-C991-4DE1-B7CA-97BE96DD1749}" srcOrd="0" destOrd="0" presId="urn:microsoft.com/office/officeart/2016/7/layout/VerticalDownArrowProcess"/>
+    <dgm:cxn modelId="{F2F89049-1F57-4F9F-8D52-5B3FF45ECD9D}" srcId="{E5B60D7E-0DFB-4735-9155-7FC17CAF6E64}" destId="{57C7395D-FFC3-4E9E-BB6C-0EC258DE6248}" srcOrd="2" destOrd="0" parTransId="{50299AA5-F2BC-4C6E-B663-84D028726E96}" sibTransId="{85EE552E-BEF2-40AD-8998-7BA0340CD6DB}"/>
+    <dgm:cxn modelId="{259C7552-3A8E-4DBD-B448-8315391E47F7}" srcId="{6070C042-6163-489B-9077-A4032B90E401}" destId="{E5B60D7E-0DFB-4735-9155-7FC17CAF6E64}" srcOrd="1" destOrd="0" parTransId="{578F8CE9-CAC6-4A9F-B769-B6544598B098}" sibTransId="{437E6358-99FB-47EA-A1A3-1A2DFBC7BA9C}"/>
     <dgm:cxn modelId="{F92C4D5D-506C-4478-9F8E-877C5CE823DB}" srcId="{E5B60D7E-0DFB-4735-9155-7FC17CAF6E64}" destId="{3471A1EA-F5A8-49F6-8B83-E42246E43812}" srcOrd="3" destOrd="0" parTransId="{78B20673-E299-40D1-83A1-8E6AD6C28A13}" sibTransId="{30248746-AD4D-4593-9BC7-5BDBA8090DCC}"/>
     <dgm:cxn modelId="{38CBEC63-8013-4B00-997A-C0147273B906}" srcId="{0018925B-0AD3-4B2B-ADB3-E6B154667C5A}" destId="{D3D2F446-0F7A-474F-9B8A-A1E8B0602CDF}" srcOrd="0" destOrd="0" parTransId="{A83A78AA-0D8A-4A6A-8D8B-755F84A5A54B}" sibTransId="{833094C6-A234-4F62-BB89-48265BA46BDE}"/>
     <dgm:cxn modelId="{AF76EC68-C68D-48F1-846F-85B9C099DBCC}" type="presOf" srcId="{6070C042-6163-489B-9077-A4032B90E401}" destId="{3F7B588D-3EB4-4C47-B139-A791E1EE67D8}" srcOrd="0" destOrd="0" presId="urn:microsoft.com/office/officeart/2016/7/layout/VerticalDownArrowProcess"/>
-    <dgm:cxn modelId="{F2F89049-1F57-4F9F-8D52-5B3FF45ECD9D}" srcId="{E5B60D7E-0DFB-4735-9155-7FC17CAF6E64}" destId="{57C7395D-FFC3-4E9E-BB6C-0EC258DE6248}" srcOrd="2" destOrd="0" parTransId="{50299AA5-F2BC-4C6E-B663-84D028726E96}" sibTransId="{85EE552E-BEF2-40AD-8998-7BA0340CD6DB}"/>
     <dgm:cxn modelId="{BF2A336A-A2BD-408E-931E-F46431B79370}" type="presOf" srcId="{702CF828-0B7C-4D03-ABEE-FECE7591A3E5}" destId="{2E2BB127-3644-48F9-B0F8-9EA970F636B6}" srcOrd="0" destOrd="1" presId="urn:microsoft.com/office/officeart/2016/7/layout/VerticalDownArrowProcess"/>
-    <dgm:cxn modelId="{259C7552-3A8E-4DBD-B448-8315391E47F7}" srcId="{6070C042-6163-489B-9077-A4032B90E401}" destId="{E5B60D7E-0DFB-4735-9155-7FC17CAF6E64}" srcOrd="1" destOrd="0" parTransId="{578F8CE9-CAC6-4A9F-B769-B6544598B098}" sibTransId="{437E6358-99FB-47EA-A1A3-1A2DFBC7BA9C}"/>
     <dgm:cxn modelId="{0994C6A2-A4C3-4A8C-8737-B18E9A0182D9}" srcId="{E5B60D7E-0DFB-4735-9155-7FC17CAF6E64}" destId="{702CF828-0B7C-4D03-ABEE-FECE7591A3E5}" srcOrd="1" destOrd="0" parTransId="{595F7C52-73CE-4E15-971C-F5D2F4EBD33E}" sibTransId="{F6F605FF-2D6E-48D5-9170-00890620F9F7}"/>
     <dgm:cxn modelId="{2019C7CD-630D-44A9-ABB4-EA3C07935A85}" srcId="{E5B60D7E-0DFB-4735-9155-7FC17CAF6E64}" destId="{7A096A27-3452-45C3-9907-D8D3FE69B3FF}" srcOrd="0" destOrd="0" parTransId="{7EAD1127-353C-4785-8498-2C7DF88C5C82}" sibTransId="{7A0CCE6F-4C92-4AA1-9C56-F659AEA83972}"/>
     <dgm:cxn modelId="{4021C4CF-F34C-4F61-879A-8E555012D0C1}" type="presOf" srcId="{0018925B-0AD3-4B2B-ADB3-E6B154667C5A}" destId="{88BEAC5E-899C-430C-AE1F-C21F97BB9D4D}" srcOrd="1" destOrd="0" presId="urn:microsoft.com/office/officeart/2016/7/layout/VerticalDownArrowProcess"/>
@@ -4666,9 +4668,9 @@
     <dgm:cxn modelId="{26306101-959E-4365-9DDB-B1DEE4DA98B9}" type="presOf" srcId="{5CA69A66-4804-42E3-9864-0FC074A6F389}" destId="{AA679FCF-D0A6-49D7-A120-C5F580AB2E71}" srcOrd="0" destOrd="0" presId="urn:microsoft.com/office/officeart/2005/8/layout/chevron2"/>
     <dgm:cxn modelId="{2D56EE3E-05B8-431C-AE5E-52721C127B71}" srcId="{5CA69A66-4804-42E3-9864-0FC074A6F389}" destId="{139A4D81-DD0A-4DA3-8446-FA1912AAE3DD}" srcOrd="1" destOrd="0" parTransId="{94890917-53B5-468D-9A61-7176785A5664}" sibTransId="{763C6A1A-56C0-461D-97F4-FE64A78DD491}"/>
     <dgm:cxn modelId="{F6679A3F-E8B9-4D76-BD44-1F923B36FBDF}" type="presOf" srcId="{945E4203-0307-4DBD-B8E5-D7AB7543F038}" destId="{07BF7233-0466-46AB-85E5-6CFBE27B300A}" srcOrd="0" destOrd="0" presId="urn:microsoft.com/office/officeart/2005/8/layout/chevron2"/>
-    <dgm:cxn modelId="{20245960-6ACF-4B78-95A5-8FC8E91FDDAC}" srcId="{EAA3525C-1796-4DD6-8529-A59D98513046}" destId="{85A24BE9-735A-436E-A193-2811E77A2C23}" srcOrd="0" destOrd="0" parTransId="{265FF8D4-DA22-44A5-AAE8-2812835E98D0}" sibTransId="{7B365350-3352-4663-887B-F4E4B0F1F0D4}"/>
     <dgm:cxn modelId="{56C19E48-A866-483D-B688-0A29A4F84EF7}" type="presOf" srcId="{E6222C26-C501-4920-9A7B-18C1EED8440E}" destId="{8AED9F04-6C22-4828-9F63-C95D0C9A1895}" srcOrd="0" destOrd="0" presId="urn:microsoft.com/office/officeart/2005/8/layout/chevron2"/>
     <dgm:cxn modelId="{2D4B044E-85D5-4218-B0ED-11009A3B8F50}" type="presOf" srcId="{139A4D81-DD0A-4DA3-8446-FA1912AAE3DD}" destId="{AD3CCFA0-1133-425A-9743-25F1AA496C1B}" srcOrd="0" destOrd="0" presId="urn:microsoft.com/office/officeart/2005/8/layout/chevron2"/>
+    <dgm:cxn modelId="{20245960-6ACF-4B78-95A5-8FC8E91FDDAC}" srcId="{EAA3525C-1796-4DD6-8529-A59D98513046}" destId="{85A24BE9-735A-436E-A193-2811E77A2C23}" srcOrd="0" destOrd="0" parTransId="{265FF8D4-DA22-44A5-AAE8-2812835E98D0}" sibTransId="{7B365350-3352-4663-887B-F4E4B0F1F0D4}"/>
     <dgm:cxn modelId="{A74F088F-6A41-484C-AC92-A23F46E2B94A}" type="presOf" srcId="{EAA3525C-1796-4DD6-8529-A59D98513046}" destId="{8AB3C41D-DBA9-4648-B20B-F2DF7A77E389}" srcOrd="0" destOrd="0" presId="urn:microsoft.com/office/officeart/2005/8/layout/chevron2"/>
     <dgm:cxn modelId="{DA151B90-6C9E-44A8-B692-9F74097D8A55}" type="presOf" srcId="{9B365C57-631D-4664-9A6A-D4B59CB123FA}" destId="{C4528409-04C0-4DCD-BE82-BFE22ADACB4A}" srcOrd="0" destOrd="0" presId="urn:microsoft.com/office/officeart/2005/8/layout/chevron2"/>
     <dgm:cxn modelId="{34D12CA8-8755-459C-9B5A-8586C18C938D}" type="presOf" srcId="{85A24BE9-735A-436E-A193-2811E77A2C23}" destId="{063230C4-D5BF-4F1D-AAE4-9707EF8C14B1}" srcOrd="0" destOrd="0" presId="urn:microsoft.com/office/officeart/2005/8/layout/chevron2"/>
@@ -6122,16 +6124,16 @@
     <dgm:cxn modelId="{60D8C439-75A7-4E83-B119-E34C4271AF9D}" type="presOf" srcId="{753DA1D6-DAD2-4852-8BB4-E5C598B44DBA}" destId="{B780E00C-3354-4926-8AA1-121CEC2EA9C6}" srcOrd="1" destOrd="0" presId="urn:microsoft.com/office/officeart/2005/8/layout/list1"/>
     <dgm:cxn modelId="{0A77E43C-70D7-47EC-8C66-B6BFFAB2F0B5}" type="presOf" srcId="{481DC3DE-C970-44D8-A2A1-FC1AEB75022F}" destId="{EB9E37E6-7636-4086-84D3-2CE43B370536}" srcOrd="0" destOrd="0" presId="urn:microsoft.com/office/officeart/2005/8/layout/list1"/>
     <dgm:cxn modelId="{A207BA3F-C56C-48EC-B16E-9BC383B54847}" type="presOf" srcId="{7FC4A5B5-D675-4BB8-9340-0B736CD832D4}" destId="{66A130A2-F2F1-44B8-93CF-24A1731A3672}" srcOrd="0" destOrd="0" presId="urn:microsoft.com/office/officeart/2005/8/layout/list1"/>
-    <dgm:cxn modelId="{F802C964-5240-42D2-B833-A3A438C82C94}" srcId="{FDCC3AF2-4921-468E-9379-971B610360E3}" destId="{8CCAE849-B563-4CF5-9552-0DE4194A6DD0}" srcOrd="1" destOrd="0" parTransId="{B66C980A-E757-4997-9197-D1C3030D9B92}" sibTransId="{BE588C1E-A9BB-40C8-A8D5-03C462BEAEC3}"/>
     <dgm:cxn modelId="{75956046-54AB-48F8-B834-2FDA8DAF5779}" type="presOf" srcId="{435E00B7-7A53-4C09-99C6-906B01DFA20C}" destId="{E69AD585-919A-4DEE-84C8-88867F44A368}" srcOrd="0" destOrd="0" presId="urn:microsoft.com/office/officeart/2005/8/layout/list1"/>
-    <dgm:cxn modelId="{02262E6A-7305-4EE5-8100-CF8B2D1E13B5}" srcId="{7FC4A5B5-D675-4BB8-9340-0B736CD832D4}" destId="{FABD4DC9-BACD-440F-B422-A0409D03C7CC}" srcOrd="0" destOrd="0" parTransId="{DE5719C8-9769-478E-AA58-3CB7C7B17181}" sibTransId="{41DEDD8E-C989-48ED-BB23-3176F9EADCA9}"/>
     <dgm:cxn modelId="{90F8684A-7FD7-4E95-A9DE-C2926B792168}" type="presOf" srcId="{FABD4DC9-BACD-440F-B422-A0409D03C7CC}" destId="{0D4004F6-E058-4DDF-A164-715DD482AC61}" srcOrd="0" destOrd="0" presId="urn:microsoft.com/office/officeart/2005/8/layout/list1"/>
     <dgm:cxn modelId="{D9D1FE4C-16EC-470F-A030-8BA0A74EB846}" type="presOf" srcId="{753DA1D6-DAD2-4852-8BB4-E5C598B44DBA}" destId="{82DCA116-E9A5-4F69-B66F-A0C849AC4D30}" srcOrd="0" destOrd="0" presId="urn:microsoft.com/office/officeart/2005/8/layout/list1"/>
+    <dgm:cxn modelId="{80225552-9AE9-4964-9BE7-BAA1D5911658}" srcId="{753DA1D6-DAD2-4852-8BB4-E5C598B44DBA}" destId="{28660098-959B-426C-969E-0727AD369027}" srcOrd="0" destOrd="0" parTransId="{B21D85E6-3A1C-4F82-9AB8-B7203BC0245A}" sibTransId="{42B59699-95E7-4E47-85C8-4FDE622C2148}"/>
+    <dgm:cxn modelId="{86262257-198B-4FB2-BDEE-45D166FDF96E}" type="presOf" srcId="{52196BBC-FDDD-4561-8F43-79CD039561DC}" destId="{0D4004F6-E058-4DDF-A164-715DD482AC61}" srcOrd="0" destOrd="1" presId="urn:microsoft.com/office/officeart/2005/8/layout/list1"/>
+    <dgm:cxn modelId="{F802C964-5240-42D2-B833-A3A438C82C94}" srcId="{FDCC3AF2-4921-468E-9379-971B610360E3}" destId="{8CCAE849-B563-4CF5-9552-0DE4194A6DD0}" srcOrd="1" destOrd="0" parTransId="{B66C980A-E757-4997-9197-D1C3030D9B92}" sibTransId="{BE588C1E-A9BB-40C8-A8D5-03C462BEAEC3}"/>
+    <dgm:cxn modelId="{02262E6A-7305-4EE5-8100-CF8B2D1E13B5}" srcId="{7FC4A5B5-D675-4BB8-9340-0B736CD832D4}" destId="{FABD4DC9-BACD-440F-B422-A0409D03C7CC}" srcOrd="0" destOrd="0" parTransId="{DE5719C8-9769-478E-AA58-3CB7C7B17181}" sibTransId="{41DEDD8E-C989-48ED-BB23-3176F9EADCA9}"/>
     <dgm:cxn modelId="{E6C28E6D-81F5-4BA3-9F0C-4434482390AC}" type="presOf" srcId="{435E00B7-7A53-4C09-99C6-906B01DFA20C}" destId="{D5A4B806-BC74-4974-9E6C-1E11450EF472}" srcOrd="1" destOrd="0" presId="urn:microsoft.com/office/officeart/2005/8/layout/list1"/>
     <dgm:cxn modelId="{2D4D6871-436D-4AE5-8EEA-4A1C6AB851D8}" type="presOf" srcId="{FDCC3AF2-4921-468E-9379-971B610360E3}" destId="{81C34FC6-669F-4DA2-A38B-C2A42B765DE6}" srcOrd="1" destOrd="0" presId="urn:microsoft.com/office/officeart/2005/8/layout/list1"/>
     <dgm:cxn modelId="{E4E57871-0D5E-4043-BB3B-3F1826D575D3}" srcId="{0EA9049D-00B7-4678-BA9A-1F2F6E0AE135}" destId="{435E00B7-7A53-4C09-99C6-906B01DFA20C}" srcOrd="3" destOrd="0" parTransId="{0DBC718B-7049-49FA-AFC9-C6EF9E9F3C27}" sibTransId="{EF4EBF6B-2205-4C7C-9F4F-EB9A434B22F6}"/>
-    <dgm:cxn modelId="{80225552-9AE9-4964-9BE7-BAA1D5911658}" srcId="{753DA1D6-DAD2-4852-8BB4-E5C598B44DBA}" destId="{28660098-959B-426C-969E-0727AD369027}" srcOrd="0" destOrd="0" parTransId="{B21D85E6-3A1C-4F82-9AB8-B7203BC0245A}" sibTransId="{42B59699-95E7-4E47-85C8-4FDE622C2148}"/>
-    <dgm:cxn modelId="{86262257-198B-4FB2-BDEE-45D166FDF96E}" type="presOf" srcId="{52196BBC-FDDD-4561-8F43-79CD039561DC}" destId="{0D4004F6-E058-4DDF-A164-715DD482AC61}" srcOrd="0" destOrd="1" presId="urn:microsoft.com/office/officeart/2005/8/layout/list1"/>
     <dgm:cxn modelId="{84FB4577-303D-4A47-A6F2-83DAA5A41541}" type="presOf" srcId="{481DC3DE-C970-44D8-A2A1-FC1AEB75022F}" destId="{0C0FBAD5-8BAA-4473-BAD0-1AB146AECBA9}" srcOrd="1" destOrd="0" presId="urn:microsoft.com/office/officeart/2005/8/layout/list1"/>
     <dgm:cxn modelId="{2858058B-35B6-4E8B-B9C1-97773E534719}" srcId="{0EA9049D-00B7-4678-BA9A-1F2F6E0AE135}" destId="{FDCC3AF2-4921-468E-9379-971B610360E3}" srcOrd="2" destOrd="0" parTransId="{CCAC0627-C473-4179-9A07-747BC46F33A2}" sibTransId="{878BCF7A-4A74-4A3B-A9BD-50B3C3A3BDF8}"/>
     <dgm:cxn modelId="{0757E29A-16FF-4C7E-AFC5-9979F7B57438}" srcId="{FDCC3AF2-4921-468E-9379-971B610360E3}" destId="{602D02A1-38D9-430D-8FC4-E5976289C4C1}" srcOrd="0" destOrd="0" parTransId="{A87D04BD-E599-4382-BC34-72E9754F0B68}" sibTransId="{24354829-96DB-49DB-A8E7-433AF1F082C6}"/>
@@ -15431,7 +15433,7 @@
           <a:p>
             <a:fld id="{8C28A28C-4C6A-46EA-90C0-4EE0B89CC5C7}" type="datetimeFigureOut">
               <a:rPr lang="en-US" smtClean="0"/>
-              <a:t>5/9/2022</a:t>
+              <a:t>5/11/22</a:t>
             </a:fld>
             <a:endParaRPr lang="en-US" dirty="0"/>
           </a:p>
@@ -15629,7 +15631,7 @@
           <a:p>
             <a:fld id="{8C28A28C-4C6A-46EA-90C0-4EE0B89CC5C7}" type="datetimeFigureOut">
               <a:rPr lang="en-US" smtClean="0"/>
-              <a:t>5/9/2022</a:t>
+              <a:t>5/11/22</a:t>
             </a:fld>
             <a:endParaRPr lang="en-US"/>
           </a:p>
@@ -15837,7 +15839,7 @@
           <a:p>
             <a:fld id="{8C28A28C-4C6A-46EA-90C0-4EE0B89CC5C7}" type="datetimeFigureOut">
               <a:rPr lang="en-US" smtClean="0"/>
-              <a:t>5/9/2022</a:t>
+              <a:t>5/11/22</a:t>
             </a:fld>
             <a:endParaRPr lang="en-US"/>
           </a:p>
@@ -16035,7 +16037,7 @@
           <a:p>
             <a:fld id="{8C28A28C-4C6A-46EA-90C0-4EE0B89CC5C7}" type="datetimeFigureOut">
               <a:rPr lang="en-US" smtClean="0"/>
-              <a:t>5/9/2022</a:t>
+              <a:t>5/11/22</a:t>
             </a:fld>
             <a:endParaRPr lang="en-US"/>
           </a:p>
@@ -16312,7 +16314,7 @@
           <a:p>
             <a:fld id="{8C28A28C-4C6A-46EA-90C0-4EE0B89CC5C7}" type="datetimeFigureOut">
               <a:rPr lang="en-US" smtClean="0"/>
-              <a:t>5/9/2022</a:t>
+              <a:t>5/11/22</a:t>
             </a:fld>
             <a:endParaRPr lang="en-US"/>
           </a:p>
@@ -16577,7 +16579,7 @@
           <a:p>
             <a:fld id="{8C28A28C-4C6A-46EA-90C0-4EE0B89CC5C7}" type="datetimeFigureOut">
               <a:rPr lang="en-US" smtClean="0"/>
-              <a:t>5/9/2022</a:t>
+              <a:t>5/11/22</a:t>
             </a:fld>
             <a:endParaRPr lang="en-US"/>
           </a:p>
@@ -16989,7 +16991,7 @@
           <a:p>
             <a:fld id="{8C28A28C-4C6A-46EA-90C0-4EE0B89CC5C7}" type="datetimeFigureOut">
               <a:rPr lang="en-US" smtClean="0"/>
-              <a:t>5/9/2022</a:t>
+              <a:t>5/11/22</a:t>
             </a:fld>
             <a:endParaRPr lang="en-US"/>
           </a:p>
@@ -17130,7 +17132,7 @@
           <a:p>
             <a:fld id="{8C28A28C-4C6A-46EA-90C0-4EE0B89CC5C7}" type="datetimeFigureOut">
               <a:rPr lang="en-US" smtClean="0"/>
-              <a:t>5/9/2022</a:t>
+              <a:t>5/11/22</a:t>
             </a:fld>
             <a:endParaRPr lang="en-US"/>
           </a:p>
@@ -17243,7 +17245,7 @@
           <a:p>
             <a:fld id="{8C28A28C-4C6A-46EA-90C0-4EE0B89CC5C7}" type="datetimeFigureOut">
               <a:rPr lang="en-US" smtClean="0"/>
-              <a:t>5/9/2022</a:t>
+              <a:t>5/11/22</a:t>
             </a:fld>
             <a:endParaRPr lang="en-US"/>
           </a:p>
@@ -17556,7 +17558,7 @@
           <a:p>
             <a:fld id="{8C28A28C-4C6A-46EA-90C0-4EE0B89CC5C7}" type="datetimeFigureOut">
               <a:rPr lang="en-US" smtClean="0"/>
-              <a:t>5/9/2022</a:t>
+              <a:t>5/11/22</a:t>
             </a:fld>
             <a:endParaRPr lang="en-US"/>
           </a:p>
@@ -17844,7 +17846,7 @@
           <a:p>
             <a:fld id="{8C28A28C-4C6A-46EA-90C0-4EE0B89CC5C7}" type="datetimeFigureOut">
               <a:rPr lang="en-US" smtClean="0"/>
-              <a:t>5/9/2022</a:t>
+              <a:t>5/11/22</a:t>
             </a:fld>
             <a:endParaRPr lang="en-US"/>
           </a:p>
@@ -18199,7 +18201,7 @@
             <a:fld id="{8C28A28C-4C6A-46EA-90C0-4EE0B89CC5C7}" type="datetimeFigureOut">
               <a:rPr lang="en-US" smtClean="0"/>
               <a:pPr/>
-              <a:t>5/9/2022</a:t>
+              <a:t>5/11/22</a:t>
             </a:fld>
             <a:endParaRPr lang="en-US" dirty="0"/>
           </a:p>
@@ -19296,10 +19298,10 @@
       </p:grpSpPr>
       <p:sp useBgFill="1">
         <p:nvSpPr>
-          <p:cNvPr id="8" name="Rectangle 7">
+          <p:cNvPr id="23" name="Rectangle 22">
             <a:extLst>
               <a:ext uri="{FF2B5EF4-FFF2-40B4-BE49-F238E27FC236}">
-                <a16:creationId xmlns:a16="http://schemas.microsoft.com/office/drawing/2014/main" id="{D93C0950-3C3C-4FE9-BE59-DAF5AEF993AE}"/>
+                <a16:creationId xmlns:a16="http://schemas.microsoft.com/office/drawing/2014/main" id="{DA1766D0-745A-4921-A68E-56642A6508CF}"/>
               </a:ext>
               <a:ext uri="{C183D7F6-B498-43B3-948B-1728B52AA6E4}">
                 <adec:decorative xmlns:adec="http://schemas.microsoft.com/office/drawing/2017/decorative" val="1"/>
@@ -19388,8 +19390,8 @@
         </p:nvSpPr>
         <p:spPr>
           <a:xfrm>
-            <a:off x="1077362" y="720435"/>
-            <a:ext cx="6608086" cy="1507375"/>
+            <a:off x="1077364" y="720435"/>
+            <a:ext cx="4140096" cy="1507375"/>
           </a:xfrm>
         </p:spPr>
         <p:txBody>
@@ -19407,10 +19409,10 @@
       </p:sp>
       <p:sp>
         <p:nvSpPr>
-          <p:cNvPr id="3" name="Content Placeholder 2">
+          <p:cNvPr id="20" name="Content Placeholder 19">
             <a:extLst>
               <a:ext uri="{FF2B5EF4-FFF2-40B4-BE49-F238E27FC236}">
-                <a16:creationId xmlns:a16="http://schemas.microsoft.com/office/drawing/2014/main" id="{6B05E4B7-465B-7DF3-5391-56E77E3BFD21}"/>
+                <a16:creationId xmlns:a16="http://schemas.microsoft.com/office/drawing/2014/main" id="{16604D43-69B8-64A4-9C31-96C78BB826ED}"/>
               </a:ext>
             </a:extLst>
           </p:cNvPr>
@@ -19423,8 +19425,8 @@
         </p:nvSpPr>
         <p:spPr>
           <a:xfrm>
-            <a:off x="1077362" y="2434974"/>
-            <a:ext cx="6608086" cy="3505855"/>
+            <a:off x="1077364" y="2427316"/>
+            <a:ext cx="4140096" cy="3513514"/>
           </a:xfrm>
         </p:spPr>
         <p:txBody>
@@ -19433,251 +19435,31 @@
           </a:bodyPr>
           <a:lstStyle/>
           <a:p>
-            <a:endParaRPr lang="en-US"/>
+            <a:r>
+              <a:rPr lang="en-US" dirty="0"/>
+              <a:t>The data are loaded via the CSV reader. </a:t>
+            </a:r>
+          </a:p>
+          <a:p>
+            <a:r>
+              <a:rPr lang="en-US" dirty="0"/>
+              <a:t>From this point, a scatter matrix can be generated for visualization</a:t>
+            </a:r>
+          </a:p>
+          <a:p>
+            <a:r>
+              <a:rPr lang="en-US" dirty="0"/>
+              <a:t>Basic linear correlation and a linear regression learner can be run on the frame</a:t>
+            </a:r>
           </a:p>
         </p:txBody>
       </p:sp>
       <p:sp>
         <p:nvSpPr>
-          <p:cNvPr id="10" name="Rectangle 9">
+          <p:cNvPr id="25" name="Freeform: Shape 24">
             <a:extLst>
               <a:ext uri="{FF2B5EF4-FFF2-40B4-BE49-F238E27FC236}">
-                <a16:creationId xmlns:a16="http://schemas.microsoft.com/office/drawing/2014/main" id="{4C415DDA-2676-413C-8636-3E46EB18FAAC}"/>
-              </a:ext>
-              <a:ext uri="{C183D7F6-B498-43B3-948B-1728B52AA6E4}">
-                <adec:decorative xmlns:adec="http://schemas.microsoft.com/office/drawing/2017/decorative" val="1"/>
-              </a:ext>
-            </a:extLst>
-          </p:cNvPr>
-          <p:cNvSpPr>
-            <a:spLocks noGrp="1" noRot="1" noChangeAspect="1" noMove="1" noResize="1" noEditPoints="1" noAdjustHandles="1" noChangeArrowheads="1" noChangeShapeType="1" noTextEdit="1"/>
-          </p:cNvSpPr>
-          <p:nvPr>
-            <p:extLst>
-              <p:ext uri="{386F3935-93C4-4BCD-93E2-E3B085C9AB24}">
-                <p16:designElem xmlns:p16="http://schemas.microsoft.com/office/powerpoint/2015/main" val="1"/>
-              </p:ext>
-            </p:extLst>
-          </p:nvPr>
-        </p:nvSpPr>
-        <p:spPr>
-          <a:xfrm>
-            <a:off x="8707925" y="3401303"/>
-            <a:ext cx="3485994" cy="3456698"/>
-          </a:xfrm>
-          <a:prstGeom prst="rect">
-            <a:avLst/>
-          </a:prstGeom>
-          <a:solidFill>
-            <a:schemeClr val="tx2"/>
-          </a:solidFill>
-          <a:ln>
-            <a:noFill/>
-          </a:ln>
-        </p:spPr>
-        <p:style>
-          <a:lnRef idx="2">
-            <a:schemeClr val="accent1">
-              <a:shade val="50000"/>
-            </a:schemeClr>
-          </a:lnRef>
-          <a:fillRef idx="1">
-            <a:schemeClr val="accent1"/>
-          </a:fillRef>
-          <a:effectRef idx="0">
-            <a:schemeClr val="accent1"/>
-          </a:effectRef>
-          <a:fontRef idx="minor">
-            <a:schemeClr val="lt1"/>
-          </a:fontRef>
-        </p:style>
-        <p:txBody>
-          <a:bodyPr rtlCol="0" anchor="ctr"/>
-          <a:lstStyle/>
-          <a:p>
-            <a:pPr algn="ctr"/>
-            <a:endParaRPr lang="en-US"/>
-          </a:p>
-        </p:txBody>
-      </p:sp>
-      <p:sp>
-        <p:nvSpPr>
-          <p:cNvPr id="12" name="Rectangle 11">
-            <a:extLst>
-              <a:ext uri="{FF2B5EF4-FFF2-40B4-BE49-F238E27FC236}">
-                <a16:creationId xmlns:a16="http://schemas.microsoft.com/office/drawing/2014/main" id="{9CD5FADB-FB52-448C-9702-2000373C298A}"/>
-              </a:ext>
-              <a:ext uri="{C183D7F6-B498-43B3-948B-1728B52AA6E4}">
-                <adec:decorative xmlns:adec="http://schemas.microsoft.com/office/drawing/2017/decorative" val="1"/>
-              </a:ext>
-            </a:extLst>
-          </p:cNvPr>
-          <p:cNvSpPr>
-            <a:spLocks noGrp="1" noRot="1" noChangeAspect="1" noMove="1" noResize="1" noEditPoints="1" noAdjustHandles="1" noChangeArrowheads="1" noChangeShapeType="1" noTextEdit="1"/>
-          </p:cNvSpPr>
-          <p:nvPr>
-            <p:extLst>
-              <p:ext uri="{386F3935-93C4-4BCD-93E2-E3B085C9AB24}">
-                <p16:designElem xmlns:p16="http://schemas.microsoft.com/office/powerpoint/2015/main" val="1"/>
-              </p:ext>
-            </p:extLst>
-          </p:nvPr>
-        </p:nvSpPr>
-        <p:spPr>
-          <a:xfrm rot="10800000">
-            <a:off x="8707923" y="-131"/>
-            <a:ext cx="3488653" cy="3406192"/>
-          </a:xfrm>
-          <a:prstGeom prst="rect">
-            <a:avLst/>
-          </a:prstGeom>
-          <a:solidFill>
-            <a:schemeClr val="accent4">
-              <a:lumMod val="40000"/>
-              <a:lumOff val="60000"/>
-            </a:schemeClr>
-          </a:solidFill>
-          <a:ln>
-            <a:noFill/>
-          </a:ln>
-        </p:spPr>
-        <p:style>
-          <a:lnRef idx="2">
-            <a:schemeClr val="accent1">
-              <a:shade val="50000"/>
-            </a:schemeClr>
-          </a:lnRef>
-          <a:fillRef idx="1">
-            <a:schemeClr val="accent1"/>
-          </a:fillRef>
-          <a:effectRef idx="0">
-            <a:schemeClr val="accent1"/>
-          </a:effectRef>
-          <a:fontRef idx="minor">
-            <a:schemeClr val="lt1"/>
-          </a:fontRef>
-        </p:style>
-        <p:txBody>
-          <a:bodyPr rtlCol="0" anchor="ctr"/>
-          <a:lstStyle/>
-          <a:p>
-            <a:pPr algn="ctr"/>
-            <a:endParaRPr lang="en-US" dirty="0"/>
-          </a:p>
-        </p:txBody>
-      </p:sp>
-      <p:sp>
-        <p:nvSpPr>
-          <p:cNvPr id="14" name="Freeform: Shape 13">
-            <a:extLst>
-              <a:ext uri="{FF2B5EF4-FFF2-40B4-BE49-F238E27FC236}">
-                <a16:creationId xmlns:a16="http://schemas.microsoft.com/office/drawing/2014/main" id="{30F2F495-5DE2-4DF5-8741-3841A9DE41B3}"/>
-              </a:ext>
-              <a:ext uri="{C183D7F6-B498-43B3-948B-1728B52AA6E4}">
-                <adec:decorative xmlns:adec="http://schemas.microsoft.com/office/drawing/2017/decorative" val="1"/>
-              </a:ext>
-            </a:extLst>
-          </p:cNvPr>
-          <p:cNvSpPr>
-            <a:spLocks noGrp="1" noRot="1" noChangeAspect="1" noMove="1" noResize="1" noEditPoints="1" noAdjustHandles="1" noChangeArrowheads="1" noChangeShapeType="1" noTextEdit="1"/>
-          </p:cNvSpPr>
-          <p:nvPr>
-            <p:extLst>
-              <p:ext uri="{386F3935-93C4-4BCD-93E2-E3B085C9AB24}">
-                <p16:designElem xmlns:p16="http://schemas.microsoft.com/office/powerpoint/2015/main" val="1"/>
-              </p:ext>
-            </p:extLst>
-          </p:nvPr>
-        </p:nvSpPr>
-        <p:spPr>
-          <a:xfrm rot="10800000" flipV="1">
-            <a:off x="8707925" y="3406925"/>
-            <a:ext cx="3485990" cy="3451076"/>
-          </a:xfrm>
-          <a:custGeom>
-            <a:avLst/>
-            <a:gdLst>
-              <a:gd name="connsiteX0" fmla="*/ 0 w 2559050"/>
-              <a:gd name="connsiteY0" fmla="*/ 0 h 2559050"/>
-              <a:gd name="connsiteX1" fmla="*/ 2559050 w 2559050"/>
-              <a:gd name="connsiteY1" fmla="*/ 0 h 2559050"/>
-              <a:gd name="connsiteX2" fmla="*/ 0 w 2559050"/>
-              <a:gd name="connsiteY2" fmla="*/ 2559050 h 2559050"/>
-            </a:gdLst>
-            <a:ahLst/>
-            <a:cxnLst>
-              <a:cxn ang="0">
-                <a:pos x="connsiteX0" y="connsiteY0"/>
-              </a:cxn>
-              <a:cxn ang="0">
-                <a:pos x="connsiteX1" y="connsiteY1"/>
-              </a:cxn>
-              <a:cxn ang="0">
-                <a:pos x="connsiteX2" y="connsiteY2"/>
-              </a:cxn>
-            </a:cxnLst>
-            <a:rect l="l" t="t" r="r" b="b"/>
-            <a:pathLst>
-              <a:path w="2559050" h="2559050">
-                <a:moveTo>
-                  <a:pt x="0" y="0"/>
-                </a:moveTo>
-                <a:lnTo>
-                  <a:pt x="2559050" y="0"/>
-                </a:lnTo>
-                <a:cubicBezTo>
-                  <a:pt x="2559050" y="1413324"/>
-                  <a:pt x="1413324" y="2559050"/>
-                  <a:pt x="0" y="2559050"/>
-                </a:cubicBezTo>
-                <a:close/>
-              </a:path>
-            </a:pathLst>
-          </a:custGeom>
-          <a:solidFill>
-            <a:schemeClr val="accent5"/>
-          </a:solidFill>
-          <a:ln>
-            <a:noFill/>
-          </a:ln>
-        </p:spPr>
-        <p:style>
-          <a:lnRef idx="2">
-            <a:schemeClr val="accent1">
-              <a:shade val="50000"/>
-            </a:schemeClr>
-          </a:lnRef>
-          <a:fillRef idx="1">
-            <a:schemeClr val="accent1"/>
-          </a:fillRef>
-          <a:effectRef idx="0">
-            <a:schemeClr val="accent1"/>
-          </a:effectRef>
-          <a:fontRef idx="minor">
-            <a:schemeClr val="lt1"/>
-          </a:fontRef>
-        </p:style>
-        <p:txBody>
-          <a:bodyPr wrap="square" rtlCol="0" anchor="ctr">
-            <a:noAutofit/>
-          </a:bodyPr>
-          <a:lstStyle/>
-          <a:p>
-            <a:pPr algn="ctr"/>
-            <a:endParaRPr lang="en-US">
-              <a:solidFill>
-                <a:schemeClr val="tx1"/>
-              </a:solidFill>
-            </a:endParaRPr>
-          </a:p>
-        </p:txBody>
-      </p:sp>
-      <p:sp>
-        <p:nvSpPr>
-          <p:cNvPr id="16" name="Rectangle 34">
-            <a:extLst>
-              <a:ext uri="{FF2B5EF4-FFF2-40B4-BE49-F238E27FC236}">
-                <a16:creationId xmlns:a16="http://schemas.microsoft.com/office/drawing/2014/main" id="{6A740D2F-CBAA-486B-B578-F35085ECE7DE}"/>
+                <a16:creationId xmlns:a16="http://schemas.microsoft.com/office/drawing/2014/main" id="{583F1E3F-D7BF-4DB5-8016-70B9E385E338}"/>
               </a:ext>
               <a:ext uri="{C183D7F6-B498-43B3-948B-1728B52AA6E4}">
                 <adec:decorative xmlns:adec="http://schemas.microsoft.com/office/drawing/2017/decorative" val="1"/>
@@ -19697,702 +19479,7 @@
         </p:nvSpPr>
         <p:spPr>
           <a:xfrm rot="16200000">
-            <a:off x="8749175" y="-41251"/>
-            <a:ext cx="3417103" cy="3499599"/>
-          </a:xfrm>
-          <a:custGeom>
-            <a:avLst/>
-            <a:gdLst>
-              <a:gd name="connsiteX0" fmla="*/ 0 w 3484819"/>
-              <a:gd name="connsiteY0" fmla="*/ 0 h 3430264"/>
-              <a:gd name="connsiteX1" fmla="*/ 3484819 w 3484819"/>
-              <a:gd name="connsiteY1" fmla="*/ 0 h 3430264"/>
-              <a:gd name="connsiteX2" fmla="*/ 3484819 w 3484819"/>
-              <a:gd name="connsiteY2" fmla="*/ 3430264 h 3430264"/>
-              <a:gd name="connsiteX3" fmla="*/ 0 w 3484819"/>
-              <a:gd name="connsiteY3" fmla="*/ 3430264 h 3430264"/>
-              <a:gd name="connsiteX4" fmla="*/ 0 w 3484819"/>
-              <a:gd name="connsiteY4" fmla="*/ 0 h 3430264"/>
-              <a:gd name="connsiteX0" fmla="*/ 0 w 3484819"/>
-              <a:gd name="connsiteY0" fmla="*/ 0 h 3430264"/>
-              <a:gd name="connsiteX1" fmla="*/ 3484819 w 3484819"/>
-              <a:gd name="connsiteY1" fmla="*/ 0 h 3430264"/>
-              <a:gd name="connsiteX2" fmla="*/ 0 w 3484819"/>
-              <a:gd name="connsiteY2" fmla="*/ 3430264 h 3430264"/>
-              <a:gd name="connsiteX3" fmla="*/ 0 w 3484819"/>
-              <a:gd name="connsiteY3" fmla="*/ 0 h 3430264"/>
-            </a:gdLst>
-            <a:ahLst/>
-            <a:cxnLst>
-              <a:cxn ang="0">
-                <a:pos x="connsiteX0" y="connsiteY0"/>
-              </a:cxn>
-              <a:cxn ang="0">
-                <a:pos x="connsiteX1" y="connsiteY1"/>
-              </a:cxn>
-              <a:cxn ang="0">
-                <a:pos x="connsiteX2" y="connsiteY2"/>
-              </a:cxn>
-              <a:cxn ang="0">
-                <a:pos x="connsiteX3" y="connsiteY3"/>
-              </a:cxn>
-            </a:cxnLst>
-            <a:rect l="l" t="t" r="r" b="b"/>
-            <a:pathLst>
-              <a:path w="3484819" h="3430264">
-                <a:moveTo>
-                  <a:pt x="0" y="0"/>
-                </a:moveTo>
-                <a:lnTo>
-                  <a:pt x="3484819" y="0"/>
-                </a:lnTo>
-                <a:lnTo>
-                  <a:pt x="0" y="3430264"/>
-                </a:lnTo>
-                <a:lnTo>
-                  <a:pt x="0" y="0"/>
-                </a:lnTo>
-                <a:close/>
-              </a:path>
-            </a:pathLst>
-          </a:custGeom>
-          <a:solidFill>
-            <a:schemeClr val="accent1">
-              <a:lumMod val="60000"/>
-              <a:lumOff val="40000"/>
-            </a:schemeClr>
-          </a:solidFill>
-          <a:ln>
-            <a:noFill/>
-          </a:ln>
-        </p:spPr>
-        <p:style>
-          <a:lnRef idx="2">
-            <a:schemeClr val="accent1">
-              <a:shade val="50000"/>
-            </a:schemeClr>
-          </a:lnRef>
-          <a:fillRef idx="1">
-            <a:schemeClr val="accent1"/>
-          </a:fillRef>
-          <a:effectRef idx="0">
-            <a:schemeClr val="accent1"/>
-          </a:effectRef>
-          <a:fontRef idx="minor">
-            <a:schemeClr val="lt1"/>
-          </a:fontRef>
-        </p:style>
-        <p:txBody>
-          <a:bodyPr rtlCol="0" anchor="ctr"/>
-          <a:lstStyle/>
-          <a:p>
-            <a:pPr algn="ctr"/>
-            <a:endParaRPr lang="en-US" dirty="0"/>
-          </a:p>
-        </p:txBody>
-      </p:sp>
-    </p:spTree>
-    <p:extLst>
-      <p:ext uri="{BB962C8B-B14F-4D97-AF65-F5344CB8AC3E}">
-        <p14:creationId xmlns:p14="http://schemas.microsoft.com/office/powerpoint/2010/main" val="1647589671"/>
-      </p:ext>
-    </p:extLst>
-  </p:cSld>
-  <p:clrMapOvr>
-    <a:masterClrMapping/>
-  </p:clrMapOvr>
-</p:sld>
-</file>
-
-<file path=ppt/slides/slide13.xml><?xml version="1.0" encoding="utf-8"?>
-<p:sld xmlns:a="http://schemas.openxmlformats.org/drawingml/2006/main" xmlns:r="http://schemas.openxmlformats.org/officeDocument/2006/relationships" xmlns:p="http://schemas.openxmlformats.org/presentationml/2006/main">
-  <p:cSld>
-    <p:bg>
-      <p:bgPr>
-        <a:solidFill>
-          <a:schemeClr val="bg1"/>
-        </a:solidFill>
-        <a:effectLst/>
-      </p:bgPr>
-    </p:bg>
-    <p:spTree>
-      <p:nvGrpSpPr>
-        <p:cNvPr id="1" name=""/>
-        <p:cNvGrpSpPr/>
-        <p:nvPr/>
-      </p:nvGrpSpPr>
-      <p:grpSpPr>
-        <a:xfrm>
-          <a:off x="0" y="0"/>
-          <a:ext cx="0" cy="0"/>
-          <a:chOff x="0" y="0"/>
-          <a:chExt cx="0" cy="0"/>
-        </a:xfrm>
-      </p:grpSpPr>
-      <p:sp useBgFill="1">
-        <p:nvSpPr>
-          <p:cNvPr id="9" name="Rectangle 8">
-            <a:extLst>
-              <a:ext uri="{FF2B5EF4-FFF2-40B4-BE49-F238E27FC236}">
-                <a16:creationId xmlns:a16="http://schemas.microsoft.com/office/drawing/2014/main" id="{30901EA4-6CA0-4A64-939C-F76E88D155AA}"/>
-              </a:ext>
-              <a:ext uri="{C183D7F6-B498-43B3-948B-1728B52AA6E4}">
-                <adec:decorative xmlns:adec="http://schemas.microsoft.com/office/drawing/2017/decorative" val="1"/>
-              </a:ext>
-            </a:extLst>
-          </p:cNvPr>
-          <p:cNvSpPr>
-            <a:spLocks noGrp="1" noRot="1" noChangeAspect="1" noMove="1" noResize="1" noEditPoints="1" noAdjustHandles="1" noChangeArrowheads="1" noChangeShapeType="1" noTextEdit="1"/>
-          </p:cNvSpPr>
-          <p:nvPr>
-            <p:extLst>
-              <p:ext uri="{386F3935-93C4-4BCD-93E2-E3B085C9AB24}">
-                <p16:designElem xmlns:p16="http://schemas.microsoft.com/office/powerpoint/2015/main" val="1"/>
-              </p:ext>
-            </p:extLst>
-          </p:nvPr>
-        </p:nvSpPr>
-        <p:spPr>
-          <a:xfrm>
-            <a:off x="0" y="0"/>
-            <a:ext cx="12192000" cy="6858000"/>
-          </a:xfrm>
-          <a:prstGeom prst="rect">
-            <a:avLst/>
-          </a:prstGeom>
-          <a:ln w="12700" cap="flat" cmpd="sng" algn="ctr">
-            <a:noFill/>
-            <a:prstDash val="solid"/>
-            <a:miter lim="800000"/>
-          </a:ln>
-          <a:effectLst/>
-          <a:extLst>
-            <a:ext uri="{91240B29-F687-4F45-9708-019B960494DF}">
-              <a14:hiddenLine xmlns:a14="http://schemas.microsoft.com/office/drawing/2010/main" w="12700" cap="flat" cmpd="sng" algn="ctr">
-                <a:solidFill>
-                  <a:schemeClr val="accent1">
-                    <a:shade val="50000"/>
-                  </a:schemeClr>
-                </a:solidFill>
-                <a:prstDash val="solid"/>
-                <a:miter lim="800000"/>
-              </a14:hiddenLine>
-            </a:ext>
-          </a:extLst>
-        </p:spPr>
-        <p:style>
-          <a:lnRef idx="2">
-            <a:schemeClr val="accent1">
-              <a:shade val="50000"/>
-            </a:schemeClr>
-          </a:lnRef>
-          <a:fillRef idx="1">
-            <a:schemeClr val="accent1"/>
-          </a:fillRef>
-          <a:effectRef idx="0">
-            <a:schemeClr val="accent1"/>
-          </a:effectRef>
-          <a:fontRef idx="minor">
-            <a:schemeClr val="lt1"/>
-          </a:fontRef>
-        </p:style>
-        <p:txBody>
-          <a:bodyPr rtlCol="0" anchor="ctr"/>
-          <a:lstStyle/>
-          <a:p>
-            <a:pPr algn="ctr"/>
-            <a:endParaRPr lang="en-US"/>
-          </a:p>
-        </p:txBody>
-      </p:sp>
-      <p:sp>
-        <p:nvSpPr>
-          <p:cNvPr id="2" name="Title 1">
-            <a:extLst>
-              <a:ext uri="{FF2B5EF4-FFF2-40B4-BE49-F238E27FC236}">
-                <a16:creationId xmlns:a16="http://schemas.microsoft.com/office/drawing/2014/main" id="{DAFD10A5-6F50-1E52-722B-A3F865B3DD7D}"/>
-              </a:ext>
-            </a:extLst>
-          </p:cNvPr>
-          <p:cNvSpPr>
-            <a:spLocks noGrp="1"/>
-          </p:cNvSpPr>
-          <p:nvPr>
-            <p:ph type="title"/>
-          </p:nvPr>
-        </p:nvSpPr>
-        <p:spPr>
-          <a:xfrm>
-            <a:off x="1077362" y="720435"/>
-            <a:ext cx="4855352" cy="1507375"/>
-          </a:xfrm>
-        </p:spPr>
-        <p:txBody>
-          <a:bodyPr>
-            <a:normAutofit/>
-          </a:bodyPr>
-          <a:lstStyle/>
-          <a:p>
-            <a:r>
-              <a:rPr lang="en-US" sz="3000"/>
-              <a:t>KNIME: Correlation coefficient and Statistics </a:t>
-            </a:r>
-          </a:p>
-        </p:txBody>
-      </p:sp>
-      <p:sp>
-        <p:nvSpPr>
-          <p:cNvPr id="3" name="Content Placeholder 2">
-            <a:extLst>
-              <a:ext uri="{FF2B5EF4-FFF2-40B4-BE49-F238E27FC236}">
-                <a16:creationId xmlns:a16="http://schemas.microsoft.com/office/drawing/2014/main" id="{7D9E44EA-561A-BB21-8E2A-BC96AF4D6819}"/>
-              </a:ext>
-            </a:extLst>
-          </p:cNvPr>
-          <p:cNvSpPr>
-            <a:spLocks noGrp="1"/>
-          </p:cNvSpPr>
-          <p:nvPr>
-            <p:ph idx="1"/>
-          </p:nvPr>
-        </p:nvSpPr>
-        <p:spPr>
-          <a:xfrm>
-            <a:off x="1077362" y="2427316"/>
-            <a:ext cx="4855352" cy="3513514"/>
-          </a:xfrm>
-        </p:spPr>
-        <p:txBody>
-          <a:bodyPr>
-            <a:normAutofit/>
-          </a:bodyPr>
-          <a:lstStyle/>
-          <a:p>
-            <a:endParaRPr lang="en-US"/>
-          </a:p>
-        </p:txBody>
-      </p:sp>
-      <p:sp>
-        <p:nvSpPr>
-          <p:cNvPr id="11" name="Freeform: Shape 10">
-            <a:extLst>
-              <a:ext uri="{FF2B5EF4-FFF2-40B4-BE49-F238E27FC236}">
-                <a16:creationId xmlns:a16="http://schemas.microsoft.com/office/drawing/2014/main" id="{7E3B2BA1-50FC-4574-838F-AB0B5B93B91D}"/>
-              </a:ext>
-              <a:ext uri="{C183D7F6-B498-43B3-948B-1728B52AA6E4}">
-                <adec:decorative xmlns:adec="http://schemas.microsoft.com/office/drawing/2017/decorative" val="1"/>
-              </a:ext>
-            </a:extLst>
-          </p:cNvPr>
-          <p:cNvSpPr>
-            <a:spLocks noGrp="1" noRot="1" noChangeAspect="1" noMove="1" noResize="1" noEditPoints="1" noAdjustHandles="1" noChangeArrowheads="1" noChangeShapeType="1" noTextEdit="1"/>
-          </p:cNvSpPr>
-          <p:nvPr>
-            <p:extLst>
-              <p:ext uri="{386F3935-93C4-4BCD-93E2-E3B085C9AB24}">
-                <p16:designElem xmlns:p16="http://schemas.microsoft.com/office/powerpoint/2015/main" val="1"/>
-              </p:ext>
-            </p:extLst>
-          </p:nvPr>
-        </p:nvSpPr>
-        <p:spPr>
-          <a:xfrm>
-            <a:off x="8703268" y="3431554"/>
-            <a:ext cx="3488732" cy="3432751"/>
-          </a:xfrm>
-          <a:custGeom>
-            <a:avLst/>
-            <a:gdLst>
-              <a:gd name="connsiteX0" fmla="*/ 3488731 w 3488732"/>
-              <a:gd name="connsiteY0" fmla="*/ 0 h 3432751"/>
-              <a:gd name="connsiteX1" fmla="*/ 3488732 w 3488732"/>
-              <a:gd name="connsiteY1" fmla="*/ 0 h 3432751"/>
-              <a:gd name="connsiteX2" fmla="*/ 3488732 w 3488732"/>
-              <a:gd name="connsiteY2" fmla="*/ 3432751 h 3432751"/>
-              <a:gd name="connsiteX3" fmla="*/ 0 w 3488732"/>
-              <a:gd name="connsiteY3" fmla="*/ 3432751 h 3432751"/>
-              <a:gd name="connsiteX4" fmla="*/ 0 w 3488732"/>
-              <a:gd name="connsiteY4" fmla="*/ 3431630 h 3432751"/>
-              <a:gd name="connsiteX5" fmla="*/ 80 w 3488732"/>
-              <a:gd name="connsiteY5" fmla="*/ 3431628 h 3432751"/>
-              <a:gd name="connsiteX6" fmla="*/ 7516 w 3488732"/>
-              <a:gd name="connsiteY6" fmla="*/ 3431628 h 3432751"/>
-              <a:gd name="connsiteX7" fmla="*/ 7516 w 3488732"/>
-              <a:gd name="connsiteY7" fmla="*/ 3431443 h 3432751"/>
-              <a:gd name="connsiteX8" fmla="*/ 179530 w 3488732"/>
-              <a:gd name="connsiteY8" fmla="*/ 3427154 h 3432751"/>
-              <a:gd name="connsiteX9" fmla="*/ 3484471 w 3488732"/>
-              <a:gd name="connsiteY9" fmla="*/ 162232 h 3432751"/>
-              <a:gd name="connsiteX10" fmla="*/ 3488328 w 3488732"/>
-              <a:gd name="connsiteY10" fmla="*/ 6924 h 3432751"/>
-              <a:gd name="connsiteX11" fmla="*/ 3488731 w 3488732"/>
-              <a:gd name="connsiteY11" fmla="*/ 6924 h 3432751"/>
-            </a:gdLst>
-            <a:ahLst/>
-            <a:cxnLst>
-              <a:cxn ang="0">
-                <a:pos x="connsiteX0" y="connsiteY0"/>
-              </a:cxn>
-              <a:cxn ang="0">
-                <a:pos x="connsiteX1" y="connsiteY1"/>
-              </a:cxn>
-              <a:cxn ang="0">
-                <a:pos x="connsiteX2" y="connsiteY2"/>
-              </a:cxn>
-              <a:cxn ang="0">
-                <a:pos x="connsiteX3" y="connsiteY3"/>
-              </a:cxn>
-              <a:cxn ang="0">
-                <a:pos x="connsiteX4" y="connsiteY4"/>
-              </a:cxn>
-              <a:cxn ang="0">
-                <a:pos x="connsiteX5" y="connsiteY5"/>
-              </a:cxn>
-              <a:cxn ang="0">
-                <a:pos x="connsiteX6" y="connsiteY6"/>
-              </a:cxn>
-              <a:cxn ang="0">
-                <a:pos x="connsiteX7" y="connsiteY7"/>
-              </a:cxn>
-              <a:cxn ang="0">
-                <a:pos x="connsiteX8" y="connsiteY8"/>
-              </a:cxn>
-              <a:cxn ang="0">
-                <a:pos x="connsiteX9" y="connsiteY9"/>
-              </a:cxn>
-              <a:cxn ang="0">
-                <a:pos x="connsiteX10" y="connsiteY10"/>
-              </a:cxn>
-              <a:cxn ang="0">
-                <a:pos x="connsiteX11" y="connsiteY11"/>
-              </a:cxn>
-            </a:cxnLst>
-            <a:rect l="l" t="t" r="r" b="b"/>
-            <a:pathLst>
-              <a:path w="3488732" h="3432751">
-                <a:moveTo>
-                  <a:pt x="3488731" y="0"/>
-                </a:moveTo>
-                <a:lnTo>
-                  <a:pt x="3488732" y="0"/>
-                </a:lnTo>
-                <a:lnTo>
-                  <a:pt x="3488732" y="3432751"/>
-                </a:lnTo>
-                <a:lnTo>
-                  <a:pt x="0" y="3432751"/>
-                </a:lnTo>
-                <a:lnTo>
-                  <a:pt x="0" y="3431630"/>
-                </a:lnTo>
-                <a:lnTo>
-                  <a:pt x="80" y="3431628"/>
-                </a:lnTo>
-                <a:lnTo>
-                  <a:pt x="7516" y="3431628"/>
-                </a:lnTo>
-                <a:lnTo>
-                  <a:pt x="7516" y="3431443"/>
-                </a:lnTo>
-                <a:lnTo>
-                  <a:pt x="179530" y="3427154"/>
-                </a:lnTo>
-                <a:cubicBezTo>
-                  <a:pt x="1965266" y="3337873"/>
-                  <a:pt x="3396747" y="1924247"/>
-                  <a:pt x="3484471" y="162232"/>
-                </a:cubicBezTo>
-                <a:lnTo>
-                  <a:pt x="3488328" y="6924"/>
-                </a:lnTo>
-                <a:lnTo>
-                  <a:pt x="3488731" y="6924"/>
-                </a:lnTo>
-                <a:close/>
-              </a:path>
-            </a:pathLst>
-          </a:custGeom>
-          <a:solidFill>
-            <a:schemeClr val="tx2"/>
-          </a:solidFill>
-          <a:ln>
-            <a:noFill/>
-          </a:ln>
-        </p:spPr>
-        <p:style>
-          <a:lnRef idx="2">
-            <a:schemeClr val="accent1">
-              <a:shade val="50000"/>
-            </a:schemeClr>
-          </a:lnRef>
-          <a:fillRef idx="1">
-            <a:schemeClr val="accent1"/>
-          </a:fillRef>
-          <a:effectRef idx="0">
-            <a:schemeClr val="accent1"/>
-          </a:effectRef>
-          <a:fontRef idx="minor">
-            <a:schemeClr val="lt1"/>
-          </a:fontRef>
-        </p:style>
-        <p:txBody>
-          <a:bodyPr wrap="square" rtlCol="0" anchor="ctr">
-            <a:noAutofit/>
-          </a:bodyPr>
-          <a:lstStyle/>
-          <a:p>
-            <a:pPr algn="ctr"/>
-            <a:endParaRPr lang="en-US"/>
-          </a:p>
-        </p:txBody>
-      </p:sp>
-      <p:pic>
-        <p:nvPicPr>
-          <p:cNvPr id="5" name="Picture 4" descr="Digital business graph and charts">
-            <a:extLst>
-              <a:ext uri="{FF2B5EF4-FFF2-40B4-BE49-F238E27FC236}">
-                <a16:creationId xmlns:a16="http://schemas.microsoft.com/office/drawing/2014/main" id="{59FF87AF-0476-8AC4-C504-9F5A50749249}"/>
-              </a:ext>
-            </a:extLst>
-          </p:cNvPr>
-          <p:cNvPicPr>
-            <a:picLocks noChangeAspect="1"/>
-          </p:cNvPicPr>
-          <p:nvPr/>
-        </p:nvPicPr>
-        <p:blipFill rotWithShape="1">
-          <a:blip r:embed="rId2"/>
-          <a:srcRect l="37831" r="25817"/>
-          <a:stretch/>
-        </p:blipFill>
-        <p:spPr>
-          <a:xfrm>
-            <a:off x="6967018" y="10"/>
-            <a:ext cx="5224982" cy="6863174"/>
-          </a:xfrm>
-          <a:custGeom>
-            <a:avLst/>
-            <a:gdLst/>
-            <a:ahLst/>
-            <a:cxnLst/>
-            <a:rect l="l" t="t" r="r" b="b"/>
-            <a:pathLst>
-              <a:path w="5224982" h="6846790">
-                <a:moveTo>
-                  <a:pt x="0" y="0"/>
-                </a:moveTo>
-                <a:lnTo>
-                  <a:pt x="5224981" y="0"/>
-                </a:lnTo>
-                <a:lnTo>
-                  <a:pt x="5224981" y="3414038"/>
-                </a:lnTo>
-                <a:lnTo>
-                  <a:pt x="5224982" y="3414038"/>
-                </a:lnTo>
-                <a:lnTo>
-                  <a:pt x="5224981" y="3414080"/>
-                </a:lnTo>
-                <a:lnTo>
-                  <a:pt x="5224981" y="3430264"/>
-                </a:lnTo>
-                <a:lnTo>
-                  <a:pt x="5224578" y="3430264"/>
-                </a:lnTo>
-                <a:lnTo>
-                  <a:pt x="5220721" y="3585201"/>
-                </a:lnTo>
-                <a:cubicBezTo>
-                  <a:pt x="5132997" y="5343007"/>
-                  <a:pt x="3701516" y="6753257"/>
-                  <a:pt x="1915780" y="6842324"/>
-                </a:cubicBezTo>
-                <a:lnTo>
-                  <a:pt x="1743766" y="6846603"/>
-                </a:lnTo>
-                <a:lnTo>
-                  <a:pt x="1743766" y="6846788"/>
-                </a:lnTo>
-                <a:lnTo>
-                  <a:pt x="1736330" y="6846788"/>
-                </a:lnTo>
-                <a:lnTo>
-                  <a:pt x="1736250" y="6846790"/>
-                </a:lnTo>
-                <a:lnTo>
-                  <a:pt x="1736250" y="6846788"/>
-                </a:lnTo>
-                <a:lnTo>
-                  <a:pt x="0" y="6846788"/>
-                </a:lnTo>
-                <a:close/>
-              </a:path>
-            </a:pathLst>
-          </a:custGeom>
-        </p:spPr>
-      </p:pic>
-    </p:spTree>
-    <p:extLst>
-      <p:ext uri="{BB962C8B-B14F-4D97-AF65-F5344CB8AC3E}">
-        <p14:creationId xmlns:p14="http://schemas.microsoft.com/office/powerpoint/2010/main" val="4131928453"/>
-      </p:ext>
-    </p:extLst>
-  </p:cSld>
-  <p:clrMapOvr>
-    <a:masterClrMapping/>
-  </p:clrMapOvr>
-</p:sld>
-</file>
-
-<file path=ppt/slides/slide14.xml><?xml version="1.0" encoding="utf-8"?>
-<p:sld xmlns:a="http://schemas.openxmlformats.org/drawingml/2006/main" xmlns:r="http://schemas.openxmlformats.org/officeDocument/2006/relationships" xmlns:p="http://schemas.openxmlformats.org/presentationml/2006/main">
-  <p:cSld>
-    <p:spTree>
-      <p:nvGrpSpPr>
-        <p:cNvPr id="1" name=""/>
-        <p:cNvGrpSpPr/>
-        <p:nvPr/>
-      </p:nvGrpSpPr>
-      <p:grpSpPr>
-        <a:xfrm>
-          <a:off x="0" y="0"/>
-          <a:ext cx="0" cy="0"/>
-          <a:chOff x="0" y="0"/>
-          <a:chExt cx="0" cy="0"/>
-        </a:xfrm>
-      </p:grpSpPr>
-      <p:sp>
-        <p:nvSpPr>
-          <p:cNvPr id="2" name="Title 1">
-            <a:extLst>
-              <a:ext uri="{FF2B5EF4-FFF2-40B4-BE49-F238E27FC236}">
-                <a16:creationId xmlns:a16="http://schemas.microsoft.com/office/drawing/2014/main" id="{9C854B74-B891-C858-82DD-5EA41747687D}"/>
-              </a:ext>
-            </a:extLst>
-          </p:cNvPr>
-          <p:cNvSpPr>
-            <a:spLocks noGrp="1"/>
-          </p:cNvSpPr>
-          <p:nvPr>
-            <p:ph type="title"/>
-          </p:nvPr>
-        </p:nvSpPr>
-        <p:spPr/>
-        <p:txBody>
-          <a:bodyPr/>
-          <a:lstStyle/>
-          <a:p>
-            <a:r>
-              <a:rPr lang="en-US" dirty="0"/>
-              <a:t>KNIME: Regression Line</a:t>
-            </a:r>
-          </a:p>
-        </p:txBody>
-      </p:sp>
-      <p:sp>
-        <p:nvSpPr>
-          <p:cNvPr id="3" name="Content Placeholder 2">
-            <a:extLst>
-              <a:ext uri="{FF2B5EF4-FFF2-40B4-BE49-F238E27FC236}">
-                <a16:creationId xmlns:a16="http://schemas.microsoft.com/office/drawing/2014/main" id="{D9CEAFBF-8558-4756-5598-1042BA5E5BCA}"/>
-              </a:ext>
-            </a:extLst>
-          </p:cNvPr>
-          <p:cNvSpPr>
-            <a:spLocks noGrp="1"/>
-          </p:cNvSpPr>
-          <p:nvPr>
-            <p:ph idx="1"/>
-          </p:nvPr>
-        </p:nvSpPr>
-        <p:spPr/>
-        <p:txBody>
-          <a:bodyPr/>
-          <a:lstStyle/>
-          <a:p>
-            <a:r>
-              <a:rPr lang="en-US" dirty="0"/>
-              <a:t>Y = mx + b</a:t>
-            </a:r>
-          </a:p>
-          <a:p>
-            <a:r>
-              <a:rPr lang="en-US" dirty="0"/>
-              <a:t>X (slope)</a:t>
-            </a:r>
-          </a:p>
-          <a:p>
-            <a:r>
-              <a:rPr lang="en-US" dirty="0"/>
-              <a:t>b(y intercept)</a:t>
-            </a:r>
-          </a:p>
-        </p:txBody>
-      </p:sp>
-    </p:spTree>
-    <p:extLst>
-      <p:ext uri="{BB962C8B-B14F-4D97-AF65-F5344CB8AC3E}">
-        <p14:creationId xmlns:p14="http://schemas.microsoft.com/office/powerpoint/2010/main" val="1673168080"/>
-      </p:ext>
-    </p:extLst>
-  </p:cSld>
-  <p:clrMapOvr>
-    <a:masterClrMapping/>
-  </p:clrMapOvr>
-</p:sld>
-</file>
-
-<file path=ppt/slides/slide15.xml><?xml version="1.0" encoding="utf-8"?>
-<p:sld xmlns:a="http://schemas.openxmlformats.org/drawingml/2006/main" xmlns:r="http://schemas.openxmlformats.org/officeDocument/2006/relationships" xmlns:p="http://schemas.openxmlformats.org/presentationml/2006/main">
-  <p:cSld>
-    <p:bg>
-      <p:bgPr>
-        <a:solidFill>
-          <a:schemeClr val="bg1"/>
-        </a:solidFill>
-        <a:effectLst/>
-      </p:bgPr>
-    </p:bg>
-    <p:spTree>
-      <p:nvGrpSpPr>
-        <p:cNvPr id="1" name=""/>
-        <p:cNvGrpSpPr/>
-        <p:nvPr/>
-      </p:nvGrpSpPr>
-      <p:grpSpPr>
-        <a:xfrm>
-          <a:off x="0" y="0"/>
-          <a:ext cx="0" cy="0"/>
-          <a:chOff x="0" y="0"/>
-          <a:chExt cx="0" cy="0"/>
-        </a:xfrm>
-      </p:grpSpPr>
-      <p:sp>
-        <p:nvSpPr>
-          <p:cNvPr id="8" name="Freeform: Shape 7">
-            <a:extLst>
-              <a:ext uri="{FF2B5EF4-FFF2-40B4-BE49-F238E27FC236}">
-                <a16:creationId xmlns:a16="http://schemas.microsoft.com/office/drawing/2014/main" id="{AE192E3E-68A9-4F36-936C-1C8D0B9EF132}"/>
-              </a:ext>
-              <a:ext uri="{C183D7F6-B498-43B3-948B-1728B52AA6E4}">
-                <adec:decorative xmlns:adec="http://schemas.microsoft.com/office/drawing/2017/decorative" val="1"/>
-              </a:ext>
-            </a:extLst>
-          </p:cNvPr>
-          <p:cNvSpPr>
-            <a:spLocks noGrp="1" noRot="1" noChangeAspect="1" noMove="1" noResize="1" noEditPoints="1" noAdjustHandles="1" noChangeArrowheads="1" noChangeShapeType="1" noTextEdit="1"/>
-          </p:cNvSpPr>
-          <p:nvPr>
-            <p:extLst>
-              <p:ext uri="{386F3935-93C4-4BCD-93E2-E3B085C9AB24}">
-                <p16:designElem xmlns:p16="http://schemas.microsoft.com/office/powerpoint/2015/main" val="1"/>
-              </p:ext>
-            </p:extLst>
-          </p:nvPr>
-        </p:nvSpPr>
-        <p:spPr>
-          <a:xfrm>
-            <a:off x="8803792" y="3455896"/>
+            <a:off x="8794726" y="-9066"/>
             <a:ext cx="3388208" cy="3406341"/>
           </a:xfrm>
           <a:custGeom>
@@ -20495,10 +19582,210 @@
       </p:sp>
       <p:sp>
         <p:nvSpPr>
-          <p:cNvPr id="10" name="Rectangle 9">
+          <p:cNvPr id="27" name="Freeform: Shape 26">
             <a:extLst>
               <a:ext uri="{FF2B5EF4-FFF2-40B4-BE49-F238E27FC236}">
-                <a16:creationId xmlns:a16="http://schemas.microsoft.com/office/drawing/2014/main" id="{1AF30CFE-E4FF-43C7-90BF-54AABC3A3685}"/>
+                <a16:creationId xmlns:a16="http://schemas.microsoft.com/office/drawing/2014/main" id="{DD0D3E7A-8DF6-4A78-A03C-86AD697468BE}"/>
+              </a:ext>
+              <a:ext uri="{C183D7F6-B498-43B3-948B-1728B52AA6E4}">
+                <adec:decorative xmlns:adec="http://schemas.microsoft.com/office/drawing/2017/decorative" val="1"/>
+              </a:ext>
+            </a:extLst>
+          </p:cNvPr>
+          <p:cNvSpPr>
+            <a:spLocks noGrp="1" noRot="1" noChangeAspect="1" noMove="1" noResize="1" noEditPoints="1" noAdjustHandles="1" noChangeArrowheads="1" noChangeShapeType="1" noTextEdit="1"/>
+          </p:cNvSpPr>
+          <p:nvPr>
+            <p:extLst>
+              <p:ext uri="{386F3935-93C4-4BCD-93E2-E3B085C9AB24}">
+                <p16:designElem xmlns:p16="http://schemas.microsoft.com/office/powerpoint/2015/main" val="1"/>
+              </p:ext>
+            </p:extLst>
+          </p:nvPr>
+        </p:nvSpPr>
+        <p:spPr>
+          <a:xfrm>
+            <a:off x="8803792" y="3470886"/>
+            <a:ext cx="3388208" cy="3406341"/>
+          </a:xfrm>
+          <a:custGeom>
+            <a:avLst/>
+            <a:gdLst>
+              <a:gd name="connsiteX0" fmla="*/ 3388058 w 3388208"/>
+              <a:gd name="connsiteY0" fmla="*/ 0 h 3406341"/>
+              <a:gd name="connsiteX1" fmla="*/ 3388208 w 3388208"/>
+              <a:gd name="connsiteY1" fmla="*/ 0 h 3406341"/>
+              <a:gd name="connsiteX2" fmla="*/ 3388208 w 3388208"/>
+              <a:gd name="connsiteY2" fmla="*/ 3406341 h 3406341"/>
+              <a:gd name="connsiteX3" fmla="*/ 0 w 3388208"/>
+              <a:gd name="connsiteY3" fmla="*/ 3406341 h 3406341"/>
+              <a:gd name="connsiteX4" fmla="*/ 79006 w 3388208"/>
+              <a:gd name="connsiteY4" fmla="*/ 3404386 h 3406341"/>
+              <a:gd name="connsiteX5" fmla="*/ 3383947 w 3388208"/>
+              <a:gd name="connsiteY5" fmla="*/ 164274 h 3406341"/>
+            </a:gdLst>
+            <a:ahLst/>
+            <a:cxnLst>
+              <a:cxn ang="0">
+                <a:pos x="connsiteX0" y="connsiteY0"/>
+              </a:cxn>
+              <a:cxn ang="0">
+                <a:pos x="connsiteX1" y="connsiteY1"/>
+              </a:cxn>
+              <a:cxn ang="0">
+                <a:pos x="connsiteX2" y="connsiteY2"/>
+              </a:cxn>
+              <a:cxn ang="0">
+                <a:pos x="connsiteX3" y="connsiteY3"/>
+              </a:cxn>
+              <a:cxn ang="0">
+                <a:pos x="connsiteX4" y="connsiteY4"/>
+              </a:cxn>
+              <a:cxn ang="0">
+                <a:pos x="connsiteX5" y="connsiteY5"/>
+              </a:cxn>
+            </a:cxnLst>
+            <a:rect l="l" t="t" r="r" b="b"/>
+            <a:pathLst>
+              <a:path w="3388208" h="3406341">
+                <a:moveTo>
+                  <a:pt x="3388058" y="0"/>
+                </a:moveTo>
+                <a:lnTo>
+                  <a:pt x="3388208" y="0"/>
+                </a:lnTo>
+                <a:lnTo>
+                  <a:pt x="3388208" y="3406341"/>
+                </a:lnTo>
+                <a:lnTo>
+                  <a:pt x="0" y="3406341"/>
+                </a:lnTo>
+                <a:lnTo>
+                  <a:pt x="79006" y="3404386"/>
+                </a:lnTo>
+                <a:cubicBezTo>
+                  <a:pt x="1864742" y="3315784"/>
+                  <a:pt x="3296223" y="1912901"/>
+                  <a:pt x="3383947" y="164274"/>
+                </a:cubicBezTo>
+                <a:close/>
+              </a:path>
+            </a:pathLst>
+          </a:custGeom>
+          <a:solidFill>
+            <a:schemeClr val="tx2"/>
+          </a:solidFill>
+          <a:ln>
+            <a:noFill/>
+          </a:ln>
+        </p:spPr>
+        <p:style>
+          <a:lnRef idx="2">
+            <a:schemeClr val="accent1">
+              <a:shade val="50000"/>
+            </a:schemeClr>
+          </a:lnRef>
+          <a:fillRef idx="1">
+            <a:schemeClr val="accent1"/>
+          </a:fillRef>
+          <a:effectRef idx="0">
+            <a:schemeClr val="accent1"/>
+          </a:effectRef>
+          <a:fontRef idx="minor">
+            <a:schemeClr val="lt1"/>
+          </a:fontRef>
+        </p:style>
+        <p:txBody>
+          <a:bodyPr wrap="square" rtlCol="0" anchor="ctr">
+            <a:noAutofit/>
+          </a:bodyPr>
+          <a:lstStyle/>
+          <a:p>
+            <a:pPr algn="ctr"/>
+            <a:endParaRPr lang="en-US"/>
+          </a:p>
+        </p:txBody>
+      </p:sp>
+      <p:pic>
+        <p:nvPicPr>
+          <p:cNvPr id="5" name="Content Placeholder 4" descr="Map&#10;&#10;Description automatically generated with medium confidence">
+            <a:extLst>
+              <a:ext uri="{FF2B5EF4-FFF2-40B4-BE49-F238E27FC236}">
+                <a16:creationId xmlns:a16="http://schemas.microsoft.com/office/drawing/2014/main" id="{CC024431-43D2-8FE8-A7CD-C35A869CDD6D}"/>
+              </a:ext>
+            </a:extLst>
+          </p:cNvPr>
+          <p:cNvPicPr>
+            <a:picLocks noChangeAspect="1"/>
+          </p:cNvPicPr>
+          <p:nvPr/>
+        </p:nvPicPr>
+        <p:blipFill>
+          <a:blip r:embed="rId2">
+            <a:extLst>
+              <a:ext uri="{28A0092B-C50C-407E-A947-70E740481C1C}">
+                <a14:useLocalDpi xmlns:a14="http://schemas.microsoft.com/office/drawing/2010/main" val="0"/>
+              </a:ext>
+            </a:extLst>
+          </a:blip>
+          <a:stretch>
+            <a:fillRect/>
+          </a:stretch>
+        </p:blipFill>
+        <p:spPr>
+          <a:xfrm>
+            <a:off x="6146464" y="908546"/>
+            <a:ext cx="4788861" cy="5040907"/>
+          </a:xfrm>
+          <a:prstGeom prst="rect">
+            <a:avLst/>
+          </a:prstGeom>
+        </p:spPr>
+      </p:pic>
+    </p:spTree>
+    <p:extLst>
+      <p:ext uri="{BB962C8B-B14F-4D97-AF65-F5344CB8AC3E}">
+        <p14:creationId xmlns:p14="http://schemas.microsoft.com/office/powerpoint/2010/main" val="1647589671"/>
+      </p:ext>
+    </p:extLst>
+  </p:cSld>
+  <p:clrMapOvr>
+    <a:masterClrMapping/>
+  </p:clrMapOvr>
+</p:sld>
+</file>
+
+<file path=ppt/slides/slide13.xml><?xml version="1.0" encoding="utf-8"?>
+<p:sld xmlns:a="http://schemas.openxmlformats.org/drawingml/2006/main" xmlns:r="http://schemas.openxmlformats.org/officeDocument/2006/relationships" xmlns:p="http://schemas.openxmlformats.org/presentationml/2006/main">
+  <p:cSld>
+    <p:bg>
+      <p:bgPr>
+        <a:solidFill>
+          <a:schemeClr val="bg1"/>
+        </a:solidFill>
+        <a:effectLst/>
+      </p:bgPr>
+    </p:bg>
+    <p:spTree>
+      <p:nvGrpSpPr>
+        <p:cNvPr id="1" name=""/>
+        <p:cNvGrpSpPr/>
+        <p:nvPr/>
+      </p:nvGrpSpPr>
+      <p:grpSpPr>
+        <a:xfrm>
+          <a:off x="0" y="0"/>
+          <a:ext cx="0" cy="0"/>
+          <a:chOff x="0" y="0"/>
+          <a:chExt cx="0" cy="0"/>
+        </a:xfrm>
+      </p:grpSpPr>
+      <p:sp useBgFill="1">
+        <p:nvSpPr>
+          <p:cNvPr id="27" name="Rectangle 26">
+            <a:extLst>
+              <a:ext uri="{FF2B5EF4-FFF2-40B4-BE49-F238E27FC236}">
+                <a16:creationId xmlns:a16="http://schemas.microsoft.com/office/drawing/2014/main" id="{AF48340E-3650-4CE9-9DA2-E147D0130946}"/>
               </a:ext>
               <a:ext uri="{C183D7F6-B498-43B3-948B-1728B52AA6E4}">
                 <adec:decorative xmlns:adec="http://schemas.microsoft.com/office/drawing/2017/decorative" val="1"/>
@@ -20524,9 +19811,6 @@
           <a:prstGeom prst="rect">
             <a:avLst/>
           </a:prstGeom>
-          <a:solidFill>
-            <a:srgbClr val="FFFFFF"/>
-          </a:solidFill>
           <a:ln w="12700" cap="flat" cmpd="sng" algn="ctr">
             <a:noFill/>
             <a:prstDash val="solid"/>
@@ -20574,10 +19858,91 @@
       </p:sp>
       <p:sp>
         <p:nvSpPr>
-          <p:cNvPr id="12" name="Rectangle 11">
+          <p:cNvPr id="2" name="Title 1">
             <a:extLst>
               <a:ext uri="{FF2B5EF4-FFF2-40B4-BE49-F238E27FC236}">
-                <a16:creationId xmlns:a16="http://schemas.microsoft.com/office/drawing/2014/main" id="{19FC137C-7F97-41FA-86A1-2E01C3837498}"/>
+                <a16:creationId xmlns:a16="http://schemas.microsoft.com/office/drawing/2014/main" id="{DAFD10A5-6F50-1E52-722B-A3F865B3DD7D}"/>
+              </a:ext>
+            </a:extLst>
+          </p:cNvPr>
+          <p:cNvSpPr>
+            <a:spLocks noGrp="1"/>
+          </p:cNvSpPr>
+          <p:nvPr>
+            <p:ph type="title"/>
+          </p:nvPr>
+        </p:nvSpPr>
+        <p:spPr>
+          <a:xfrm>
+            <a:off x="1077362" y="720435"/>
+            <a:ext cx="3154103" cy="1507375"/>
+          </a:xfrm>
+        </p:spPr>
+        <p:txBody>
+          <a:bodyPr>
+            <a:normAutofit/>
+          </a:bodyPr>
+          <a:lstStyle/>
+          <a:p>
+            <a:pPr>
+              <a:lnSpc>
+                <a:spcPct val="100000"/>
+              </a:lnSpc>
+            </a:pPr>
+            <a:r>
+              <a:rPr lang="en-US" sz="2200"/>
+              <a:t>KNIME: Correlation coefficient and Statistics </a:t>
+            </a:r>
+          </a:p>
+        </p:txBody>
+      </p:sp>
+      <p:sp>
+        <p:nvSpPr>
+          <p:cNvPr id="15" name="Content Placeholder 14">
+            <a:extLst>
+              <a:ext uri="{FF2B5EF4-FFF2-40B4-BE49-F238E27FC236}">
+                <a16:creationId xmlns:a16="http://schemas.microsoft.com/office/drawing/2014/main" id="{E092D595-3EFE-D940-6DD7-525880808C96}"/>
+              </a:ext>
+            </a:extLst>
+          </p:cNvPr>
+          <p:cNvSpPr>
+            <a:spLocks noGrp="1"/>
+          </p:cNvSpPr>
+          <p:nvPr>
+            <p:ph idx="1"/>
+          </p:nvPr>
+        </p:nvSpPr>
+        <p:spPr>
+          <a:xfrm>
+            <a:off x="1077362" y="2434974"/>
+            <a:ext cx="3154103" cy="3505855"/>
+          </a:xfrm>
+        </p:spPr>
+        <p:txBody>
+          <a:bodyPr>
+            <a:normAutofit/>
+          </a:bodyPr>
+          <a:lstStyle/>
+          <a:p>
+            <a:r>
+              <a:rPr lang="en-US" sz="1700"/>
+              <a:t>Post processing, the correlation is STRONG, with a correlation value of .98</a:t>
+            </a:r>
+          </a:p>
+          <a:p>
+            <a:r>
+              <a:rPr lang="en-US" sz="1700"/>
+              <a:t>This value ranges from 0 to 1, roughly meaning that 98% of the variance in the dependent variable can be explained by a variance in the independent variable</a:t>
+            </a:r>
+          </a:p>
+        </p:txBody>
+      </p:sp>
+      <p:sp>
+        <p:nvSpPr>
+          <p:cNvPr id="29" name="Rectangle 28">
+            <a:extLst>
+              <a:ext uri="{FF2B5EF4-FFF2-40B4-BE49-F238E27FC236}">
+                <a16:creationId xmlns:a16="http://schemas.microsoft.com/office/drawing/2014/main" id="{2984BA83-9A14-4E3A-BC37-A67486212C05}"/>
               </a:ext>
               <a:ext uri="{C183D7F6-B498-43B3-948B-1728B52AA6E4}">
                 <adec:decorative xmlns:adec="http://schemas.microsoft.com/office/drawing/2017/decorative" val="1"/>
@@ -20596,15 +19961,15 @@
           </p:nvPr>
         </p:nvSpPr>
         <p:spPr>
-          <a:xfrm>
-            <a:off x="3478447" y="0"/>
-            <a:ext cx="5266080" cy="6858000"/>
+          <a:xfrm rot="10800000">
+            <a:off x="5222127" y="810"/>
+            <a:ext cx="6969872" cy="3428981"/>
           </a:xfrm>
           <a:prstGeom prst="rect">
             <a:avLst/>
           </a:prstGeom>
           <a:solidFill>
-            <a:schemeClr val="tx2"/>
+            <a:srgbClr val="FFFFFF"/>
           </a:solidFill>
           <a:ln>
             <a:noFill/>
@@ -20635,12 +20000,12 @@
           </a:p>
         </p:txBody>
       </p:sp>
-      <p:sp useBgFill="1">
+      <p:sp>
         <p:nvSpPr>
-          <p:cNvPr id="14" name="Freeform: Shape 13">
+          <p:cNvPr id="31" name="Freeform: Shape 30">
             <a:extLst>
               <a:ext uri="{FF2B5EF4-FFF2-40B4-BE49-F238E27FC236}">
-                <a16:creationId xmlns:a16="http://schemas.microsoft.com/office/drawing/2014/main" id="{D918EA08-F7D2-4D19-9224-994CE251AC1B}"/>
+                <a16:creationId xmlns:a16="http://schemas.microsoft.com/office/drawing/2014/main" id="{DD39353C-6594-4916-9E2F-1FF2549392D5}"/>
               </a:ext>
               <a:ext uri="{C183D7F6-B498-43B3-948B-1728B52AA6E4}">
                 <adec:decorative xmlns:adec="http://schemas.microsoft.com/office/drawing/2017/decorative" val="1"/>
@@ -20659,39 +20024,29 @@
           </p:nvPr>
         </p:nvSpPr>
         <p:spPr>
-          <a:xfrm>
-            <a:off x="-19221" y="-1"/>
-            <a:ext cx="8755258" cy="6858000"/>
+          <a:xfrm rot="16200000" flipV="1">
+            <a:off x="5253712" y="-31589"/>
+            <a:ext cx="3425117" cy="3488283"/>
           </a:xfrm>
           <a:custGeom>
             <a:avLst/>
             <a:gdLst>
-              <a:gd name="connsiteX0" fmla="*/ 0 w 8755258"/>
-              <a:gd name="connsiteY0" fmla="*/ 0 h 6858000"/>
-              <a:gd name="connsiteX1" fmla="*/ 5326258 w 8755258"/>
-              <a:gd name="connsiteY1" fmla="*/ 0 h 6858000"/>
-              <a:gd name="connsiteX2" fmla="*/ 5411299 w 8755258"/>
-              <a:gd name="connsiteY2" fmla="*/ 0 h 6858000"/>
-              <a:gd name="connsiteX3" fmla="*/ 5411299 w 8755258"/>
-              <a:gd name="connsiteY3" fmla="*/ 2150 h 6858000"/>
-              <a:gd name="connsiteX4" fmla="*/ 5502714 w 8755258"/>
-              <a:gd name="connsiteY4" fmla="*/ 4462 h 6858000"/>
-              <a:gd name="connsiteX5" fmla="*/ 8755258 w 8755258"/>
-              <a:gd name="connsiteY5" fmla="*/ 3429000 h 6858000"/>
-              <a:gd name="connsiteX6" fmla="*/ 5502714 w 8755258"/>
-              <a:gd name="connsiteY6" fmla="*/ 6853538 h 6858000"/>
-              <a:gd name="connsiteX7" fmla="*/ 5411299 w 8755258"/>
-              <a:gd name="connsiteY7" fmla="*/ 6855850 h 6858000"/>
-              <a:gd name="connsiteX8" fmla="*/ 5411299 w 8755258"/>
-              <a:gd name="connsiteY8" fmla="*/ 6857987 h 6858000"/>
-              <a:gd name="connsiteX9" fmla="*/ 5326772 w 8755258"/>
-              <a:gd name="connsiteY9" fmla="*/ 6857987 h 6858000"/>
-              <a:gd name="connsiteX10" fmla="*/ 5326258 w 8755258"/>
-              <a:gd name="connsiteY10" fmla="*/ 6858000 h 6858000"/>
-              <a:gd name="connsiteX11" fmla="*/ 5325745 w 8755258"/>
-              <a:gd name="connsiteY11" fmla="*/ 6857987 h 6858000"/>
-              <a:gd name="connsiteX12" fmla="*/ 0 w 8755258"/>
-              <a:gd name="connsiteY12" fmla="*/ 6857987 h 6858000"/>
+              <a:gd name="connsiteX0" fmla="*/ 3425117 w 3425117"/>
+              <a:gd name="connsiteY0" fmla="*/ 3488283 h 3488283"/>
+              <a:gd name="connsiteX1" fmla="*/ 3425117 w 3425117"/>
+              <a:gd name="connsiteY1" fmla="*/ 192871 h 3488283"/>
+              <a:gd name="connsiteX2" fmla="*/ 3412874 w 3425117"/>
+              <a:gd name="connsiteY2" fmla="*/ 356656 h 3488283"/>
+              <a:gd name="connsiteX3" fmla="*/ 1579 w 3425117"/>
+              <a:gd name="connsiteY3" fmla="*/ 3488282 h 3488283"/>
+              <a:gd name="connsiteX4" fmla="*/ 1578 w 3425117"/>
+              <a:gd name="connsiteY4" fmla="*/ 0 h 3488283"/>
+              <a:gd name="connsiteX5" fmla="*/ 0 w 3425117"/>
+              <a:gd name="connsiteY5" fmla="*/ 0 h 3488283"/>
+              <a:gd name="connsiteX6" fmla="*/ 1 w 3425117"/>
+              <a:gd name="connsiteY6" fmla="*/ 3488283 h 3488283"/>
+              <a:gd name="connsiteX7" fmla="*/ 3425117 w 3425117"/>
+              <a:gd name="connsiteY7" fmla="*/ 3488283 h 3488283"/>
             </a:gdLst>
             <a:ahLst/>
             <a:cxnLst>
@@ -20719,72 +20074,46 @@
               <a:cxn ang="0">
                 <a:pos x="connsiteX7" y="connsiteY7"/>
               </a:cxn>
-              <a:cxn ang="0">
-                <a:pos x="connsiteX8" y="connsiteY8"/>
-              </a:cxn>
-              <a:cxn ang="0">
-                <a:pos x="connsiteX9" y="connsiteY9"/>
-              </a:cxn>
-              <a:cxn ang="0">
-                <a:pos x="connsiteX10" y="connsiteY10"/>
-              </a:cxn>
-              <a:cxn ang="0">
-                <a:pos x="connsiteX11" y="connsiteY11"/>
-              </a:cxn>
-              <a:cxn ang="0">
-                <a:pos x="connsiteX12" y="connsiteY12"/>
-              </a:cxn>
             </a:cxnLst>
             <a:rect l="l" t="t" r="r" b="b"/>
             <a:pathLst>
-              <a:path w="8755258" h="6858000">
+              <a:path w="3425117" h="3488283">
                 <a:moveTo>
-                  <a:pt x="0" y="0"/>
+                  <a:pt x="3425117" y="3488283"/>
                 </a:moveTo>
                 <a:lnTo>
-                  <a:pt x="5326258" y="0"/>
+                  <a:pt x="3425117" y="192871"/>
                 </a:lnTo>
                 <a:lnTo>
-                  <a:pt x="5411299" y="0"/>
+                  <a:pt x="3412874" y="356656"/>
+                </a:lnTo>
+                <a:cubicBezTo>
+                  <a:pt x="3237275" y="2115643"/>
+                  <a:pt x="1777000" y="3488282"/>
+                  <a:pt x="1579" y="3488282"/>
+                </a:cubicBezTo>
+                <a:lnTo>
+                  <a:pt x="1578" y="0"/>
                 </a:lnTo>
                 <a:lnTo>
-                  <a:pt x="5411299" y="2150"/>
+                  <a:pt x="0" y="0"/>
                 </a:lnTo>
                 <a:lnTo>
-                  <a:pt x="5502714" y="4462"/>
-                </a:lnTo>
-                <a:cubicBezTo>
-                  <a:pt x="7314494" y="96301"/>
-                  <a:pt x="8755258" y="1594397"/>
-                  <a:pt x="8755258" y="3429000"/>
-                </a:cubicBezTo>
-                <a:cubicBezTo>
-                  <a:pt x="8755258" y="5263603"/>
-                  <a:pt x="7314494" y="6761699"/>
-                  <a:pt x="5502714" y="6853538"/>
-                </a:cubicBezTo>
-                <a:lnTo>
-                  <a:pt x="5411299" y="6855850"/>
+                  <a:pt x="1" y="3488283"/>
                 </a:lnTo>
                 <a:lnTo>
-                  <a:pt x="5411299" y="6857987"/>
-                </a:lnTo>
-                <a:lnTo>
-                  <a:pt x="5326772" y="6857987"/>
-                </a:lnTo>
-                <a:lnTo>
-                  <a:pt x="5326258" y="6858000"/>
-                </a:lnTo>
-                <a:lnTo>
-                  <a:pt x="5325745" y="6857987"/>
-                </a:lnTo>
-                <a:lnTo>
-                  <a:pt x="0" y="6857987"/>
+                  <a:pt x="3425117" y="3488283"/>
                 </a:lnTo>
                 <a:close/>
               </a:path>
             </a:pathLst>
           </a:custGeom>
+          <a:solidFill>
+            <a:schemeClr val="accent4">
+              <a:lumMod val="40000"/>
+              <a:lumOff val="60000"/>
+            </a:schemeClr>
+          </a:solidFill>
           <a:ln>
             <a:noFill/>
           </a:ln>
@@ -20812,90 +20141,56 @@
           <a:lstStyle/>
           <a:p>
             <a:pPr algn="ctr"/>
-            <a:endParaRPr lang="en-US"/>
+            <a:endParaRPr lang="en-US">
+              <a:solidFill>
+                <a:schemeClr val="tx1"/>
+              </a:solidFill>
+            </a:endParaRPr>
           </a:p>
         </p:txBody>
       </p:sp>
-      <p:sp>
-        <p:nvSpPr>
-          <p:cNvPr id="2" name="Title 1">
+      <p:pic>
+        <p:nvPicPr>
+          <p:cNvPr id="6" name="Content Placeholder 5" descr="Graphical user interface&#10;&#10;Description automatically generated">
             <a:extLst>
               <a:ext uri="{FF2B5EF4-FFF2-40B4-BE49-F238E27FC236}">
-                <a16:creationId xmlns:a16="http://schemas.microsoft.com/office/drawing/2014/main" id="{8C96B58E-A06A-A60D-BB56-402FEB651185}"/>
+                <a16:creationId xmlns:a16="http://schemas.microsoft.com/office/drawing/2014/main" id="{0116AEB7-3A83-E9F1-E95B-130354A9AA13}"/>
               </a:ext>
             </a:extLst>
           </p:cNvPr>
-          <p:cNvSpPr>
-            <a:spLocks noGrp="1"/>
-          </p:cNvSpPr>
-          <p:nvPr>
-            <p:ph type="title"/>
-          </p:nvPr>
-        </p:nvSpPr>
+          <p:cNvPicPr>
+            <a:picLocks noChangeAspect="1"/>
+          </p:cNvPicPr>
+          <p:nvPr/>
+        </p:nvPicPr>
+        <p:blipFill>
+          <a:blip r:embed="rId2">
+            <a:extLst>
+              <a:ext uri="{28A0092B-C50C-407E-A947-70E740481C1C}">
+                <a14:useLocalDpi xmlns:a14="http://schemas.microsoft.com/office/drawing/2010/main" val="0"/>
+              </a:ext>
+            </a:extLst>
+          </a:blip>
+          <a:stretch>
+            <a:fillRect/>
+          </a:stretch>
+        </p:blipFill>
         <p:spPr>
           <a:xfrm>
-            <a:off x="1084728" y="1597961"/>
-            <a:ext cx="5266080" cy="3162300"/>
+            <a:off x="6776934" y="1344119"/>
+            <a:ext cx="4378597" cy="799094"/>
           </a:xfrm>
+          <a:prstGeom prst="rect">
+            <a:avLst/>
+          </a:prstGeom>
         </p:spPr>
-        <p:txBody>
-          <a:bodyPr vert="horz" lIns="91440" tIns="45720" rIns="91440" bIns="45720" rtlCol="0" anchor="b">
-            <a:normAutofit/>
-          </a:bodyPr>
-          <a:lstStyle/>
-          <a:p>
-            <a:r>
-              <a:rPr lang="en-US" dirty="0"/>
-              <a:t>KNIME: Prediction	</a:t>
-            </a:r>
-          </a:p>
-        </p:txBody>
-      </p:sp>
+      </p:pic>
       <p:sp>
         <p:nvSpPr>
-          <p:cNvPr id="3" name="Content Placeholder 2">
+          <p:cNvPr id="33" name="Rectangle 32">
             <a:extLst>
               <a:ext uri="{FF2B5EF4-FFF2-40B4-BE49-F238E27FC236}">
-                <a16:creationId xmlns:a16="http://schemas.microsoft.com/office/drawing/2014/main" id="{9C21F057-4630-1171-6ECA-BF98981007AE}"/>
-              </a:ext>
-            </a:extLst>
-          </p:cNvPr>
-          <p:cNvSpPr>
-            <a:spLocks noGrp="1"/>
-          </p:cNvSpPr>
-          <p:nvPr>
-            <p:ph idx="1"/>
-          </p:nvPr>
-        </p:nvSpPr>
-        <p:spPr>
-          <a:xfrm>
-            <a:off x="1084728" y="4902489"/>
-            <a:ext cx="5266080" cy="985075"/>
-          </a:xfrm>
-        </p:spPr>
-        <p:txBody>
-          <a:bodyPr vert="horz" lIns="91440" tIns="45720" rIns="91440" bIns="45720" rtlCol="0">
-            <a:normAutofit/>
-          </a:bodyPr>
-          <a:lstStyle/>
-          <a:p>
-            <a:pPr marL="0" indent="0">
-              <a:buNone/>
-            </a:pPr>
-            <a:r>
-              <a:rPr lang="en-US" dirty="0"/>
-              <a:t>40 chirps 15 seconds, use equation</a:t>
-            </a:r>
-            <a:endParaRPr lang="en-US"/>
-          </a:p>
-        </p:txBody>
-      </p:sp>
-      <p:sp>
-        <p:nvSpPr>
-          <p:cNvPr id="16" name="Rectangle 15">
-            <a:extLst>
-              <a:ext uri="{FF2B5EF4-FFF2-40B4-BE49-F238E27FC236}">
-                <a16:creationId xmlns:a16="http://schemas.microsoft.com/office/drawing/2014/main" id="{1A7B0098-64CB-4CA2-913F-B6361A640629}"/>
+                <a16:creationId xmlns:a16="http://schemas.microsoft.com/office/drawing/2014/main" id="{169DCF9F-0385-4342-BDDD-BE68AE189E57}"/>
               </a:ext>
               <a:ext uri="{C183D7F6-B498-43B3-948B-1728B52AA6E4}">
                 <adec:decorative xmlns:adec="http://schemas.microsoft.com/office/drawing/2017/decorative" val="1"/>
@@ -20914,9 +20209,9 @@
           </p:nvPr>
         </p:nvSpPr>
         <p:spPr>
-          <a:xfrm>
-            <a:off x="8735493" y="-1"/>
-            <a:ext cx="3458738" cy="3428987"/>
+          <a:xfrm rot="10800000">
+            <a:off x="5222128" y="3429318"/>
+            <a:ext cx="3488283" cy="3428981"/>
           </a:xfrm>
           <a:prstGeom prst="rect">
             <a:avLst/>
@@ -20955,10 +20250,10 @@
       </p:sp>
       <p:sp>
         <p:nvSpPr>
-          <p:cNvPr id="18" name="Rectangle 34">
+          <p:cNvPr id="35" name="Oval 34">
             <a:extLst>
               <a:ext uri="{FF2B5EF4-FFF2-40B4-BE49-F238E27FC236}">
-                <a16:creationId xmlns:a16="http://schemas.microsoft.com/office/drawing/2014/main" id="{F058BB3D-7B21-46A3-B0D6-AB9D1578D571}"/>
+                <a16:creationId xmlns:a16="http://schemas.microsoft.com/office/drawing/2014/main" id="{0A03BF11-0D82-4A63-AE63-477F498DA4B3}"/>
               </a:ext>
               <a:ext uri="{C183D7F6-B498-43B3-948B-1728B52AA6E4}">
                 <adec:decorative xmlns:adec="http://schemas.microsoft.com/office/drawing/2017/decorative" val="1"/>
@@ -20977,9 +20272,164 @@
           </p:nvPr>
         </p:nvSpPr>
         <p:spPr>
-          <a:xfrm rot="16200000">
-            <a:off x="8758139" y="-22647"/>
-            <a:ext cx="3428989" cy="3474281"/>
+          <a:xfrm>
+            <a:off x="5442607" y="3648555"/>
+            <a:ext cx="3070455" cy="3070455"/>
+          </a:xfrm>
+          <a:prstGeom prst="ellipse">
+            <a:avLst/>
+          </a:prstGeom>
+          <a:solidFill>
+            <a:srgbClr val="FFFFFF"/>
+          </a:solidFill>
+          <a:ln>
+            <a:noFill/>
+          </a:ln>
+        </p:spPr>
+        <p:style>
+          <a:lnRef idx="2">
+            <a:schemeClr val="accent1">
+              <a:shade val="50000"/>
+            </a:schemeClr>
+          </a:lnRef>
+          <a:fillRef idx="1">
+            <a:schemeClr val="accent1"/>
+          </a:fillRef>
+          <a:effectRef idx="0">
+            <a:schemeClr val="accent1"/>
+          </a:effectRef>
+          <a:fontRef idx="minor">
+            <a:schemeClr val="lt1"/>
+          </a:fontRef>
+        </p:style>
+        <p:txBody>
+          <a:bodyPr rtlCol="0" anchor="ctr"/>
+          <a:lstStyle/>
+          <a:p>
+            <a:pPr algn="ctr"/>
+            <a:endParaRPr lang="en-US"/>
+          </a:p>
+        </p:txBody>
+      </p:sp>
+      <p:pic>
+        <p:nvPicPr>
+          <p:cNvPr id="5" name="Picture 4" descr="Digital business graph and charts">
+            <a:extLst>
+              <a:ext uri="{FF2B5EF4-FFF2-40B4-BE49-F238E27FC236}">
+                <a16:creationId xmlns:a16="http://schemas.microsoft.com/office/drawing/2014/main" id="{59FF87AF-0476-8AC4-C504-9F5A50749249}"/>
+              </a:ext>
+            </a:extLst>
+          </p:cNvPr>
+          <p:cNvPicPr>
+            <a:picLocks noChangeAspect="1"/>
+          </p:cNvPicPr>
+          <p:nvPr/>
+        </p:nvPicPr>
+        <p:blipFill rotWithShape="1">
+          <a:blip r:embed="rId3"/>
+          <a:srcRect l="37831" r="25817"/>
+          <a:stretch/>
+        </p:blipFill>
+        <p:spPr>
+          <a:xfrm>
+            <a:off x="6212371" y="4200775"/>
+            <a:ext cx="1507796" cy="1980560"/>
+          </a:xfrm>
+          <a:prstGeom prst="rect">
+            <a:avLst/>
+          </a:prstGeom>
+        </p:spPr>
+      </p:pic>
+      <p:sp>
+        <p:nvSpPr>
+          <p:cNvPr id="37" name="Rectangle 36">
+            <a:extLst>
+              <a:ext uri="{FF2B5EF4-FFF2-40B4-BE49-F238E27FC236}">
+                <a16:creationId xmlns:a16="http://schemas.microsoft.com/office/drawing/2014/main" id="{3C315512-59EF-409B-A4A8-45298B593161}"/>
+              </a:ext>
+              <a:ext uri="{C183D7F6-B498-43B3-948B-1728B52AA6E4}">
+                <adec:decorative xmlns:adec="http://schemas.microsoft.com/office/drawing/2017/decorative" val="1"/>
+              </a:ext>
+            </a:extLst>
+          </p:cNvPr>
+          <p:cNvSpPr>
+            <a:spLocks noGrp="1" noRot="1" noChangeAspect="1" noMove="1" noResize="1" noEditPoints="1" noAdjustHandles="1" noChangeArrowheads="1" noChangeShapeType="1" noTextEdit="1"/>
+          </p:cNvSpPr>
+          <p:nvPr>
+            <p:extLst>
+              <p:ext uri="{386F3935-93C4-4BCD-93E2-E3B085C9AB24}">
+                <p16:designElem xmlns:p16="http://schemas.microsoft.com/office/powerpoint/2015/main" val="1"/>
+              </p:ext>
+            </p:extLst>
+          </p:nvPr>
+        </p:nvSpPr>
+        <p:spPr>
+          <a:xfrm rot="10800000">
+            <a:off x="8710412" y="3429018"/>
+            <a:ext cx="3481587" cy="3428981"/>
+          </a:xfrm>
+          <a:prstGeom prst="rect">
+            <a:avLst/>
+          </a:prstGeom>
+          <a:solidFill>
+            <a:schemeClr val="tx2"/>
+          </a:solidFill>
+          <a:ln>
+            <a:noFill/>
+          </a:ln>
+        </p:spPr>
+        <p:style>
+          <a:lnRef idx="2">
+            <a:schemeClr val="accent1">
+              <a:shade val="50000"/>
+            </a:schemeClr>
+          </a:lnRef>
+          <a:fillRef idx="1">
+            <a:schemeClr val="accent1"/>
+          </a:fillRef>
+          <a:effectRef idx="0">
+            <a:schemeClr val="accent1"/>
+          </a:effectRef>
+          <a:fontRef idx="minor">
+            <a:schemeClr val="lt1"/>
+          </a:fontRef>
+        </p:style>
+        <p:txBody>
+          <a:bodyPr rtlCol="0" anchor="ctr"/>
+          <a:lstStyle/>
+          <a:p>
+            <a:pPr algn="ctr"/>
+            <a:endParaRPr lang="en-US" dirty="0"/>
+          </a:p>
+        </p:txBody>
+      </p:sp>
+      <p:sp>
+        <p:nvSpPr>
+          <p:cNvPr id="39" name="Rectangle 34">
+            <a:extLst>
+              <a:ext uri="{FF2B5EF4-FFF2-40B4-BE49-F238E27FC236}">
+                <a16:creationId xmlns:a16="http://schemas.microsoft.com/office/drawing/2014/main" id="{517F0845-FE68-43BB-8D63-2F30D17B2BEA}"/>
+              </a:ext>
+              <a:ext uri="{C183D7F6-B498-43B3-948B-1728B52AA6E4}">
+                <adec:decorative xmlns:adec="http://schemas.microsoft.com/office/drawing/2017/decorative" val="1"/>
+              </a:ext>
+            </a:extLst>
+          </p:cNvPr>
+          <p:cNvSpPr>
+            <a:spLocks noGrp="1" noRot="1" noChangeAspect="1" noMove="1" noResize="1" noEditPoints="1" noAdjustHandles="1" noChangeArrowheads="1" noChangeShapeType="1" noTextEdit="1"/>
+          </p:cNvSpPr>
+          <p:nvPr>
+            <p:extLst>
+              <p:ext uri="{386F3935-93C4-4BCD-93E2-E3B085C9AB24}">
+                <p16:designElem xmlns:p16="http://schemas.microsoft.com/office/powerpoint/2015/main" val="1"/>
+              </p:ext>
+            </p:extLst>
+          </p:nvPr>
+        </p:nvSpPr>
+        <p:spPr>
+          <a:xfrm rot="5400000" flipV="1">
+            <a:off x="8732909" y="3406822"/>
+            <a:ext cx="3428681" cy="3473674"/>
           </a:xfrm>
           <a:custGeom>
             <a:avLst/>
@@ -21038,10 +20488,1408 @@
             </a:pathLst>
           </a:custGeom>
           <a:solidFill>
-            <a:schemeClr val="accent4">
-              <a:lumMod val="40000"/>
-              <a:lumOff val="60000"/>
+            <a:schemeClr val="accent5"/>
+          </a:solidFill>
+          <a:ln>
+            <a:noFill/>
+          </a:ln>
+        </p:spPr>
+        <p:style>
+          <a:lnRef idx="2">
+            <a:schemeClr val="accent1">
+              <a:shade val="50000"/>
             </a:schemeClr>
+          </a:lnRef>
+          <a:fillRef idx="1">
+            <a:schemeClr val="accent1"/>
+          </a:fillRef>
+          <a:effectRef idx="0">
+            <a:schemeClr val="accent1"/>
+          </a:effectRef>
+          <a:fontRef idx="minor">
+            <a:schemeClr val="lt1"/>
+          </a:fontRef>
+        </p:style>
+        <p:txBody>
+          <a:bodyPr rtlCol="0" anchor="ctr"/>
+          <a:lstStyle/>
+          <a:p>
+            <a:pPr algn="ctr"/>
+            <a:endParaRPr lang="en-US" dirty="0"/>
+          </a:p>
+        </p:txBody>
+      </p:sp>
+    </p:spTree>
+    <p:extLst>
+      <p:ext uri="{BB962C8B-B14F-4D97-AF65-F5344CB8AC3E}">
+        <p14:creationId xmlns:p14="http://schemas.microsoft.com/office/powerpoint/2010/main" val="4131928453"/>
+      </p:ext>
+    </p:extLst>
+  </p:cSld>
+  <p:clrMapOvr>
+    <a:masterClrMapping/>
+  </p:clrMapOvr>
+</p:sld>
+</file>
+
+<file path=ppt/slides/slide14.xml><?xml version="1.0" encoding="utf-8"?>
+<p:sld xmlns:a="http://schemas.openxmlformats.org/drawingml/2006/main" xmlns:r="http://schemas.openxmlformats.org/officeDocument/2006/relationships" xmlns:p="http://schemas.openxmlformats.org/presentationml/2006/main">
+  <p:cSld>
+    <p:bg>
+      <p:bgPr>
+        <a:solidFill>
+          <a:schemeClr val="bg1"/>
+        </a:solidFill>
+        <a:effectLst/>
+      </p:bgPr>
+    </p:bg>
+    <p:spTree>
+      <p:nvGrpSpPr>
+        <p:cNvPr id="1" name=""/>
+        <p:cNvGrpSpPr/>
+        <p:nvPr/>
+      </p:nvGrpSpPr>
+      <p:grpSpPr>
+        <a:xfrm>
+          <a:off x="0" y="0"/>
+          <a:ext cx="0" cy="0"/>
+          <a:chOff x="0" y="0"/>
+          <a:chExt cx="0" cy="0"/>
+        </a:xfrm>
+      </p:grpSpPr>
+      <p:sp useBgFill="1">
+        <p:nvSpPr>
+          <p:cNvPr id="44" name="Rectangle 43">
+            <a:extLst>
+              <a:ext uri="{FF2B5EF4-FFF2-40B4-BE49-F238E27FC236}">
+                <a16:creationId xmlns:a16="http://schemas.microsoft.com/office/drawing/2014/main" id="{DA1766D0-745A-4921-A68E-56642A6508CF}"/>
+              </a:ext>
+              <a:ext uri="{C183D7F6-B498-43B3-948B-1728B52AA6E4}">
+                <adec:decorative xmlns:adec="http://schemas.microsoft.com/office/drawing/2017/decorative" val="1"/>
+              </a:ext>
+            </a:extLst>
+          </p:cNvPr>
+          <p:cNvSpPr>
+            <a:spLocks noGrp="1" noRot="1" noChangeAspect="1" noMove="1" noResize="1" noEditPoints="1" noAdjustHandles="1" noChangeArrowheads="1" noChangeShapeType="1" noTextEdit="1"/>
+          </p:cNvSpPr>
+          <p:nvPr>
+            <p:extLst>
+              <p:ext uri="{386F3935-93C4-4BCD-93E2-E3B085C9AB24}">
+                <p16:designElem xmlns:p16="http://schemas.microsoft.com/office/powerpoint/2015/main" val="1"/>
+              </p:ext>
+            </p:extLst>
+          </p:nvPr>
+        </p:nvSpPr>
+        <p:spPr>
+          <a:xfrm>
+            <a:off x="0" y="0"/>
+            <a:ext cx="12192000" cy="6858000"/>
+          </a:xfrm>
+          <a:prstGeom prst="rect">
+            <a:avLst/>
+          </a:prstGeom>
+          <a:ln w="12700" cap="flat" cmpd="sng" algn="ctr">
+            <a:noFill/>
+            <a:prstDash val="solid"/>
+            <a:miter lim="800000"/>
+          </a:ln>
+          <a:effectLst/>
+          <a:extLst>
+            <a:ext uri="{91240B29-F687-4F45-9708-019B960494DF}">
+              <a14:hiddenLine xmlns:a14="http://schemas.microsoft.com/office/drawing/2010/main" w="12700" cap="flat" cmpd="sng" algn="ctr">
+                <a:solidFill>
+                  <a:schemeClr val="accent1">
+                    <a:shade val="50000"/>
+                  </a:schemeClr>
+                </a:solidFill>
+                <a:prstDash val="solid"/>
+                <a:miter lim="800000"/>
+              </a14:hiddenLine>
+            </a:ext>
+          </a:extLst>
+        </p:spPr>
+        <p:style>
+          <a:lnRef idx="2">
+            <a:schemeClr val="accent1">
+              <a:shade val="50000"/>
+            </a:schemeClr>
+          </a:lnRef>
+          <a:fillRef idx="1">
+            <a:schemeClr val="accent1"/>
+          </a:fillRef>
+          <a:effectRef idx="0">
+            <a:schemeClr val="accent1"/>
+          </a:effectRef>
+          <a:fontRef idx="minor">
+            <a:schemeClr val="lt1"/>
+          </a:fontRef>
+        </p:style>
+        <p:txBody>
+          <a:bodyPr rtlCol="0" anchor="ctr"/>
+          <a:lstStyle/>
+          <a:p>
+            <a:pPr algn="ctr"/>
+            <a:endParaRPr lang="en-US"/>
+          </a:p>
+        </p:txBody>
+      </p:sp>
+      <p:sp>
+        <p:nvSpPr>
+          <p:cNvPr id="2" name="Title 1">
+            <a:extLst>
+              <a:ext uri="{FF2B5EF4-FFF2-40B4-BE49-F238E27FC236}">
+                <a16:creationId xmlns:a16="http://schemas.microsoft.com/office/drawing/2014/main" id="{DAFD10A5-6F50-1E52-722B-A3F865B3DD7D}"/>
+              </a:ext>
+            </a:extLst>
+          </p:cNvPr>
+          <p:cNvSpPr>
+            <a:spLocks noGrp="1"/>
+          </p:cNvSpPr>
+          <p:nvPr>
+            <p:ph type="title"/>
+          </p:nvPr>
+        </p:nvSpPr>
+        <p:spPr>
+          <a:xfrm>
+            <a:off x="1077364" y="720435"/>
+            <a:ext cx="4140096" cy="1507375"/>
+          </a:xfrm>
+        </p:spPr>
+        <p:txBody>
+          <a:bodyPr>
+            <a:normAutofit/>
+          </a:bodyPr>
+          <a:lstStyle/>
+          <a:p>
+            <a:pPr>
+              <a:lnSpc>
+                <a:spcPct val="100000"/>
+              </a:lnSpc>
+            </a:pPr>
+            <a:r>
+              <a:rPr lang="en-US" sz="3000"/>
+              <a:t>KNIME: Correlation coefficient and Statistics </a:t>
+            </a:r>
+          </a:p>
+        </p:txBody>
+      </p:sp>
+      <p:sp>
+        <p:nvSpPr>
+          <p:cNvPr id="15" name="Content Placeholder 14">
+            <a:extLst>
+              <a:ext uri="{FF2B5EF4-FFF2-40B4-BE49-F238E27FC236}">
+                <a16:creationId xmlns:a16="http://schemas.microsoft.com/office/drawing/2014/main" id="{E092D595-3EFE-D940-6DD7-525880808C96}"/>
+              </a:ext>
+            </a:extLst>
+          </p:cNvPr>
+          <p:cNvSpPr>
+            <a:spLocks noGrp="1"/>
+          </p:cNvSpPr>
+          <p:nvPr>
+            <p:ph idx="1"/>
+          </p:nvPr>
+        </p:nvSpPr>
+        <p:spPr>
+          <a:xfrm>
+            <a:off x="1077364" y="2427316"/>
+            <a:ext cx="4140096" cy="3513514"/>
+          </a:xfrm>
+        </p:spPr>
+        <p:txBody>
+          <a:bodyPr>
+            <a:normAutofit/>
+          </a:bodyPr>
+          <a:lstStyle/>
+          <a:p>
+            <a:pPr marL="0" indent="0">
+              <a:buNone/>
+            </a:pPr>
+            <a:r>
+              <a:rPr lang="en-US" dirty="0"/>
+              <a:t>To find temperature as a function of chirps (temp(chirps)): </a:t>
+            </a:r>
+          </a:p>
+          <a:p>
+            <a:pPr lvl="1"/>
+            <a:r>
+              <a:rPr lang="en-US" dirty="0"/>
+              <a:t>temperature(y) = .892(chirps) + 40.025</a:t>
+            </a:r>
+          </a:p>
+        </p:txBody>
+      </p:sp>
+      <p:sp>
+        <p:nvSpPr>
+          <p:cNvPr id="46" name="Freeform: Shape 45">
+            <a:extLst>
+              <a:ext uri="{FF2B5EF4-FFF2-40B4-BE49-F238E27FC236}">
+                <a16:creationId xmlns:a16="http://schemas.microsoft.com/office/drawing/2014/main" id="{583F1E3F-D7BF-4DB5-8016-70B9E385E338}"/>
+              </a:ext>
+              <a:ext uri="{C183D7F6-B498-43B3-948B-1728B52AA6E4}">
+                <adec:decorative xmlns:adec="http://schemas.microsoft.com/office/drawing/2017/decorative" val="1"/>
+              </a:ext>
+            </a:extLst>
+          </p:cNvPr>
+          <p:cNvSpPr>
+            <a:spLocks noGrp="1" noRot="1" noChangeAspect="1" noMove="1" noResize="1" noEditPoints="1" noAdjustHandles="1" noChangeArrowheads="1" noChangeShapeType="1" noTextEdit="1"/>
+          </p:cNvSpPr>
+          <p:nvPr>
+            <p:extLst>
+              <p:ext uri="{386F3935-93C4-4BCD-93E2-E3B085C9AB24}">
+                <p16:designElem xmlns:p16="http://schemas.microsoft.com/office/powerpoint/2015/main" val="1"/>
+              </p:ext>
+            </p:extLst>
+          </p:nvPr>
+        </p:nvSpPr>
+        <p:spPr>
+          <a:xfrm rot="16200000">
+            <a:off x="8794726" y="-9066"/>
+            <a:ext cx="3388208" cy="3406341"/>
+          </a:xfrm>
+          <a:custGeom>
+            <a:avLst/>
+            <a:gdLst>
+              <a:gd name="connsiteX0" fmla="*/ 3388058 w 3388208"/>
+              <a:gd name="connsiteY0" fmla="*/ 0 h 3406341"/>
+              <a:gd name="connsiteX1" fmla="*/ 3388208 w 3388208"/>
+              <a:gd name="connsiteY1" fmla="*/ 0 h 3406341"/>
+              <a:gd name="connsiteX2" fmla="*/ 3388208 w 3388208"/>
+              <a:gd name="connsiteY2" fmla="*/ 3406341 h 3406341"/>
+              <a:gd name="connsiteX3" fmla="*/ 0 w 3388208"/>
+              <a:gd name="connsiteY3" fmla="*/ 3406341 h 3406341"/>
+              <a:gd name="connsiteX4" fmla="*/ 79006 w 3388208"/>
+              <a:gd name="connsiteY4" fmla="*/ 3404386 h 3406341"/>
+              <a:gd name="connsiteX5" fmla="*/ 3383947 w 3388208"/>
+              <a:gd name="connsiteY5" fmla="*/ 164274 h 3406341"/>
+            </a:gdLst>
+            <a:ahLst/>
+            <a:cxnLst>
+              <a:cxn ang="0">
+                <a:pos x="connsiteX0" y="connsiteY0"/>
+              </a:cxn>
+              <a:cxn ang="0">
+                <a:pos x="connsiteX1" y="connsiteY1"/>
+              </a:cxn>
+              <a:cxn ang="0">
+                <a:pos x="connsiteX2" y="connsiteY2"/>
+              </a:cxn>
+              <a:cxn ang="0">
+                <a:pos x="connsiteX3" y="connsiteY3"/>
+              </a:cxn>
+              <a:cxn ang="0">
+                <a:pos x="connsiteX4" y="connsiteY4"/>
+              </a:cxn>
+              <a:cxn ang="0">
+                <a:pos x="connsiteX5" y="connsiteY5"/>
+              </a:cxn>
+            </a:cxnLst>
+            <a:rect l="l" t="t" r="r" b="b"/>
+            <a:pathLst>
+              <a:path w="3388208" h="3406341">
+                <a:moveTo>
+                  <a:pt x="3388058" y="0"/>
+                </a:moveTo>
+                <a:lnTo>
+                  <a:pt x="3388208" y="0"/>
+                </a:lnTo>
+                <a:lnTo>
+                  <a:pt x="3388208" y="3406341"/>
+                </a:lnTo>
+                <a:lnTo>
+                  <a:pt x="0" y="3406341"/>
+                </a:lnTo>
+                <a:lnTo>
+                  <a:pt x="79006" y="3404386"/>
+                </a:lnTo>
+                <a:cubicBezTo>
+                  <a:pt x="1864742" y="3315784"/>
+                  <a:pt x="3296223" y="1912901"/>
+                  <a:pt x="3383947" y="164274"/>
+                </a:cubicBezTo>
+                <a:close/>
+              </a:path>
+            </a:pathLst>
+          </a:custGeom>
+          <a:solidFill>
+            <a:schemeClr val="accent5"/>
+          </a:solidFill>
+          <a:ln>
+            <a:noFill/>
+          </a:ln>
+        </p:spPr>
+        <p:style>
+          <a:lnRef idx="2">
+            <a:schemeClr val="accent1">
+              <a:shade val="50000"/>
+            </a:schemeClr>
+          </a:lnRef>
+          <a:fillRef idx="1">
+            <a:schemeClr val="accent1"/>
+          </a:fillRef>
+          <a:effectRef idx="0">
+            <a:schemeClr val="accent1"/>
+          </a:effectRef>
+          <a:fontRef idx="minor">
+            <a:schemeClr val="lt1"/>
+          </a:fontRef>
+        </p:style>
+        <p:txBody>
+          <a:bodyPr wrap="square" rtlCol="0" anchor="ctr">
+            <a:noAutofit/>
+          </a:bodyPr>
+          <a:lstStyle/>
+          <a:p>
+            <a:pPr algn="ctr"/>
+            <a:endParaRPr lang="en-US"/>
+          </a:p>
+        </p:txBody>
+      </p:sp>
+      <p:pic>
+        <p:nvPicPr>
+          <p:cNvPr id="5" name="Picture 4" descr="Digital business graph and charts">
+            <a:extLst>
+              <a:ext uri="{FF2B5EF4-FFF2-40B4-BE49-F238E27FC236}">
+                <a16:creationId xmlns:a16="http://schemas.microsoft.com/office/drawing/2014/main" id="{59FF87AF-0476-8AC4-C504-9F5A50749249}"/>
+              </a:ext>
+            </a:extLst>
+          </p:cNvPr>
+          <p:cNvPicPr>
+            <a:picLocks noChangeAspect="1"/>
+          </p:cNvPicPr>
+          <p:nvPr/>
+        </p:nvPicPr>
+        <p:blipFill rotWithShape="1">
+          <a:blip r:embed="rId2"/>
+          <a:srcRect l="37831" r="25817"/>
+          <a:stretch/>
+        </p:blipFill>
+        <p:spPr>
+          <a:xfrm>
+            <a:off x="7717126" y="1197092"/>
+            <a:ext cx="1647532" cy="2164109"/>
+          </a:xfrm>
+          <a:prstGeom prst="rect">
+            <a:avLst/>
+          </a:prstGeom>
+        </p:spPr>
+      </p:pic>
+      <p:sp>
+        <p:nvSpPr>
+          <p:cNvPr id="48" name="Freeform: Shape 47">
+            <a:extLst>
+              <a:ext uri="{FF2B5EF4-FFF2-40B4-BE49-F238E27FC236}">
+                <a16:creationId xmlns:a16="http://schemas.microsoft.com/office/drawing/2014/main" id="{DD0D3E7A-8DF6-4A78-A03C-86AD697468BE}"/>
+              </a:ext>
+              <a:ext uri="{C183D7F6-B498-43B3-948B-1728B52AA6E4}">
+                <adec:decorative xmlns:adec="http://schemas.microsoft.com/office/drawing/2017/decorative" val="1"/>
+              </a:ext>
+            </a:extLst>
+          </p:cNvPr>
+          <p:cNvSpPr>
+            <a:spLocks noGrp="1" noRot="1" noChangeAspect="1" noMove="1" noResize="1" noEditPoints="1" noAdjustHandles="1" noChangeArrowheads="1" noChangeShapeType="1" noTextEdit="1"/>
+          </p:cNvSpPr>
+          <p:nvPr>
+            <p:extLst>
+              <p:ext uri="{386F3935-93C4-4BCD-93E2-E3B085C9AB24}">
+                <p16:designElem xmlns:p16="http://schemas.microsoft.com/office/powerpoint/2015/main" val="1"/>
+              </p:ext>
+            </p:extLst>
+          </p:nvPr>
+        </p:nvSpPr>
+        <p:spPr>
+          <a:xfrm>
+            <a:off x="8803792" y="3470886"/>
+            <a:ext cx="3388208" cy="3406341"/>
+          </a:xfrm>
+          <a:custGeom>
+            <a:avLst/>
+            <a:gdLst>
+              <a:gd name="connsiteX0" fmla="*/ 3388058 w 3388208"/>
+              <a:gd name="connsiteY0" fmla="*/ 0 h 3406341"/>
+              <a:gd name="connsiteX1" fmla="*/ 3388208 w 3388208"/>
+              <a:gd name="connsiteY1" fmla="*/ 0 h 3406341"/>
+              <a:gd name="connsiteX2" fmla="*/ 3388208 w 3388208"/>
+              <a:gd name="connsiteY2" fmla="*/ 3406341 h 3406341"/>
+              <a:gd name="connsiteX3" fmla="*/ 0 w 3388208"/>
+              <a:gd name="connsiteY3" fmla="*/ 3406341 h 3406341"/>
+              <a:gd name="connsiteX4" fmla="*/ 79006 w 3388208"/>
+              <a:gd name="connsiteY4" fmla="*/ 3404386 h 3406341"/>
+              <a:gd name="connsiteX5" fmla="*/ 3383947 w 3388208"/>
+              <a:gd name="connsiteY5" fmla="*/ 164274 h 3406341"/>
+            </a:gdLst>
+            <a:ahLst/>
+            <a:cxnLst>
+              <a:cxn ang="0">
+                <a:pos x="connsiteX0" y="connsiteY0"/>
+              </a:cxn>
+              <a:cxn ang="0">
+                <a:pos x="connsiteX1" y="connsiteY1"/>
+              </a:cxn>
+              <a:cxn ang="0">
+                <a:pos x="connsiteX2" y="connsiteY2"/>
+              </a:cxn>
+              <a:cxn ang="0">
+                <a:pos x="connsiteX3" y="connsiteY3"/>
+              </a:cxn>
+              <a:cxn ang="0">
+                <a:pos x="connsiteX4" y="connsiteY4"/>
+              </a:cxn>
+              <a:cxn ang="0">
+                <a:pos x="connsiteX5" y="connsiteY5"/>
+              </a:cxn>
+            </a:cxnLst>
+            <a:rect l="l" t="t" r="r" b="b"/>
+            <a:pathLst>
+              <a:path w="3388208" h="3406341">
+                <a:moveTo>
+                  <a:pt x="3388058" y="0"/>
+                </a:moveTo>
+                <a:lnTo>
+                  <a:pt x="3388208" y="0"/>
+                </a:lnTo>
+                <a:lnTo>
+                  <a:pt x="3388208" y="3406341"/>
+                </a:lnTo>
+                <a:lnTo>
+                  <a:pt x="0" y="3406341"/>
+                </a:lnTo>
+                <a:lnTo>
+                  <a:pt x="79006" y="3404386"/>
+                </a:lnTo>
+                <a:cubicBezTo>
+                  <a:pt x="1864742" y="3315784"/>
+                  <a:pt x="3296223" y="1912901"/>
+                  <a:pt x="3383947" y="164274"/>
+                </a:cubicBezTo>
+                <a:close/>
+              </a:path>
+            </a:pathLst>
+          </a:custGeom>
+          <a:solidFill>
+            <a:schemeClr val="tx2"/>
+          </a:solidFill>
+          <a:ln>
+            <a:noFill/>
+          </a:ln>
+        </p:spPr>
+        <p:style>
+          <a:lnRef idx="2">
+            <a:schemeClr val="accent1">
+              <a:shade val="50000"/>
+            </a:schemeClr>
+          </a:lnRef>
+          <a:fillRef idx="1">
+            <a:schemeClr val="accent1"/>
+          </a:fillRef>
+          <a:effectRef idx="0">
+            <a:schemeClr val="accent1"/>
+          </a:effectRef>
+          <a:fontRef idx="minor">
+            <a:schemeClr val="lt1"/>
+          </a:fontRef>
+        </p:style>
+        <p:txBody>
+          <a:bodyPr wrap="square" rtlCol="0" anchor="ctr">
+            <a:noAutofit/>
+          </a:bodyPr>
+          <a:lstStyle/>
+          <a:p>
+            <a:pPr algn="ctr"/>
+            <a:endParaRPr lang="en-US"/>
+          </a:p>
+        </p:txBody>
+      </p:sp>
+      <p:pic>
+        <p:nvPicPr>
+          <p:cNvPr id="26" name="Picture 25" descr="Table&#10;&#10;Description automatically generated">
+            <a:extLst>
+              <a:ext uri="{FF2B5EF4-FFF2-40B4-BE49-F238E27FC236}">
+                <a16:creationId xmlns:a16="http://schemas.microsoft.com/office/drawing/2014/main" id="{9248D284-25F6-B1C7-62C9-3AE1547A744D}"/>
+              </a:ext>
+            </a:extLst>
+          </p:cNvPr>
+          <p:cNvPicPr>
+            <a:picLocks noChangeAspect="1"/>
+          </p:cNvPicPr>
+          <p:nvPr/>
+        </p:nvPicPr>
+        <p:blipFill>
+          <a:blip r:embed="rId3">
+            <a:extLst>
+              <a:ext uri="{28A0092B-C50C-407E-A947-70E740481C1C}">
+                <a14:useLocalDpi xmlns:a14="http://schemas.microsoft.com/office/drawing/2010/main" val="0"/>
+              </a:ext>
+            </a:extLst>
+          </a:blip>
+          <a:stretch>
+            <a:fillRect/>
+          </a:stretch>
+        </p:blipFill>
+        <p:spPr>
+          <a:xfrm>
+            <a:off x="1077363" y="4376937"/>
+            <a:ext cx="9516921" cy="1760628"/>
+          </a:xfrm>
+          <a:prstGeom prst="rect">
+            <a:avLst/>
+          </a:prstGeom>
+        </p:spPr>
+      </p:pic>
+    </p:spTree>
+    <p:extLst>
+      <p:ext uri="{BB962C8B-B14F-4D97-AF65-F5344CB8AC3E}">
+        <p14:creationId xmlns:p14="http://schemas.microsoft.com/office/powerpoint/2010/main" val="3128773241"/>
+      </p:ext>
+    </p:extLst>
+  </p:cSld>
+  <p:clrMapOvr>
+    <a:masterClrMapping/>
+  </p:clrMapOvr>
+</p:sld>
+</file>
+
+<file path=ppt/slides/slide15.xml><?xml version="1.0" encoding="utf-8"?>
+<p:sld xmlns:a="http://schemas.openxmlformats.org/drawingml/2006/main" xmlns:r="http://schemas.openxmlformats.org/officeDocument/2006/relationships" xmlns:p="http://schemas.openxmlformats.org/presentationml/2006/main">
+  <p:cSld>
+    <p:spTree>
+      <p:nvGrpSpPr>
+        <p:cNvPr id="1" name=""/>
+        <p:cNvGrpSpPr/>
+        <p:nvPr/>
+      </p:nvGrpSpPr>
+      <p:grpSpPr>
+        <a:xfrm>
+          <a:off x="0" y="0"/>
+          <a:ext cx="0" cy="0"/>
+          <a:chOff x="0" y="0"/>
+          <a:chExt cx="0" cy="0"/>
+        </a:xfrm>
+      </p:grpSpPr>
+      <p:sp>
+        <p:nvSpPr>
+          <p:cNvPr id="2" name="Title 1">
+            <a:extLst>
+              <a:ext uri="{FF2B5EF4-FFF2-40B4-BE49-F238E27FC236}">
+                <a16:creationId xmlns:a16="http://schemas.microsoft.com/office/drawing/2014/main" id="{9C854B74-B891-C858-82DD-5EA41747687D}"/>
+              </a:ext>
+            </a:extLst>
+          </p:cNvPr>
+          <p:cNvSpPr>
+            <a:spLocks noGrp="1"/>
+          </p:cNvSpPr>
+          <p:nvPr>
+            <p:ph type="title"/>
+          </p:nvPr>
+        </p:nvSpPr>
+        <p:spPr/>
+        <p:txBody>
+          <a:bodyPr/>
+          <a:lstStyle/>
+          <a:p>
+            <a:r>
+              <a:rPr lang="en-US" dirty="0"/>
+              <a:t>KNIME: Regression Line</a:t>
+            </a:r>
+          </a:p>
+        </p:txBody>
+      </p:sp>
+      <p:sp>
+        <p:nvSpPr>
+          <p:cNvPr id="3" name="Content Placeholder 2">
+            <a:extLst>
+              <a:ext uri="{FF2B5EF4-FFF2-40B4-BE49-F238E27FC236}">
+                <a16:creationId xmlns:a16="http://schemas.microsoft.com/office/drawing/2014/main" id="{D9CEAFBF-8558-4756-5598-1042BA5E5BCA}"/>
+              </a:ext>
+            </a:extLst>
+          </p:cNvPr>
+          <p:cNvSpPr>
+            <a:spLocks noGrp="1"/>
+          </p:cNvSpPr>
+          <p:nvPr>
+            <p:ph idx="1"/>
+          </p:nvPr>
+        </p:nvSpPr>
+        <p:spPr/>
+        <p:txBody>
+          <a:bodyPr>
+            <a:normAutofit fontScale="85000" lnSpcReduction="10000"/>
+          </a:bodyPr>
+          <a:lstStyle/>
+          <a:p>
+            <a:r>
+              <a:rPr lang="en-US" dirty="0"/>
+              <a:t>What is it: the line of best fit</a:t>
+            </a:r>
+          </a:p>
+          <a:p>
+            <a:r>
+              <a:rPr lang="en-US" dirty="0"/>
+              <a:t>You are trying to find a line that, when drawn, has the least amount of sum squared distance between each point to the line</a:t>
+            </a:r>
+          </a:p>
+          <a:p>
+            <a:r>
+              <a:rPr lang="en-US" dirty="0"/>
+              <a:t>Why squared? Because some points are expected to be under, and some over. 	</a:t>
+            </a:r>
+          </a:p>
+          <a:p>
+            <a:pPr lvl="2"/>
+            <a:r>
+              <a:rPr lang="en-US" dirty="0"/>
+              <a:t>Squaring each value eliminates the cancel out</a:t>
+            </a:r>
+          </a:p>
+          <a:p>
+            <a:r>
+              <a:rPr lang="en-US" dirty="0"/>
+              <a:t>This would be time consuming to do by hand!</a:t>
+            </a:r>
+          </a:p>
+          <a:p>
+            <a:r>
+              <a:rPr lang="en-US" dirty="0"/>
+              <a:t>Thankfully, computers are made for this type of thing</a:t>
+            </a:r>
+          </a:p>
+          <a:p>
+            <a:r>
+              <a:rPr lang="en-US" dirty="0"/>
+              <a:t>Y = mx + b</a:t>
+            </a:r>
+          </a:p>
+          <a:p>
+            <a:r>
+              <a:rPr lang="en-US" dirty="0"/>
+              <a:t>X (slope)</a:t>
+            </a:r>
+          </a:p>
+          <a:p>
+            <a:r>
+              <a:rPr lang="en-US" dirty="0"/>
+              <a:t>b(y intercept)</a:t>
+            </a:r>
+          </a:p>
+        </p:txBody>
+      </p:sp>
+    </p:spTree>
+    <p:extLst>
+      <p:ext uri="{BB962C8B-B14F-4D97-AF65-F5344CB8AC3E}">
+        <p14:creationId xmlns:p14="http://schemas.microsoft.com/office/powerpoint/2010/main" val="1673168080"/>
+      </p:ext>
+    </p:extLst>
+  </p:cSld>
+  <p:clrMapOvr>
+    <a:masterClrMapping/>
+  </p:clrMapOvr>
+</p:sld>
+</file>
+
+<file path=ppt/slides/slide16.xml><?xml version="1.0" encoding="utf-8"?>
+<p:sld xmlns:a="http://schemas.openxmlformats.org/drawingml/2006/main" xmlns:r="http://schemas.openxmlformats.org/officeDocument/2006/relationships" xmlns:p="http://schemas.openxmlformats.org/presentationml/2006/main">
+  <p:cSld>
+    <p:bg>
+      <p:bgPr>
+        <a:solidFill>
+          <a:schemeClr val="bg1"/>
+        </a:solidFill>
+        <a:effectLst/>
+      </p:bgPr>
+    </p:bg>
+    <p:spTree>
+      <p:nvGrpSpPr>
+        <p:cNvPr id="1" name=""/>
+        <p:cNvGrpSpPr/>
+        <p:nvPr/>
+      </p:nvGrpSpPr>
+      <p:grpSpPr>
+        <a:xfrm>
+          <a:off x="0" y="0"/>
+          <a:ext cx="0" cy="0"/>
+          <a:chOff x="0" y="0"/>
+          <a:chExt cx="0" cy="0"/>
+        </a:xfrm>
+      </p:grpSpPr>
+      <p:sp useBgFill="1">
+        <p:nvSpPr>
+          <p:cNvPr id="31" name="Rectangle 30">
+            <a:extLst>
+              <a:ext uri="{FF2B5EF4-FFF2-40B4-BE49-F238E27FC236}">
+                <a16:creationId xmlns:a16="http://schemas.microsoft.com/office/drawing/2014/main" id="{DA1766D0-745A-4921-A68E-56642A6508CF}"/>
+              </a:ext>
+              <a:ext uri="{C183D7F6-B498-43B3-948B-1728B52AA6E4}">
+                <adec:decorative xmlns:adec="http://schemas.microsoft.com/office/drawing/2017/decorative" val="1"/>
+              </a:ext>
+            </a:extLst>
+          </p:cNvPr>
+          <p:cNvSpPr>
+            <a:spLocks noGrp="1" noRot="1" noChangeAspect="1" noMove="1" noResize="1" noEditPoints="1" noAdjustHandles="1" noChangeArrowheads="1" noChangeShapeType="1" noTextEdit="1"/>
+          </p:cNvSpPr>
+          <p:nvPr>
+            <p:extLst>
+              <p:ext uri="{386F3935-93C4-4BCD-93E2-E3B085C9AB24}">
+                <p16:designElem xmlns:p16="http://schemas.microsoft.com/office/powerpoint/2015/main" val="1"/>
+              </p:ext>
+            </p:extLst>
+          </p:nvPr>
+        </p:nvSpPr>
+        <p:spPr>
+          <a:xfrm>
+            <a:off x="0" y="0"/>
+            <a:ext cx="12192000" cy="6858000"/>
+          </a:xfrm>
+          <a:prstGeom prst="rect">
+            <a:avLst/>
+          </a:prstGeom>
+          <a:ln w="12700" cap="flat" cmpd="sng" algn="ctr">
+            <a:noFill/>
+            <a:prstDash val="solid"/>
+            <a:miter lim="800000"/>
+          </a:ln>
+          <a:effectLst/>
+          <a:extLst>
+            <a:ext uri="{91240B29-F687-4F45-9708-019B960494DF}">
+              <a14:hiddenLine xmlns:a14="http://schemas.microsoft.com/office/drawing/2010/main" w="12700" cap="flat" cmpd="sng" algn="ctr">
+                <a:solidFill>
+                  <a:schemeClr val="accent1">
+                    <a:shade val="50000"/>
+                  </a:schemeClr>
+                </a:solidFill>
+                <a:prstDash val="solid"/>
+                <a:miter lim="800000"/>
+              </a14:hiddenLine>
+            </a:ext>
+          </a:extLst>
+        </p:spPr>
+        <p:style>
+          <a:lnRef idx="2">
+            <a:schemeClr val="accent1">
+              <a:shade val="50000"/>
+            </a:schemeClr>
+          </a:lnRef>
+          <a:fillRef idx="1">
+            <a:schemeClr val="accent1"/>
+          </a:fillRef>
+          <a:effectRef idx="0">
+            <a:schemeClr val="accent1"/>
+          </a:effectRef>
+          <a:fontRef idx="minor">
+            <a:schemeClr val="lt1"/>
+          </a:fontRef>
+        </p:style>
+        <p:txBody>
+          <a:bodyPr rtlCol="0" anchor="ctr"/>
+          <a:lstStyle/>
+          <a:p>
+            <a:pPr algn="ctr"/>
+            <a:endParaRPr lang="en-US"/>
+          </a:p>
+        </p:txBody>
+      </p:sp>
+      <p:sp>
+        <p:nvSpPr>
+          <p:cNvPr id="2" name="Title 1">
+            <a:extLst>
+              <a:ext uri="{FF2B5EF4-FFF2-40B4-BE49-F238E27FC236}">
+                <a16:creationId xmlns:a16="http://schemas.microsoft.com/office/drawing/2014/main" id="{8C96B58E-A06A-A60D-BB56-402FEB651185}"/>
+              </a:ext>
+            </a:extLst>
+          </p:cNvPr>
+          <p:cNvSpPr>
+            <a:spLocks noGrp="1"/>
+          </p:cNvSpPr>
+          <p:nvPr>
+            <p:ph type="title"/>
+          </p:nvPr>
+        </p:nvSpPr>
+        <p:spPr>
+          <a:xfrm>
+            <a:off x="1077364" y="720435"/>
+            <a:ext cx="4140096" cy="1507375"/>
+          </a:xfrm>
+        </p:spPr>
+        <p:txBody>
+          <a:bodyPr vert="horz" lIns="91440" tIns="45720" rIns="91440" bIns="45720" rtlCol="0">
+            <a:normAutofit/>
+          </a:bodyPr>
+          <a:lstStyle/>
+          <a:p>
+            <a:r>
+              <a:rPr lang="en-US" dirty="0"/>
+              <a:t>KNIME: Prediction	: 40 chirps</a:t>
+            </a:r>
+          </a:p>
+        </p:txBody>
+      </p:sp>
+      <p:sp>
+        <p:nvSpPr>
+          <p:cNvPr id="3" name="Content Placeholder 2">
+            <a:extLst>
+              <a:ext uri="{FF2B5EF4-FFF2-40B4-BE49-F238E27FC236}">
+                <a16:creationId xmlns:a16="http://schemas.microsoft.com/office/drawing/2014/main" id="{9C21F057-4630-1171-6ECA-BF98981007AE}"/>
+              </a:ext>
+            </a:extLst>
+          </p:cNvPr>
+          <p:cNvSpPr>
+            <a:spLocks noGrp="1"/>
+          </p:cNvSpPr>
+          <p:nvPr>
+            <p:ph idx="1"/>
+          </p:nvPr>
+        </p:nvSpPr>
+        <p:spPr>
+          <a:xfrm>
+            <a:off x="1077364" y="2427316"/>
+            <a:ext cx="4140096" cy="3513514"/>
+          </a:xfrm>
+        </p:spPr>
+        <p:txBody>
+          <a:bodyPr vert="horz" lIns="91440" tIns="45720" rIns="91440" bIns="45720" rtlCol="0">
+            <a:normAutofit/>
+          </a:bodyPr>
+          <a:lstStyle/>
+          <a:p>
+            <a:pPr marL="0" indent="0">
+              <a:buNone/>
+            </a:pPr>
+            <a:r>
+              <a:rPr lang="en-US" dirty="0"/>
+              <a:t>temperature(y) = .892(chirps) + 40.025</a:t>
+            </a:r>
+          </a:p>
+          <a:p>
+            <a:pPr marL="0" indent="0">
+              <a:buNone/>
+            </a:pPr>
+            <a:r>
+              <a:rPr lang="en-US" dirty="0"/>
+              <a:t>Temperature = .892(40) + 40.025</a:t>
+            </a:r>
+          </a:p>
+          <a:p>
+            <a:pPr marL="0" indent="0">
+              <a:buNone/>
+            </a:pPr>
+            <a:r>
+              <a:rPr lang="en-US" dirty="0"/>
+              <a:t>Predicted Temperature = 75.705 degrees</a:t>
+            </a:r>
+          </a:p>
+        </p:txBody>
+      </p:sp>
+      <p:sp>
+        <p:nvSpPr>
+          <p:cNvPr id="33" name="Freeform: Shape 32">
+            <a:extLst>
+              <a:ext uri="{FF2B5EF4-FFF2-40B4-BE49-F238E27FC236}">
+                <a16:creationId xmlns:a16="http://schemas.microsoft.com/office/drawing/2014/main" id="{583F1E3F-D7BF-4DB5-8016-70B9E385E338}"/>
+              </a:ext>
+              <a:ext uri="{C183D7F6-B498-43B3-948B-1728B52AA6E4}">
+                <adec:decorative xmlns:adec="http://schemas.microsoft.com/office/drawing/2017/decorative" val="1"/>
+              </a:ext>
+            </a:extLst>
+          </p:cNvPr>
+          <p:cNvSpPr>
+            <a:spLocks noGrp="1" noRot="1" noChangeAspect="1" noMove="1" noResize="1" noEditPoints="1" noAdjustHandles="1" noChangeArrowheads="1" noChangeShapeType="1" noTextEdit="1"/>
+          </p:cNvSpPr>
+          <p:nvPr>
+            <p:extLst>
+              <p:ext uri="{386F3935-93C4-4BCD-93E2-E3B085C9AB24}">
+                <p16:designElem xmlns:p16="http://schemas.microsoft.com/office/powerpoint/2015/main" val="1"/>
+              </p:ext>
+            </p:extLst>
+          </p:nvPr>
+        </p:nvSpPr>
+        <p:spPr>
+          <a:xfrm rot="16200000">
+            <a:off x="8794726" y="-9066"/>
+            <a:ext cx="3388208" cy="3406341"/>
+          </a:xfrm>
+          <a:custGeom>
+            <a:avLst/>
+            <a:gdLst>
+              <a:gd name="connsiteX0" fmla="*/ 3388058 w 3388208"/>
+              <a:gd name="connsiteY0" fmla="*/ 0 h 3406341"/>
+              <a:gd name="connsiteX1" fmla="*/ 3388208 w 3388208"/>
+              <a:gd name="connsiteY1" fmla="*/ 0 h 3406341"/>
+              <a:gd name="connsiteX2" fmla="*/ 3388208 w 3388208"/>
+              <a:gd name="connsiteY2" fmla="*/ 3406341 h 3406341"/>
+              <a:gd name="connsiteX3" fmla="*/ 0 w 3388208"/>
+              <a:gd name="connsiteY3" fmla="*/ 3406341 h 3406341"/>
+              <a:gd name="connsiteX4" fmla="*/ 79006 w 3388208"/>
+              <a:gd name="connsiteY4" fmla="*/ 3404386 h 3406341"/>
+              <a:gd name="connsiteX5" fmla="*/ 3383947 w 3388208"/>
+              <a:gd name="connsiteY5" fmla="*/ 164274 h 3406341"/>
+            </a:gdLst>
+            <a:ahLst/>
+            <a:cxnLst>
+              <a:cxn ang="0">
+                <a:pos x="connsiteX0" y="connsiteY0"/>
+              </a:cxn>
+              <a:cxn ang="0">
+                <a:pos x="connsiteX1" y="connsiteY1"/>
+              </a:cxn>
+              <a:cxn ang="0">
+                <a:pos x="connsiteX2" y="connsiteY2"/>
+              </a:cxn>
+              <a:cxn ang="0">
+                <a:pos x="connsiteX3" y="connsiteY3"/>
+              </a:cxn>
+              <a:cxn ang="0">
+                <a:pos x="connsiteX4" y="connsiteY4"/>
+              </a:cxn>
+              <a:cxn ang="0">
+                <a:pos x="connsiteX5" y="connsiteY5"/>
+              </a:cxn>
+            </a:cxnLst>
+            <a:rect l="l" t="t" r="r" b="b"/>
+            <a:pathLst>
+              <a:path w="3388208" h="3406341">
+                <a:moveTo>
+                  <a:pt x="3388058" y="0"/>
+                </a:moveTo>
+                <a:lnTo>
+                  <a:pt x="3388208" y="0"/>
+                </a:lnTo>
+                <a:lnTo>
+                  <a:pt x="3388208" y="3406341"/>
+                </a:lnTo>
+                <a:lnTo>
+                  <a:pt x="0" y="3406341"/>
+                </a:lnTo>
+                <a:lnTo>
+                  <a:pt x="79006" y="3404386"/>
+                </a:lnTo>
+                <a:cubicBezTo>
+                  <a:pt x="1864742" y="3315784"/>
+                  <a:pt x="3296223" y="1912901"/>
+                  <a:pt x="3383947" y="164274"/>
+                </a:cubicBezTo>
+                <a:close/>
+              </a:path>
+            </a:pathLst>
+          </a:custGeom>
+          <a:solidFill>
+            <a:schemeClr val="accent5"/>
+          </a:solidFill>
+          <a:ln>
+            <a:noFill/>
+          </a:ln>
+        </p:spPr>
+        <p:style>
+          <a:lnRef idx="2">
+            <a:schemeClr val="accent1">
+              <a:shade val="50000"/>
+            </a:schemeClr>
+          </a:lnRef>
+          <a:fillRef idx="1">
+            <a:schemeClr val="accent1"/>
+          </a:fillRef>
+          <a:effectRef idx="0">
+            <a:schemeClr val="accent1"/>
+          </a:effectRef>
+          <a:fontRef idx="minor">
+            <a:schemeClr val="lt1"/>
+          </a:fontRef>
+        </p:style>
+        <p:txBody>
+          <a:bodyPr wrap="square" rtlCol="0" anchor="ctr">
+            <a:noAutofit/>
+          </a:bodyPr>
+          <a:lstStyle/>
+          <a:p>
+            <a:pPr algn="ctr"/>
+            <a:endParaRPr lang="en-US"/>
+          </a:p>
+        </p:txBody>
+      </p:sp>
+      <p:sp>
+        <p:nvSpPr>
+          <p:cNvPr id="35" name="Freeform: Shape 34">
+            <a:extLst>
+              <a:ext uri="{FF2B5EF4-FFF2-40B4-BE49-F238E27FC236}">
+                <a16:creationId xmlns:a16="http://schemas.microsoft.com/office/drawing/2014/main" id="{DD0D3E7A-8DF6-4A78-A03C-86AD697468BE}"/>
+              </a:ext>
+              <a:ext uri="{C183D7F6-B498-43B3-948B-1728B52AA6E4}">
+                <adec:decorative xmlns:adec="http://schemas.microsoft.com/office/drawing/2017/decorative" val="1"/>
+              </a:ext>
+            </a:extLst>
+          </p:cNvPr>
+          <p:cNvSpPr>
+            <a:spLocks noGrp="1" noRot="1" noChangeAspect="1" noMove="1" noResize="1" noEditPoints="1" noAdjustHandles="1" noChangeArrowheads="1" noChangeShapeType="1" noTextEdit="1"/>
+          </p:cNvSpPr>
+          <p:nvPr>
+            <p:extLst>
+              <p:ext uri="{386F3935-93C4-4BCD-93E2-E3B085C9AB24}">
+                <p16:designElem xmlns:p16="http://schemas.microsoft.com/office/powerpoint/2015/main" val="1"/>
+              </p:ext>
+            </p:extLst>
+          </p:nvPr>
+        </p:nvSpPr>
+        <p:spPr>
+          <a:xfrm>
+            <a:off x="8803792" y="3470886"/>
+            <a:ext cx="3388208" cy="3406341"/>
+          </a:xfrm>
+          <a:custGeom>
+            <a:avLst/>
+            <a:gdLst>
+              <a:gd name="connsiteX0" fmla="*/ 3388058 w 3388208"/>
+              <a:gd name="connsiteY0" fmla="*/ 0 h 3406341"/>
+              <a:gd name="connsiteX1" fmla="*/ 3388208 w 3388208"/>
+              <a:gd name="connsiteY1" fmla="*/ 0 h 3406341"/>
+              <a:gd name="connsiteX2" fmla="*/ 3388208 w 3388208"/>
+              <a:gd name="connsiteY2" fmla="*/ 3406341 h 3406341"/>
+              <a:gd name="connsiteX3" fmla="*/ 0 w 3388208"/>
+              <a:gd name="connsiteY3" fmla="*/ 3406341 h 3406341"/>
+              <a:gd name="connsiteX4" fmla="*/ 79006 w 3388208"/>
+              <a:gd name="connsiteY4" fmla="*/ 3404386 h 3406341"/>
+              <a:gd name="connsiteX5" fmla="*/ 3383947 w 3388208"/>
+              <a:gd name="connsiteY5" fmla="*/ 164274 h 3406341"/>
+            </a:gdLst>
+            <a:ahLst/>
+            <a:cxnLst>
+              <a:cxn ang="0">
+                <a:pos x="connsiteX0" y="connsiteY0"/>
+              </a:cxn>
+              <a:cxn ang="0">
+                <a:pos x="connsiteX1" y="connsiteY1"/>
+              </a:cxn>
+              <a:cxn ang="0">
+                <a:pos x="connsiteX2" y="connsiteY2"/>
+              </a:cxn>
+              <a:cxn ang="0">
+                <a:pos x="connsiteX3" y="connsiteY3"/>
+              </a:cxn>
+              <a:cxn ang="0">
+                <a:pos x="connsiteX4" y="connsiteY4"/>
+              </a:cxn>
+              <a:cxn ang="0">
+                <a:pos x="connsiteX5" y="connsiteY5"/>
+              </a:cxn>
+            </a:cxnLst>
+            <a:rect l="l" t="t" r="r" b="b"/>
+            <a:pathLst>
+              <a:path w="3388208" h="3406341">
+                <a:moveTo>
+                  <a:pt x="3388058" y="0"/>
+                </a:moveTo>
+                <a:lnTo>
+                  <a:pt x="3388208" y="0"/>
+                </a:lnTo>
+                <a:lnTo>
+                  <a:pt x="3388208" y="3406341"/>
+                </a:lnTo>
+                <a:lnTo>
+                  <a:pt x="0" y="3406341"/>
+                </a:lnTo>
+                <a:lnTo>
+                  <a:pt x="79006" y="3404386"/>
+                </a:lnTo>
+                <a:cubicBezTo>
+                  <a:pt x="1864742" y="3315784"/>
+                  <a:pt x="3296223" y="1912901"/>
+                  <a:pt x="3383947" y="164274"/>
+                </a:cubicBezTo>
+                <a:close/>
+              </a:path>
+            </a:pathLst>
+          </a:custGeom>
+          <a:solidFill>
+            <a:schemeClr val="tx2"/>
+          </a:solidFill>
+          <a:ln>
+            <a:noFill/>
+          </a:ln>
+        </p:spPr>
+        <p:style>
+          <a:lnRef idx="2">
+            <a:schemeClr val="accent1">
+              <a:shade val="50000"/>
+            </a:schemeClr>
+          </a:lnRef>
+          <a:fillRef idx="1">
+            <a:schemeClr val="accent1"/>
+          </a:fillRef>
+          <a:effectRef idx="0">
+            <a:schemeClr val="accent1"/>
+          </a:effectRef>
+          <a:fontRef idx="minor">
+            <a:schemeClr val="lt1"/>
+          </a:fontRef>
+        </p:style>
+        <p:txBody>
+          <a:bodyPr wrap="square" rtlCol="0" anchor="ctr">
+            <a:noAutofit/>
+          </a:bodyPr>
+          <a:lstStyle/>
+          <a:p>
+            <a:pPr algn="ctr"/>
+            <a:endParaRPr lang="en-US"/>
+          </a:p>
+        </p:txBody>
+      </p:sp>
+      <p:pic>
+        <p:nvPicPr>
+          <p:cNvPr id="28" name="Graphic 27" descr="Thermometer">
+            <a:extLst>
+              <a:ext uri="{FF2B5EF4-FFF2-40B4-BE49-F238E27FC236}">
+                <a16:creationId xmlns:a16="http://schemas.microsoft.com/office/drawing/2014/main" id="{9B878931-7C92-249D-A226-64C0A43E20AD}"/>
+              </a:ext>
+            </a:extLst>
+          </p:cNvPr>
+          <p:cNvPicPr>
+            <a:picLocks noChangeAspect="1"/>
+          </p:cNvPicPr>
+          <p:nvPr/>
+        </p:nvPicPr>
+        <p:blipFill>
+          <a:blip r:embed="rId2">
+            <a:extLst>
+              <a:ext uri="{28A0092B-C50C-407E-A947-70E740481C1C}">
+                <a14:useLocalDpi xmlns:a14="http://schemas.microsoft.com/office/drawing/2010/main" val="0"/>
+              </a:ext>
+              <a:ext uri="{96DAC541-7B7A-43D3-8B79-37D633B846F1}">
+                <asvg:svgBlip xmlns:asvg="http://schemas.microsoft.com/office/drawing/2016/SVG/main" r:embed="rId3"/>
+              </a:ext>
+            </a:extLst>
+          </a:blip>
+          <a:stretch>
+            <a:fillRect/>
+          </a:stretch>
+        </p:blipFill>
+        <p:spPr>
+          <a:xfrm>
+            <a:off x="6146464" y="1034569"/>
+            <a:ext cx="4788861" cy="4788861"/>
+          </a:xfrm>
+          <a:prstGeom prst="rect">
+            <a:avLst/>
+          </a:prstGeom>
+        </p:spPr>
+      </p:pic>
+    </p:spTree>
+    <p:extLst>
+      <p:ext uri="{BB962C8B-B14F-4D97-AF65-F5344CB8AC3E}">
+        <p14:creationId xmlns:p14="http://schemas.microsoft.com/office/powerpoint/2010/main" val="1155122328"/>
+      </p:ext>
+    </p:extLst>
+  </p:cSld>
+  <p:clrMapOvr>
+    <a:masterClrMapping/>
+  </p:clrMapOvr>
+</p:sld>
+</file>
+
+<file path=ppt/slides/slide17.xml><?xml version="1.0" encoding="utf-8"?>
+<p:sld xmlns:a="http://schemas.openxmlformats.org/drawingml/2006/main" xmlns:r="http://schemas.openxmlformats.org/officeDocument/2006/relationships" xmlns:p="http://schemas.openxmlformats.org/presentationml/2006/main">
+  <p:cSld>
+    <p:bg>
+      <p:bgPr>
+        <a:solidFill>
+          <a:schemeClr val="bg1"/>
+        </a:solidFill>
+        <a:effectLst/>
+      </p:bgPr>
+    </p:bg>
+    <p:spTree>
+      <p:nvGrpSpPr>
+        <p:cNvPr id="1" name=""/>
+        <p:cNvGrpSpPr/>
+        <p:nvPr/>
+      </p:nvGrpSpPr>
+      <p:grpSpPr>
+        <a:xfrm>
+          <a:off x="0" y="0"/>
+          <a:ext cx="0" cy="0"/>
+          <a:chOff x="0" y="0"/>
+          <a:chExt cx="0" cy="0"/>
+        </a:xfrm>
+      </p:grpSpPr>
+      <p:sp useBgFill="1">
+        <p:nvSpPr>
+          <p:cNvPr id="35" name="Rectangle 20">
+            <a:extLst>
+              <a:ext uri="{FF2B5EF4-FFF2-40B4-BE49-F238E27FC236}">
+                <a16:creationId xmlns:a16="http://schemas.microsoft.com/office/drawing/2014/main" id="{1658B3AA-006D-483F-89E8-750C26414C29}"/>
+              </a:ext>
+              <a:ext uri="{C183D7F6-B498-43B3-948B-1728B52AA6E4}">
+                <adec:decorative xmlns:adec="http://schemas.microsoft.com/office/drawing/2017/decorative" val="1"/>
+              </a:ext>
+            </a:extLst>
+          </p:cNvPr>
+          <p:cNvSpPr>
+            <a:spLocks noGrp="1" noRot="1" noChangeAspect="1" noMove="1" noResize="1" noEditPoints="1" noAdjustHandles="1" noChangeArrowheads="1" noChangeShapeType="1" noTextEdit="1"/>
+          </p:cNvSpPr>
+          <p:nvPr>
+            <p:extLst>
+              <p:ext uri="{386F3935-93C4-4BCD-93E2-E3B085C9AB24}">
+                <p16:designElem xmlns:p16="http://schemas.microsoft.com/office/powerpoint/2015/main" val="1"/>
+              </p:ext>
+            </p:extLst>
+          </p:nvPr>
+        </p:nvSpPr>
+        <p:spPr>
+          <a:xfrm>
+            <a:off x="0" y="0"/>
+            <a:ext cx="12192000" cy="6858000"/>
+          </a:xfrm>
+          <a:prstGeom prst="rect">
+            <a:avLst/>
+          </a:prstGeom>
+          <a:ln w="12700" cap="flat" cmpd="sng" algn="ctr">
+            <a:noFill/>
+            <a:prstDash val="solid"/>
+            <a:miter lim="800000"/>
+          </a:ln>
+          <a:effectLst/>
+          <a:extLst>
+            <a:ext uri="{91240B29-F687-4F45-9708-019B960494DF}">
+              <a14:hiddenLine xmlns:a14="http://schemas.microsoft.com/office/drawing/2010/main" w="12700" cap="flat" cmpd="sng" algn="ctr">
+                <a:solidFill>
+                  <a:schemeClr val="accent1">
+                    <a:shade val="50000"/>
+                  </a:schemeClr>
+                </a:solidFill>
+                <a:prstDash val="solid"/>
+                <a:miter lim="800000"/>
+              </a14:hiddenLine>
+            </a:ext>
+          </a:extLst>
+        </p:spPr>
+        <p:style>
+          <a:lnRef idx="2">
+            <a:schemeClr val="accent1">
+              <a:shade val="50000"/>
+            </a:schemeClr>
+          </a:lnRef>
+          <a:fillRef idx="1">
+            <a:schemeClr val="accent1"/>
+          </a:fillRef>
+          <a:effectRef idx="0">
+            <a:schemeClr val="accent1"/>
+          </a:effectRef>
+          <a:fontRef idx="minor">
+            <a:schemeClr val="lt1"/>
+          </a:fontRef>
+        </p:style>
+        <p:txBody>
+          <a:bodyPr rtlCol="0" anchor="ctr"/>
+          <a:lstStyle/>
+          <a:p>
+            <a:pPr algn="ctr"/>
+            <a:endParaRPr lang="en-US"/>
+          </a:p>
+        </p:txBody>
+      </p:sp>
+      <p:sp>
+        <p:nvSpPr>
+          <p:cNvPr id="2" name="Title 1">
+            <a:extLst>
+              <a:ext uri="{FF2B5EF4-FFF2-40B4-BE49-F238E27FC236}">
+                <a16:creationId xmlns:a16="http://schemas.microsoft.com/office/drawing/2014/main" id="{8E145AE5-F149-CE11-CDB5-9FA2ED37AC85}"/>
+              </a:ext>
+            </a:extLst>
+          </p:cNvPr>
+          <p:cNvSpPr>
+            <a:spLocks noGrp="1"/>
+          </p:cNvSpPr>
+          <p:nvPr>
+            <p:ph type="title"/>
+          </p:nvPr>
+        </p:nvSpPr>
+        <p:spPr>
+          <a:xfrm>
+            <a:off x="1077362" y="720435"/>
+            <a:ext cx="3250452" cy="1507375"/>
+          </a:xfrm>
+        </p:spPr>
+        <p:txBody>
+          <a:bodyPr>
+            <a:normAutofit/>
+          </a:bodyPr>
+          <a:lstStyle/>
+          <a:p>
+            <a:pPr>
+              <a:lnSpc>
+                <a:spcPct val="100000"/>
+              </a:lnSpc>
+            </a:pPr>
+            <a:r>
+              <a:rPr lang="en-US" sz="3000"/>
+              <a:t>Reasonableness check! Important!</a:t>
+            </a:r>
+          </a:p>
+        </p:txBody>
+      </p:sp>
+      <p:sp>
+        <p:nvSpPr>
+          <p:cNvPr id="9" name="Content Placeholder 8">
+            <a:extLst>
+              <a:ext uri="{FF2B5EF4-FFF2-40B4-BE49-F238E27FC236}">
+                <a16:creationId xmlns:a16="http://schemas.microsoft.com/office/drawing/2014/main" id="{78DCB0A8-E199-A8D7-4E41-2611FA606C56}"/>
+              </a:ext>
+            </a:extLst>
+          </p:cNvPr>
+          <p:cNvSpPr>
+            <a:spLocks noGrp="1"/>
+          </p:cNvSpPr>
+          <p:nvPr>
+            <p:ph idx="1"/>
+          </p:nvPr>
+        </p:nvSpPr>
+        <p:spPr>
+          <a:xfrm>
+            <a:off x="1077362" y="2434974"/>
+            <a:ext cx="3250452" cy="3505855"/>
+          </a:xfrm>
+        </p:spPr>
+        <p:txBody>
+          <a:bodyPr>
+            <a:normAutofit/>
+          </a:bodyPr>
+          <a:lstStyle/>
+          <a:p>
+            <a:r>
+              <a:rPr lang="en-US" dirty="0"/>
+              <a:t>The model is predicting at 40 chirps, we’d expect to see a temperature around 75.7 degrees. Given our known data points, this is in line with expectations</a:t>
+            </a:r>
+          </a:p>
+        </p:txBody>
+      </p:sp>
+      <p:sp>
+        <p:nvSpPr>
+          <p:cNvPr id="36" name="Rectangle 22">
+            <a:extLst>
+              <a:ext uri="{FF2B5EF4-FFF2-40B4-BE49-F238E27FC236}">
+                <a16:creationId xmlns:a16="http://schemas.microsoft.com/office/drawing/2014/main" id="{107D3F89-C58A-45F7-8E26-2B6B48112FB7}"/>
+              </a:ext>
+              <a:ext uri="{C183D7F6-B498-43B3-948B-1728B52AA6E4}">
+                <adec:decorative xmlns:adec="http://schemas.microsoft.com/office/drawing/2017/decorative" val="1"/>
+              </a:ext>
+            </a:extLst>
+          </p:cNvPr>
+          <p:cNvSpPr>
+            <a:spLocks noGrp="1" noRot="1" noChangeAspect="1" noMove="1" noResize="1" noEditPoints="1" noAdjustHandles="1" noChangeArrowheads="1" noChangeShapeType="1" noTextEdit="1"/>
+          </p:cNvSpPr>
+          <p:nvPr>
+            <p:extLst>
+              <p:ext uri="{386F3935-93C4-4BCD-93E2-E3B085C9AB24}">
+                <p16:designElem xmlns:p16="http://schemas.microsoft.com/office/powerpoint/2015/main" val="1"/>
+              </p:ext>
+            </p:extLst>
+          </p:nvPr>
+        </p:nvSpPr>
+        <p:spPr>
+          <a:xfrm rot="16200000" flipH="1">
+            <a:off x="5241005" y="3400143"/>
+            <a:ext cx="3429000" cy="3484819"/>
+          </a:xfrm>
+          <a:prstGeom prst="rect">
+            <a:avLst/>
+          </a:prstGeom>
+          <a:solidFill>
+            <a:schemeClr val="accent5"/>
           </a:solidFill>
           <a:ln>
             <a:noFill/>
@@ -21074,10 +21922,10 @@
       </p:sp>
       <p:sp>
         <p:nvSpPr>
-          <p:cNvPr id="20" name="Rectangle 19">
+          <p:cNvPr id="37" name="Rectangle 24">
             <a:extLst>
               <a:ext uri="{FF2B5EF4-FFF2-40B4-BE49-F238E27FC236}">
-                <a16:creationId xmlns:a16="http://schemas.microsoft.com/office/drawing/2014/main" id="{4D1D6B41-589D-4DD8-9A1B-34C4CF076DB4}"/>
+                <a16:creationId xmlns:a16="http://schemas.microsoft.com/office/drawing/2014/main" id="{5C542152-E969-4F41-AFD8-4B5354BE54C9}"/>
               </a:ext>
               <a:ext uri="{C183D7F6-B498-43B3-948B-1728B52AA6E4}">
                 <adec:decorative xmlns:adec="http://schemas.microsoft.com/office/drawing/2017/decorative" val="1"/>
@@ -21096,9 +21944,9 @@
           </p:nvPr>
         </p:nvSpPr>
         <p:spPr>
-          <a:xfrm>
-            <a:off x="8735493" y="3434976"/>
-            <a:ext cx="3456507" cy="3428987"/>
+          <a:xfrm rot="16200000" flipH="1">
+            <a:off x="5236894" y="-23796"/>
+            <a:ext cx="3437222" cy="3484818"/>
           </a:xfrm>
           <a:prstGeom prst="rect">
             <a:avLst/>
@@ -21140,10 +21988,10 @@
       </p:sp>
       <p:sp>
         <p:nvSpPr>
-          <p:cNvPr id="22" name="Freeform: Shape 21">
+          <p:cNvPr id="38" name="Rectangle 34">
             <a:extLst>
               <a:ext uri="{FF2B5EF4-FFF2-40B4-BE49-F238E27FC236}">
-                <a16:creationId xmlns:a16="http://schemas.microsoft.com/office/drawing/2014/main" id="{AE55F008-418D-4A3D-9F43-E50DF4BA73AE}"/>
+                <a16:creationId xmlns:a16="http://schemas.microsoft.com/office/drawing/2014/main" id="{C2EDDE5C-FB26-46E8-9F4C-3548CC15C2C7}"/>
               </a:ext>
               <a:ext uri="{C183D7F6-B498-43B3-948B-1728B52AA6E4}">
                 <adec:decorative xmlns:adec="http://schemas.microsoft.com/office/drawing/2017/decorative" val="1"/>
@@ -21162,37 +22010,31 @@
           </p:nvPr>
         </p:nvSpPr>
         <p:spPr>
-          <a:xfrm rot="10800000" flipV="1">
-            <a:off x="8735493" y="3429002"/>
-            <a:ext cx="3456020" cy="1718477"/>
+          <a:xfrm rot="10800000" flipH="1">
+            <a:off x="5213095" y="3431717"/>
+            <a:ext cx="3484819" cy="3426281"/>
           </a:xfrm>
           <a:custGeom>
             <a:avLst/>
             <a:gdLst>
-              <a:gd name="connsiteX0" fmla="*/ 3423466 w 3423466"/>
-              <a:gd name="connsiteY0" fmla="*/ 0 h 1718483"/>
-              <a:gd name="connsiteX1" fmla="*/ 1710280 w 3423466"/>
-              <a:gd name="connsiteY1" fmla="*/ 0 h 1718483"/>
-              <a:gd name="connsiteX2" fmla="*/ 1710280 w 3423466"/>
-              <a:gd name="connsiteY2" fmla="*/ 1 h 1718483"/>
-              <a:gd name="connsiteX3" fmla="*/ 0 w 3423466"/>
-              <a:gd name="connsiteY3" fmla="*/ 1 h 1718483"/>
-              <a:gd name="connsiteX4" fmla="*/ 1538022 w 3423466"/>
-              <a:gd name="connsiteY4" fmla="*/ 1709611 h 1718483"/>
-              <a:gd name="connsiteX5" fmla="*/ 1710280 w 3423466"/>
-              <a:gd name="connsiteY5" fmla="*/ 1718336 h 1718483"/>
-              <a:gd name="connsiteX6" fmla="*/ 1710280 w 3423466"/>
-              <a:gd name="connsiteY6" fmla="*/ 1718482 h 1718483"/>
-              <a:gd name="connsiteX7" fmla="*/ 1711723 w 3423466"/>
-              <a:gd name="connsiteY7" fmla="*/ 1718409 h 1718483"/>
-              <a:gd name="connsiteX8" fmla="*/ 1713186 w 3423466"/>
-              <a:gd name="connsiteY8" fmla="*/ 1718483 h 1718483"/>
-              <a:gd name="connsiteX9" fmla="*/ 1713186 w 3423466"/>
-              <a:gd name="connsiteY9" fmla="*/ 1718335 h 1718483"/>
-              <a:gd name="connsiteX10" fmla="*/ 1885444 w 3423466"/>
-              <a:gd name="connsiteY10" fmla="*/ 1709610 h 1718483"/>
-              <a:gd name="connsiteX11" fmla="*/ 3423466 w 3423466"/>
-              <a:gd name="connsiteY11" fmla="*/ 0 h 1718483"/>
+              <a:gd name="connsiteX0" fmla="*/ 0 w 3484819"/>
+              <a:gd name="connsiteY0" fmla="*/ 0 h 3430264"/>
+              <a:gd name="connsiteX1" fmla="*/ 3484819 w 3484819"/>
+              <a:gd name="connsiteY1" fmla="*/ 0 h 3430264"/>
+              <a:gd name="connsiteX2" fmla="*/ 3484819 w 3484819"/>
+              <a:gd name="connsiteY2" fmla="*/ 3430264 h 3430264"/>
+              <a:gd name="connsiteX3" fmla="*/ 0 w 3484819"/>
+              <a:gd name="connsiteY3" fmla="*/ 3430264 h 3430264"/>
+              <a:gd name="connsiteX4" fmla="*/ 0 w 3484819"/>
+              <a:gd name="connsiteY4" fmla="*/ 0 h 3430264"/>
+              <a:gd name="connsiteX0" fmla="*/ 0 w 3484819"/>
+              <a:gd name="connsiteY0" fmla="*/ 0 h 3430264"/>
+              <a:gd name="connsiteX1" fmla="*/ 3484819 w 3484819"/>
+              <a:gd name="connsiteY1" fmla="*/ 0 h 3430264"/>
+              <a:gd name="connsiteX2" fmla="*/ 0 w 3484819"/>
+              <a:gd name="connsiteY2" fmla="*/ 3430264 h 3430264"/>
+              <a:gd name="connsiteX3" fmla="*/ 0 w 3484819"/>
+              <a:gd name="connsiteY3" fmla="*/ 0 h 3430264"/>
             </a:gdLst>
             <a:ahLst/>
             <a:cxnLst>
@@ -21208,80 +22050,28 @@
               <a:cxn ang="0">
                 <a:pos x="connsiteX3" y="connsiteY3"/>
               </a:cxn>
-              <a:cxn ang="0">
-                <a:pos x="connsiteX4" y="connsiteY4"/>
-              </a:cxn>
-              <a:cxn ang="0">
-                <a:pos x="connsiteX5" y="connsiteY5"/>
-              </a:cxn>
-              <a:cxn ang="0">
-                <a:pos x="connsiteX6" y="connsiteY6"/>
-              </a:cxn>
-              <a:cxn ang="0">
-                <a:pos x="connsiteX7" y="connsiteY7"/>
-              </a:cxn>
-              <a:cxn ang="0">
-                <a:pos x="connsiteX8" y="connsiteY8"/>
-              </a:cxn>
-              <a:cxn ang="0">
-                <a:pos x="connsiteX9" y="connsiteY9"/>
-              </a:cxn>
-              <a:cxn ang="0">
-                <a:pos x="connsiteX10" y="connsiteY10"/>
-              </a:cxn>
-              <a:cxn ang="0">
-                <a:pos x="connsiteX11" y="connsiteY11"/>
-              </a:cxn>
             </a:cxnLst>
             <a:rect l="l" t="t" r="r" b="b"/>
             <a:pathLst>
-              <a:path w="3423466" h="1718483">
+              <a:path w="3484819" h="3430264">
                 <a:moveTo>
-                  <a:pt x="3423466" y="0"/>
+                  <a:pt x="0" y="0"/>
                 </a:moveTo>
                 <a:lnTo>
-                  <a:pt x="1710280" y="0"/>
+                  <a:pt x="3484819" y="0"/>
                 </a:lnTo>
                 <a:lnTo>
-                  <a:pt x="1710280" y="1"/>
+                  <a:pt x="0" y="3430264"/>
                 </a:lnTo>
                 <a:lnTo>
-                  <a:pt x="0" y="1"/>
+                  <a:pt x="0" y="0"/>
                 </a:lnTo>
-                <a:cubicBezTo>
-                  <a:pt x="0" y="889774"/>
-                  <a:pt x="674138" y="1621607"/>
-                  <a:pt x="1538022" y="1709611"/>
-                </a:cubicBezTo>
-                <a:lnTo>
-                  <a:pt x="1710280" y="1718336"/>
-                </a:lnTo>
-                <a:lnTo>
-                  <a:pt x="1710280" y="1718482"/>
-                </a:lnTo>
-                <a:lnTo>
-                  <a:pt x="1711723" y="1718409"/>
-                </a:lnTo>
-                <a:lnTo>
-                  <a:pt x="1713186" y="1718483"/>
-                </a:lnTo>
-                <a:lnTo>
-                  <a:pt x="1713186" y="1718335"/>
-                </a:lnTo>
-                <a:lnTo>
-                  <a:pt x="1885444" y="1709610"/>
-                </a:lnTo>
-                <a:cubicBezTo>
-                  <a:pt x="2749328" y="1621606"/>
-                  <a:pt x="3423466" y="889773"/>
-                  <a:pt x="3423466" y="0"/>
-                </a:cubicBezTo>
                 <a:close/>
               </a:path>
             </a:pathLst>
           </a:custGeom>
           <a:solidFill>
-            <a:schemeClr val="accent5"/>
+            <a:schemeClr val="tx2"/>
           </a:solidFill>
           <a:ln>
             <a:noFill/>
@@ -21304,26 +22094,20 @@
           </a:fontRef>
         </p:style>
         <p:txBody>
-          <a:bodyPr wrap="square" rtlCol="0" anchor="ctr">
-            <a:noAutofit/>
-          </a:bodyPr>
+          <a:bodyPr rtlCol="0" anchor="ctr"/>
           <a:lstStyle/>
           <a:p>
             <a:pPr algn="ctr"/>
-            <a:endParaRPr lang="en-US">
-              <a:solidFill>
-                <a:schemeClr val="tx1"/>
-              </a:solidFill>
-            </a:endParaRPr>
+            <a:endParaRPr lang="en-US" dirty="0"/>
           </a:p>
         </p:txBody>
       </p:sp>
       <p:sp>
         <p:nvSpPr>
-          <p:cNvPr id="24" name="Freeform: Shape 23">
+          <p:cNvPr id="39" name="Rectangle 28">
             <a:extLst>
               <a:ext uri="{FF2B5EF4-FFF2-40B4-BE49-F238E27FC236}">
-                <a16:creationId xmlns:a16="http://schemas.microsoft.com/office/drawing/2014/main" id="{B3A964CF-9B08-4310-A326-19181F9076E5}"/>
+                <a16:creationId xmlns:a16="http://schemas.microsoft.com/office/drawing/2014/main" id="{56BC2749-75A4-414D-8BB9-6B7A15EA3B3C}"/>
               </a:ext>
               <a:ext uri="{C183D7F6-B498-43B3-948B-1728B52AA6E4}">
                 <adec:decorative xmlns:adec="http://schemas.microsoft.com/office/drawing/2017/decorative" val="1"/>
@@ -21342,126 +22126,15 @@
           </p:nvPr>
         </p:nvSpPr>
         <p:spPr>
-          <a:xfrm rot="10800000" flipV="1">
-            <a:off x="8735493" y="5139536"/>
-            <a:ext cx="3456020" cy="1718477"/>
+          <a:xfrm rot="16200000" flipH="1">
+            <a:off x="7015958" y="1681958"/>
+            <a:ext cx="6857998" cy="3494086"/>
           </a:xfrm>
-          <a:custGeom>
+          <a:prstGeom prst="rect">
             <a:avLst/>
-            <a:gdLst>
-              <a:gd name="connsiteX0" fmla="*/ 3423466 w 3423466"/>
-              <a:gd name="connsiteY0" fmla="*/ 0 h 1718483"/>
-              <a:gd name="connsiteX1" fmla="*/ 1710280 w 3423466"/>
-              <a:gd name="connsiteY1" fmla="*/ 0 h 1718483"/>
-              <a:gd name="connsiteX2" fmla="*/ 1710280 w 3423466"/>
-              <a:gd name="connsiteY2" fmla="*/ 1 h 1718483"/>
-              <a:gd name="connsiteX3" fmla="*/ 0 w 3423466"/>
-              <a:gd name="connsiteY3" fmla="*/ 1 h 1718483"/>
-              <a:gd name="connsiteX4" fmla="*/ 1538022 w 3423466"/>
-              <a:gd name="connsiteY4" fmla="*/ 1709611 h 1718483"/>
-              <a:gd name="connsiteX5" fmla="*/ 1710280 w 3423466"/>
-              <a:gd name="connsiteY5" fmla="*/ 1718336 h 1718483"/>
-              <a:gd name="connsiteX6" fmla="*/ 1710280 w 3423466"/>
-              <a:gd name="connsiteY6" fmla="*/ 1718482 h 1718483"/>
-              <a:gd name="connsiteX7" fmla="*/ 1711723 w 3423466"/>
-              <a:gd name="connsiteY7" fmla="*/ 1718409 h 1718483"/>
-              <a:gd name="connsiteX8" fmla="*/ 1713186 w 3423466"/>
-              <a:gd name="connsiteY8" fmla="*/ 1718483 h 1718483"/>
-              <a:gd name="connsiteX9" fmla="*/ 1713186 w 3423466"/>
-              <a:gd name="connsiteY9" fmla="*/ 1718335 h 1718483"/>
-              <a:gd name="connsiteX10" fmla="*/ 1885444 w 3423466"/>
-              <a:gd name="connsiteY10" fmla="*/ 1709610 h 1718483"/>
-              <a:gd name="connsiteX11" fmla="*/ 3423466 w 3423466"/>
-              <a:gd name="connsiteY11" fmla="*/ 0 h 1718483"/>
-            </a:gdLst>
-            <a:ahLst/>
-            <a:cxnLst>
-              <a:cxn ang="0">
-                <a:pos x="connsiteX0" y="connsiteY0"/>
-              </a:cxn>
-              <a:cxn ang="0">
-                <a:pos x="connsiteX1" y="connsiteY1"/>
-              </a:cxn>
-              <a:cxn ang="0">
-                <a:pos x="connsiteX2" y="connsiteY2"/>
-              </a:cxn>
-              <a:cxn ang="0">
-                <a:pos x="connsiteX3" y="connsiteY3"/>
-              </a:cxn>
-              <a:cxn ang="0">
-                <a:pos x="connsiteX4" y="connsiteY4"/>
-              </a:cxn>
-              <a:cxn ang="0">
-                <a:pos x="connsiteX5" y="connsiteY5"/>
-              </a:cxn>
-              <a:cxn ang="0">
-                <a:pos x="connsiteX6" y="connsiteY6"/>
-              </a:cxn>
-              <a:cxn ang="0">
-                <a:pos x="connsiteX7" y="connsiteY7"/>
-              </a:cxn>
-              <a:cxn ang="0">
-                <a:pos x="connsiteX8" y="connsiteY8"/>
-              </a:cxn>
-              <a:cxn ang="0">
-                <a:pos x="connsiteX9" y="connsiteY9"/>
-              </a:cxn>
-              <a:cxn ang="0">
-                <a:pos x="connsiteX10" y="connsiteY10"/>
-              </a:cxn>
-              <a:cxn ang="0">
-                <a:pos x="connsiteX11" y="connsiteY11"/>
-              </a:cxn>
-            </a:cxnLst>
-            <a:rect l="l" t="t" r="r" b="b"/>
-            <a:pathLst>
-              <a:path w="3423466" h="1718483">
-                <a:moveTo>
-                  <a:pt x="3423466" y="0"/>
-                </a:moveTo>
-                <a:lnTo>
-                  <a:pt x="1710280" y="0"/>
-                </a:lnTo>
-                <a:lnTo>
-                  <a:pt x="1710280" y="1"/>
-                </a:lnTo>
-                <a:lnTo>
-                  <a:pt x="0" y="1"/>
-                </a:lnTo>
-                <a:cubicBezTo>
-                  <a:pt x="0" y="889774"/>
-                  <a:pt x="674138" y="1621607"/>
-                  <a:pt x="1538022" y="1709611"/>
-                </a:cubicBezTo>
-                <a:lnTo>
-                  <a:pt x="1710280" y="1718336"/>
-                </a:lnTo>
-                <a:lnTo>
-                  <a:pt x="1710280" y="1718482"/>
-                </a:lnTo>
-                <a:lnTo>
-                  <a:pt x="1711723" y="1718409"/>
-                </a:lnTo>
-                <a:lnTo>
-                  <a:pt x="1713186" y="1718483"/>
-                </a:lnTo>
-                <a:lnTo>
-                  <a:pt x="1713186" y="1718335"/>
-                </a:lnTo>
-                <a:lnTo>
-                  <a:pt x="1885444" y="1709610"/>
-                </a:lnTo>
-                <a:cubicBezTo>
-                  <a:pt x="2749328" y="1621606"/>
-                  <a:pt x="3423466" y="889773"/>
-                  <a:pt x="3423466" y="0"/>
-                </a:cubicBezTo>
-                <a:close/>
-              </a:path>
-            </a:pathLst>
-          </a:custGeom>
+          </a:prstGeom>
           <a:solidFill>
-            <a:schemeClr val="accent5"/>
+            <a:srgbClr val="FFFFFF"/>
           </a:solidFill>
           <a:ln>
             <a:noFill/>
@@ -21484,24 +22157,54 @@
           </a:fontRef>
         </p:style>
         <p:txBody>
-          <a:bodyPr wrap="square" rtlCol="0" anchor="ctr">
-            <a:noAutofit/>
-          </a:bodyPr>
+          <a:bodyPr rtlCol="0" anchor="ctr"/>
           <a:lstStyle/>
           <a:p>
             <a:pPr algn="ctr"/>
-            <a:endParaRPr lang="en-US">
-              <a:solidFill>
-                <a:schemeClr val="tx1"/>
-              </a:solidFill>
-            </a:endParaRPr>
+            <a:endParaRPr lang="en-US" dirty="0"/>
           </a:p>
         </p:txBody>
       </p:sp>
+      <p:pic>
+        <p:nvPicPr>
+          <p:cNvPr id="5" name="Content Placeholder 4" descr="Table&#10;&#10;Description automatically generated with medium confidence">
+            <a:extLst>
+              <a:ext uri="{FF2B5EF4-FFF2-40B4-BE49-F238E27FC236}">
+                <a16:creationId xmlns:a16="http://schemas.microsoft.com/office/drawing/2014/main" id="{9D9CC5E2-7581-F18C-3E55-10A597E2B623}"/>
+              </a:ext>
+            </a:extLst>
+          </p:cNvPr>
+          <p:cNvPicPr>
+            <a:picLocks noChangeAspect="1"/>
+          </p:cNvPicPr>
+          <p:nvPr/>
+        </p:nvPicPr>
+        <p:blipFill>
+          <a:blip r:embed="rId2">
+            <a:extLst>
+              <a:ext uri="{28A0092B-C50C-407E-A947-70E740481C1C}">
+                <a14:useLocalDpi xmlns:a14="http://schemas.microsoft.com/office/drawing/2010/main" val="0"/>
+              </a:ext>
+            </a:extLst>
+          </a:blip>
+          <a:stretch>
+            <a:fillRect/>
+          </a:stretch>
+        </p:blipFill>
+        <p:spPr>
+          <a:xfrm>
+            <a:off x="9358761" y="1702476"/>
+            <a:ext cx="2172392" cy="3386374"/>
+          </a:xfrm>
+          <a:prstGeom prst="rect">
+            <a:avLst/>
+          </a:prstGeom>
+        </p:spPr>
+      </p:pic>
     </p:spTree>
     <p:extLst>
       <p:ext uri="{BB962C8B-B14F-4D97-AF65-F5344CB8AC3E}">
-        <p14:creationId xmlns:p14="http://schemas.microsoft.com/office/powerpoint/2010/main" val="1155122328"/>
+        <p14:creationId xmlns:p14="http://schemas.microsoft.com/office/powerpoint/2010/main" val="1255344365"/>
       </p:ext>
     </p:extLst>
   </p:cSld>
@@ -21511,7 +22214,7 @@
 </p:sld>
 </file>
 
-<file path=ppt/slides/slide16.xml><?xml version="1.0" encoding="utf-8"?>
+<file path=ppt/slides/slide18.xml><?xml version="1.0" encoding="utf-8"?>
 <p:sld xmlns:a="http://schemas.openxmlformats.org/drawingml/2006/main" xmlns:r="http://schemas.openxmlformats.org/officeDocument/2006/relationships" xmlns:p="http://schemas.openxmlformats.org/presentationml/2006/main">
   <p:cSld>
     <p:bg>
@@ -21538,10 +22241,10 @@
       </p:grpSpPr>
       <p:sp useBgFill="1">
         <p:nvSpPr>
-          <p:cNvPr id="9" name="Rectangle 8">
+          <p:cNvPr id="26" name="Rectangle 15">
             <a:extLst>
               <a:ext uri="{FF2B5EF4-FFF2-40B4-BE49-F238E27FC236}">
-                <a16:creationId xmlns:a16="http://schemas.microsoft.com/office/drawing/2014/main" id="{30901EA4-6CA0-4A64-939C-F76E88D155AA}"/>
+                <a16:creationId xmlns:a16="http://schemas.microsoft.com/office/drawing/2014/main" id="{1C852C25-4464-4613-94DA-7412FF756E10}"/>
               </a:ext>
               <a:ext uri="{C183D7F6-B498-43B3-948B-1728B52AA6E4}">
                 <adec:decorative xmlns:adec="http://schemas.microsoft.com/office/drawing/2017/decorative" val="1"/>
@@ -21631,7 +22334,7 @@
         <p:spPr>
           <a:xfrm>
             <a:off x="1077362" y="720435"/>
-            <a:ext cx="4855352" cy="1507375"/>
+            <a:ext cx="3288161" cy="1507375"/>
           </a:xfrm>
         </p:spPr>
         <p:txBody>
@@ -21642,7 +22345,7 @@
           <a:p>
             <a:r>
               <a:rPr lang="en-US" dirty="0"/>
-              <a:t>Interpretation / Summary</a:t>
+              <a:t>Interpretation</a:t>
             </a:r>
           </a:p>
         </p:txBody>
@@ -21665,8 +22368,8 @@
         </p:nvSpPr>
         <p:spPr>
           <a:xfrm>
-            <a:off x="1077362" y="2427316"/>
-            <a:ext cx="4855352" cy="3513514"/>
+            <a:off x="1077362" y="2434974"/>
+            <a:ext cx="3288161" cy="3505855"/>
           </a:xfrm>
         </p:spPr>
         <p:txBody>
@@ -21675,16 +22378,19 @@
           </a:bodyPr>
           <a:lstStyle/>
           <a:p>
-            <a:endParaRPr lang="en-US"/>
+            <a:r>
+              <a:rPr lang="en-US" dirty="0"/>
+              <a:t>Given what we’ve covered, we have a reasonable basis to conclude we CAN predict outside temperature based on chirp frequency</a:t>
+            </a:r>
           </a:p>
         </p:txBody>
       </p:sp>
       <p:sp>
         <p:nvSpPr>
-          <p:cNvPr id="11" name="Freeform: Shape 10">
+          <p:cNvPr id="27" name="Rectangle 17">
             <a:extLst>
               <a:ext uri="{FF2B5EF4-FFF2-40B4-BE49-F238E27FC236}">
-                <a16:creationId xmlns:a16="http://schemas.microsoft.com/office/drawing/2014/main" id="{7E3B2BA1-50FC-4574-838F-AB0B5B93B91D}"/>
+                <a16:creationId xmlns:a16="http://schemas.microsoft.com/office/drawing/2014/main" id="{424227C0-1C28-4574-96C0-36D90661A53F}"/>
               </a:ext>
               <a:ext uri="{C183D7F6-B498-43B3-948B-1728B52AA6E4}">
                 <adec:decorative xmlns:adec="http://schemas.microsoft.com/office/drawing/2017/decorative" val="1"/>
@@ -21704,36 +22410,274 @@
         </p:nvSpPr>
         <p:spPr>
           <a:xfrm>
-            <a:off x="8703268" y="3431554"/>
-            <a:ext cx="3488732" cy="3432751"/>
+            <a:off x="5225965" y="17853"/>
+            <a:ext cx="3484819" cy="3430264"/>
+          </a:xfrm>
+          <a:prstGeom prst="rect">
+            <a:avLst/>
+          </a:prstGeom>
+          <a:solidFill>
+            <a:schemeClr val="accent1">
+              <a:lumMod val="60000"/>
+              <a:lumOff val="40000"/>
+            </a:schemeClr>
+          </a:solidFill>
+          <a:ln>
+            <a:noFill/>
+          </a:ln>
+        </p:spPr>
+        <p:style>
+          <a:lnRef idx="2">
+            <a:schemeClr val="accent1">
+              <a:shade val="50000"/>
+            </a:schemeClr>
+          </a:lnRef>
+          <a:fillRef idx="1">
+            <a:schemeClr val="accent1"/>
+          </a:fillRef>
+          <a:effectRef idx="0">
+            <a:schemeClr val="accent1"/>
+          </a:effectRef>
+          <a:fontRef idx="minor">
+            <a:schemeClr val="lt1"/>
+          </a:fontRef>
+        </p:style>
+        <p:txBody>
+          <a:bodyPr rtlCol="0" anchor="ctr"/>
+          <a:lstStyle/>
+          <a:p>
+            <a:pPr algn="ctr"/>
+            <a:endParaRPr lang="en-US"/>
+          </a:p>
+        </p:txBody>
+      </p:sp>
+      <p:sp>
+        <p:nvSpPr>
+          <p:cNvPr id="28" name="Rectangle 34">
+            <a:extLst>
+              <a:ext uri="{FF2B5EF4-FFF2-40B4-BE49-F238E27FC236}">
+                <a16:creationId xmlns:a16="http://schemas.microsoft.com/office/drawing/2014/main" id="{7B2CA80B-A8CD-4C81-90DC-D43EFD3B3770}"/>
+              </a:ext>
+              <a:ext uri="{C183D7F6-B498-43B3-948B-1728B52AA6E4}">
+                <adec:decorative xmlns:adec="http://schemas.microsoft.com/office/drawing/2017/decorative" val="1"/>
+              </a:ext>
+            </a:extLst>
+          </p:cNvPr>
+          <p:cNvSpPr>
+            <a:spLocks noGrp="1" noRot="1" noChangeAspect="1" noMove="1" noResize="1" noEditPoints="1" noAdjustHandles="1" noChangeArrowheads="1" noChangeShapeType="1" noTextEdit="1"/>
+          </p:cNvSpPr>
+          <p:nvPr>
+            <p:extLst>
+              <p:ext uri="{386F3935-93C4-4BCD-93E2-E3B085C9AB24}">
+                <p16:designElem xmlns:p16="http://schemas.microsoft.com/office/powerpoint/2015/main" val="1"/>
+              </p:ext>
+            </p:extLst>
+          </p:nvPr>
+        </p:nvSpPr>
+        <p:spPr>
+          <a:xfrm>
+            <a:off x="5225965" y="-1081"/>
+            <a:ext cx="3484819" cy="3441610"/>
           </a:xfrm>
           <a:custGeom>
             <a:avLst/>
             <a:gdLst>
-              <a:gd name="connsiteX0" fmla="*/ 3488731 w 3488732"/>
-              <a:gd name="connsiteY0" fmla="*/ 0 h 3432751"/>
-              <a:gd name="connsiteX1" fmla="*/ 3488732 w 3488732"/>
-              <a:gd name="connsiteY1" fmla="*/ 0 h 3432751"/>
-              <a:gd name="connsiteX2" fmla="*/ 3488732 w 3488732"/>
-              <a:gd name="connsiteY2" fmla="*/ 3432751 h 3432751"/>
-              <a:gd name="connsiteX3" fmla="*/ 0 w 3488732"/>
-              <a:gd name="connsiteY3" fmla="*/ 3432751 h 3432751"/>
-              <a:gd name="connsiteX4" fmla="*/ 0 w 3488732"/>
-              <a:gd name="connsiteY4" fmla="*/ 3431630 h 3432751"/>
-              <a:gd name="connsiteX5" fmla="*/ 80 w 3488732"/>
-              <a:gd name="connsiteY5" fmla="*/ 3431628 h 3432751"/>
-              <a:gd name="connsiteX6" fmla="*/ 7516 w 3488732"/>
-              <a:gd name="connsiteY6" fmla="*/ 3431628 h 3432751"/>
-              <a:gd name="connsiteX7" fmla="*/ 7516 w 3488732"/>
-              <a:gd name="connsiteY7" fmla="*/ 3431443 h 3432751"/>
-              <a:gd name="connsiteX8" fmla="*/ 179530 w 3488732"/>
-              <a:gd name="connsiteY8" fmla="*/ 3427154 h 3432751"/>
-              <a:gd name="connsiteX9" fmla="*/ 3484471 w 3488732"/>
-              <a:gd name="connsiteY9" fmla="*/ 162232 h 3432751"/>
-              <a:gd name="connsiteX10" fmla="*/ 3488328 w 3488732"/>
-              <a:gd name="connsiteY10" fmla="*/ 6924 h 3432751"/>
-              <a:gd name="connsiteX11" fmla="*/ 3488731 w 3488732"/>
-              <a:gd name="connsiteY11" fmla="*/ 6924 h 3432751"/>
+              <a:gd name="connsiteX0" fmla="*/ 0 w 3484819"/>
+              <a:gd name="connsiteY0" fmla="*/ 0 h 3430264"/>
+              <a:gd name="connsiteX1" fmla="*/ 3484819 w 3484819"/>
+              <a:gd name="connsiteY1" fmla="*/ 0 h 3430264"/>
+              <a:gd name="connsiteX2" fmla="*/ 3484819 w 3484819"/>
+              <a:gd name="connsiteY2" fmla="*/ 3430264 h 3430264"/>
+              <a:gd name="connsiteX3" fmla="*/ 0 w 3484819"/>
+              <a:gd name="connsiteY3" fmla="*/ 3430264 h 3430264"/>
+              <a:gd name="connsiteX4" fmla="*/ 0 w 3484819"/>
+              <a:gd name="connsiteY4" fmla="*/ 0 h 3430264"/>
+              <a:gd name="connsiteX0" fmla="*/ 0 w 3484819"/>
+              <a:gd name="connsiteY0" fmla="*/ 0 h 3430264"/>
+              <a:gd name="connsiteX1" fmla="*/ 3484819 w 3484819"/>
+              <a:gd name="connsiteY1" fmla="*/ 0 h 3430264"/>
+              <a:gd name="connsiteX2" fmla="*/ 0 w 3484819"/>
+              <a:gd name="connsiteY2" fmla="*/ 3430264 h 3430264"/>
+              <a:gd name="connsiteX3" fmla="*/ 0 w 3484819"/>
+              <a:gd name="connsiteY3" fmla="*/ 0 h 3430264"/>
+            </a:gdLst>
+            <a:ahLst/>
+            <a:cxnLst>
+              <a:cxn ang="0">
+                <a:pos x="connsiteX0" y="connsiteY0"/>
+              </a:cxn>
+              <a:cxn ang="0">
+                <a:pos x="connsiteX1" y="connsiteY1"/>
+              </a:cxn>
+              <a:cxn ang="0">
+                <a:pos x="connsiteX2" y="connsiteY2"/>
+              </a:cxn>
+              <a:cxn ang="0">
+                <a:pos x="connsiteX3" y="connsiteY3"/>
+              </a:cxn>
+            </a:cxnLst>
+            <a:rect l="l" t="t" r="r" b="b"/>
+            <a:pathLst>
+              <a:path w="3484819" h="3430264">
+                <a:moveTo>
+                  <a:pt x="0" y="0"/>
+                </a:moveTo>
+                <a:lnTo>
+                  <a:pt x="3484819" y="0"/>
+                </a:lnTo>
+                <a:lnTo>
+                  <a:pt x="0" y="3430264"/>
+                </a:lnTo>
+                <a:lnTo>
+                  <a:pt x="0" y="0"/>
+                </a:lnTo>
+                <a:close/>
+              </a:path>
+            </a:pathLst>
+          </a:custGeom>
+          <a:solidFill>
+            <a:schemeClr val="accent4">
+              <a:lumMod val="40000"/>
+              <a:lumOff val="60000"/>
+            </a:schemeClr>
+          </a:solidFill>
+          <a:ln>
+            <a:noFill/>
+          </a:ln>
+        </p:spPr>
+        <p:style>
+          <a:lnRef idx="2">
+            <a:schemeClr val="accent1">
+              <a:shade val="50000"/>
+            </a:schemeClr>
+          </a:lnRef>
+          <a:fillRef idx="1">
+            <a:schemeClr val="accent1"/>
+          </a:fillRef>
+          <a:effectRef idx="0">
+            <a:schemeClr val="accent1"/>
+          </a:effectRef>
+          <a:fontRef idx="minor">
+            <a:schemeClr val="lt1"/>
+          </a:fontRef>
+        </p:style>
+        <p:txBody>
+          <a:bodyPr rtlCol="0" anchor="ctr"/>
+          <a:lstStyle/>
+          <a:p>
+            <a:pPr algn="ctr"/>
+            <a:endParaRPr lang="en-US"/>
+          </a:p>
+        </p:txBody>
+      </p:sp>
+      <p:sp>
+        <p:nvSpPr>
+          <p:cNvPr id="29" name="Rectangle 21">
+            <a:extLst>
+              <a:ext uri="{FF2B5EF4-FFF2-40B4-BE49-F238E27FC236}">
+                <a16:creationId xmlns:a16="http://schemas.microsoft.com/office/drawing/2014/main" id="{22F70C1E-70A9-4389-843B-5784E2A9E77C}"/>
+              </a:ext>
+              <a:ext uri="{C183D7F6-B498-43B3-948B-1728B52AA6E4}">
+                <adec:decorative xmlns:adec="http://schemas.microsoft.com/office/drawing/2017/decorative" val="1"/>
+              </a:ext>
+            </a:extLst>
+          </p:cNvPr>
+          <p:cNvSpPr>
+            <a:spLocks noGrp="1" noRot="1" noChangeAspect="1" noMove="1" noResize="1" noEditPoints="1" noAdjustHandles="1" noChangeArrowheads="1" noChangeShapeType="1" noTextEdit="1"/>
+          </p:cNvSpPr>
+          <p:nvPr>
+            <p:extLst>
+              <p:ext uri="{386F3935-93C4-4BCD-93E2-E3B085C9AB24}">
+                <p16:designElem xmlns:p16="http://schemas.microsoft.com/office/powerpoint/2015/main" val="1"/>
+              </p:ext>
+            </p:extLst>
+          </p:nvPr>
+        </p:nvSpPr>
+        <p:spPr>
+          <a:xfrm>
+            <a:off x="5225965" y="3441793"/>
+            <a:ext cx="3483870" cy="3429000"/>
+          </a:xfrm>
+          <a:prstGeom prst="rect">
+            <a:avLst/>
+          </a:prstGeom>
+          <a:solidFill>
+            <a:schemeClr val="accent2"/>
+          </a:solidFill>
+          <a:ln>
+            <a:noFill/>
+          </a:ln>
+        </p:spPr>
+        <p:style>
+          <a:lnRef idx="2">
+            <a:schemeClr val="accent1">
+              <a:shade val="50000"/>
+            </a:schemeClr>
+          </a:lnRef>
+          <a:fillRef idx="1">
+            <a:schemeClr val="accent1"/>
+          </a:fillRef>
+          <a:effectRef idx="0">
+            <a:schemeClr val="accent1"/>
+          </a:effectRef>
+          <a:fontRef idx="minor">
+            <a:schemeClr val="lt1"/>
+          </a:fontRef>
+        </p:style>
+        <p:txBody>
+          <a:bodyPr rtlCol="0" anchor="ctr"/>
+          <a:lstStyle/>
+          <a:p>
+            <a:pPr algn="ctr"/>
+            <a:endParaRPr lang="en-US"/>
+          </a:p>
+        </p:txBody>
+      </p:sp>
+      <p:sp>
+        <p:nvSpPr>
+          <p:cNvPr id="30" name="Freeform: Shape 23">
+            <a:extLst>
+              <a:ext uri="{FF2B5EF4-FFF2-40B4-BE49-F238E27FC236}">
+                <a16:creationId xmlns:a16="http://schemas.microsoft.com/office/drawing/2014/main" id="{A64B72EE-05D8-415A-BBB0-B6781D8659A3}"/>
+              </a:ext>
+              <a:ext uri="{C183D7F6-B498-43B3-948B-1728B52AA6E4}">
+                <adec:decorative xmlns:adec="http://schemas.microsoft.com/office/drawing/2017/decorative" val="1"/>
+              </a:ext>
+            </a:extLst>
+          </p:cNvPr>
+          <p:cNvSpPr>
+            <a:spLocks noGrp="1" noRot="1" noChangeAspect="1" noMove="1" noResize="1" noEditPoints="1" noAdjustHandles="1" noChangeArrowheads="1" noChangeShapeType="1" noTextEdit="1"/>
+          </p:cNvSpPr>
+          <p:nvPr>
+            <p:extLst>
+              <p:ext uri="{386F3935-93C4-4BCD-93E2-E3B085C9AB24}">
+                <p16:designElem xmlns:p16="http://schemas.microsoft.com/office/powerpoint/2015/main" val="1"/>
+              </p:ext>
+            </p:extLst>
+          </p:nvPr>
+        </p:nvSpPr>
+        <p:spPr>
+          <a:xfrm>
+            <a:off x="8709077" y="3440529"/>
+            <a:ext cx="3482163" cy="3430264"/>
+          </a:xfrm>
+          <a:custGeom>
+            <a:avLst/>
+            <a:gdLst>
+              <a:gd name="connsiteX0" fmla="*/ 3481704 w 3482163"/>
+              <a:gd name="connsiteY0" fmla="*/ 0 h 3430264"/>
+              <a:gd name="connsiteX1" fmla="*/ 3482163 w 3482163"/>
+              <a:gd name="connsiteY1" fmla="*/ 0 h 3430264"/>
+              <a:gd name="connsiteX2" fmla="*/ 3482163 w 3482163"/>
+              <a:gd name="connsiteY2" fmla="*/ 3430264 h 3430264"/>
+              <a:gd name="connsiteX3" fmla="*/ 0 w 3482163"/>
+              <a:gd name="connsiteY3" fmla="*/ 3430264 h 3430264"/>
+              <a:gd name="connsiteX4" fmla="*/ 0 w 3482163"/>
+              <a:gd name="connsiteY4" fmla="*/ 3430219 h 3430264"/>
+              <a:gd name="connsiteX5" fmla="*/ 344173 w 3482163"/>
+              <a:gd name="connsiteY5" fmla="*/ 3413599 h 3430264"/>
+              <a:gd name="connsiteX6" fmla="*/ 3477365 w 3482163"/>
+              <a:gd name="connsiteY6" fmla="*/ 169358 h 3430264"/>
             </a:gdLst>
             <a:ahLst/>
             <a:cxnLst>
@@ -21758,63 +22702,33 @@
               <a:cxn ang="0">
                 <a:pos x="connsiteX6" y="connsiteY6"/>
               </a:cxn>
-              <a:cxn ang="0">
-                <a:pos x="connsiteX7" y="connsiteY7"/>
-              </a:cxn>
-              <a:cxn ang="0">
-                <a:pos x="connsiteX8" y="connsiteY8"/>
-              </a:cxn>
-              <a:cxn ang="0">
-                <a:pos x="connsiteX9" y="connsiteY9"/>
-              </a:cxn>
-              <a:cxn ang="0">
-                <a:pos x="connsiteX10" y="connsiteY10"/>
-              </a:cxn>
-              <a:cxn ang="0">
-                <a:pos x="connsiteX11" y="connsiteY11"/>
-              </a:cxn>
             </a:cxnLst>
             <a:rect l="l" t="t" r="r" b="b"/>
             <a:pathLst>
-              <a:path w="3488732" h="3432751">
+              <a:path w="3482163" h="3430264">
                 <a:moveTo>
-                  <a:pt x="3488731" y="0"/>
+                  <a:pt x="3481704" y="0"/>
                 </a:moveTo>
                 <a:lnTo>
-                  <a:pt x="3488732" y="0"/>
+                  <a:pt x="3482163" y="0"/>
                 </a:lnTo>
                 <a:lnTo>
-                  <a:pt x="3488732" y="3432751"/>
+                  <a:pt x="3482163" y="3430264"/>
                 </a:lnTo>
                 <a:lnTo>
-                  <a:pt x="0" y="3432751"/>
+                  <a:pt x="0" y="3430264"/>
                 </a:lnTo>
                 <a:lnTo>
-                  <a:pt x="0" y="3431630"/>
+                  <a:pt x="0" y="3430219"/>
                 </a:lnTo>
                 <a:lnTo>
-                  <a:pt x="80" y="3431628"/>
-                </a:lnTo>
-                <a:lnTo>
-                  <a:pt x="7516" y="3431628"/>
-                </a:lnTo>
-                <a:lnTo>
-                  <a:pt x="7516" y="3431443"/>
-                </a:lnTo>
-                <a:lnTo>
-                  <a:pt x="179530" y="3427154"/>
+                  <a:pt x="344173" y="3413599"/>
                 </a:lnTo>
                 <a:cubicBezTo>
-                  <a:pt x="1965266" y="3337873"/>
-                  <a:pt x="3396747" y="1924247"/>
-                  <a:pt x="3484471" y="162232"/>
+                  <a:pt x="2047087" y="3248253"/>
+                  <a:pt x="3389914" y="1872269"/>
+                  <a:pt x="3477365" y="169358"/>
                 </a:cubicBezTo>
-                <a:lnTo>
-                  <a:pt x="3488328" y="6924"/>
-                </a:lnTo>
-                <a:lnTo>
-                  <a:pt x="3488731" y="6924"/>
-                </a:lnTo>
                 <a:close/>
               </a:path>
             </a:pathLst>
@@ -21869,13 +22783,13 @@
         </p:nvPicPr>
         <p:blipFill rotWithShape="1">
           <a:blip r:embed="rId2"/>
-          <a:srcRect l="49182" r="1" b="1"/>
+          <a:srcRect l="57979" r="8180" b="-1"/>
           <a:stretch/>
         </p:blipFill>
         <p:spPr>
           <a:xfrm>
-            <a:off x="6967018" y="10"/>
-            <a:ext cx="5224982" cy="6863174"/>
+            <a:off x="8709077" y="-1081"/>
+            <a:ext cx="3483870" cy="6871874"/>
           </a:xfrm>
           <a:custGeom>
             <a:avLst/>
@@ -21884,53 +22798,32 @@
             <a:cxnLst/>
             <a:rect l="l" t="t" r="r" b="b"/>
             <a:pathLst>
-              <a:path w="5224982" h="6846790">
+              <a:path w="3483870" h="6861752">
                 <a:moveTo>
                   <a:pt x="0" y="0"/>
                 </a:moveTo>
                 <a:lnTo>
-                  <a:pt x="5224981" y="0"/>
+                  <a:pt x="3483870" y="0"/>
                 </a:lnTo>
                 <a:lnTo>
-                  <a:pt x="5224981" y="3414038"/>
+                  <a:pt x="3483870" y="3429000"/>
                 </a:lnTo>
                 <a:lnTo>
-                  <a:pt x="5224982" y="3414038"/>
+                  <a:pt x="3482844" y="3429000"/>
                 </a:lnTo>
                 <a:lnTo>
-                  <a:pt x="5224981" y="3414080"/>
+                  <a:pt x="3478312" y="3605649"/>
+                </a:lnTo>
+                <a:cubicBezTo>
+                  <a:pt x="3385031" y="5419411"/>
+                  <a:pt x="1863411" y="6861752"/>
+                  <a:pt x="1" y="6861752"/>
+                </a:cubicBezTo>
+                <a:lnTo>
+                  <a:pt x="1" y="3429000"/>
                 </a:lnTo>
                 <a:lnTo>
-                  <a:pt x="5224981" y="3430264"/>
-                </a:lnTo>
-                <a:lnTo>
-                  <a:pt x="5224578" y="3430264"/>
-                </a:lnTo>
-                <a:lnTo>
-                  <a:pt x="5220721" y="3585201"/>
-                </a:lnTo>
-                <a:cubicBezTo>
-                  <a:pt x="5132997" y="5343007"/>
-                  <a:pt x="3701516" y="6753257"/>
-                  <a:pt x="1915780" y="6842324"/>
-                </a:cubicBezTo>
-                <a:lnTo>
-                  <a:pt x="1743766" y="6846603"/>
-                </a:lnTo>
-                <a:lnTo>
-                  <a:pt x="1743766" y="6846788"/>
-                </a:lnTo>
-                <a:lnTo>
-                  <a:pt x="1736330" y="6846788"/>
-                </a:lnTo>
-                <a:lnTo>
-                  <a:pt x="1736250" y="6846790"/>
-                </a:lnTo>
-                <a:lnTo>
-                  <a:pt x="1736250" y="6846788"/>
-                </a:lnTo>
-                <a:lnTo>
-                  <a:pt x="0" y="6846788"/>
+                  <a:pt x="0" y="3429000"/>
                 </a:lnTo>
                 <a:close/>
               </a:path>
@@ -21951,7 +22844,7 @@
 </p:sld>
 </file>
 
-<file path=ppt/slides/slide17.xml><?xml version="1.0" encoding="utf-8"?>
+<file path=ppt/slides/slide19.xml><?xml version="1.0" encoding="utf-8"?>
 <p:sld xmlns:a="http://schemas.openxmlformats.org/drawingml/2006/main" xmlns:r="http://schemas.openxmlformats.org/officeDocument/2006/relationships" xmlns:p="http://schemas.openxmlformats.org/presentationml/2006/main">
   <p:cSld>
     <p:bg>
@@ -22497,561 +23390,6 @@
     <p:extLst>
       <p:ext uri="{BB962C8B-B14F-4D97-AF65-F5344CB8AC3E}">
         <p14:creationId xmlns:p14="http://schemas.microsoft.com/office/powerpoint/2010/main" val="3428764689"/>
-      </p:ext>
-    </p:extLst>
-  </p:cSld>
-  <p:clrMapOvr>
-    <a:masterClrMapping/>
-  </p:clrMapOvr>
-</p:sld>
-</file>
-
-<file path=ppt/slides/slide18.xml><?xml version="1.0" encoding="utf-8"?>
-<p:sld xmlns:a="http://schemas.openxmlformats.org/drawingml/2006/main" xmlns:r="http://schemas.openxmlformats.org/officeDocument/2006/relationships" xmlns:p="http://schemas.openxmlformats.org/presentationml/2006/main">
-  <p:cSld>
-    <p:bg>
-      <p:bgPr>
-        <a:solidFill>
-          <a:schemeClr val="bg1"/>
-        </a:solidFill>
-        <a:effectLst/>
-      </p:bgPr>
-    </p:bg>
-    <p:spTree>
-      <p:nvGrpSpPr>
-        <p:cNvPr id="1" name=""/>
-        <p:cNvGrpSpPr/>
-        <p:nvPr/>
-      </p:nvGrpSpPr>
-      <p:grpSpPr>
-        <a:xfrm>
-          <a:off x="0" y="0"/>
-          <a:ext cx="0" cy="0"/>
-          <a:chOff x="0" y="0"/>
-          <a:chExt cx="0" cy="0"/>
-        </a:xfrm>
-      </p:grpSpPr>
-      <p:sp>
-        <p:nvSpPr>
-          <p:cNvPr id="20" name="Rectangle 19">
-            <a:extLst>
-              <a:ext uri="{FF2B5EF4-FFF2-40B4-BE49-F238E27FC236}">
-                <a16:creationId xmlns:a16="http://schemas.microsoft.com/office/drawing/2014/main" id="{C1C08158-5BFB-475E-AFFD-3119675BE108}"/>
-              </a:ext>
-              <a:ext uri="{C183D7F6-B498-43B3-948B-1728B52AA6E4}">
-                <adec:decorative xmlns:adec="http://schemas.microsoft.com/office/drawing/2017/decorative" val="1"/>
-              </a:ext>
-            </a:extLst>
-          </p:cNvPr>
-          <p:cNvSpPr>
-            <a:spLocks noGrp="1" noRot="1" noChangeAspect="1" noMove="1" noResize="1" noEditPoints="1" noAdjustHandles="1" noChangeArrowheads="1" noChangeShapeType="1" noTextEdit="1"/>
-          </p:cNvSpPr>
-          <p:nvPr>
-            <p:extLst>
-              <p:ext uri="{386F3935-93C4-4BCD-93E2-E3B085C9AB24}">
-                <p16:designElem xmlns:p16="http://schemas.microsoft.com/office/powerpoint/2015/main" val="1"/>
-              </p:ext>
-            </p:extLst>
-          </p:nvPr>
-        </p:nvSpPr>
-        <p:spPr>
-          <a:xfrm>
-            <a:off x="0" y="0"/>
-            <a:ext cx="12192000" cy="6858000"/>
-          </a:xfrm>
-          <a:prstGeom prst="rect">
-            <a:avLst/>
-          </a:prstGeom>
-          <a:solidFill>
-            <a:srgbClr val="FFFFFF"/>
-          </a:solidFill>
-          <a:ln w="12700" cap="flat" cmpd="sng" algn="ctr">
-            <a:noFill/>
-            <a:prstDash val="solid"/>
-            <a:miter lim="800000"/>
-          </a:ln>
-          <a:effectLst/>
-          <a:extLst>
-            <a:ext uri="{91240B29-F687-4F45-9708-019B960494DF}">
-              <a14:hiddenLine xmlns:a14="http://schemas.microsoft.com/office/drawing/2010/main" w="12700" cap="flat" cmpd="sng" algn="ctr">
-                <a:solidFill>
-                  <a:schemeClr val="accent1">
-                    <a:shade val="50000"/>
-                  </a:schemeClr>
-                </a:solidFill>
-                <a:prstDash val="solid"/>
-                <a:miter lim="800000"/>
-              </a14:hiddenLine>
-            </a:ext>
-          </a:extLst>
-        </p:spPr>
-        <p:style>
-          <a:lnRef idx="2">
-            <a:schemeClr val="accent1">
-              <a:shade val="50000"/>
-            </a:schemeClr>
-          </a:lnRef>
-          <a:fillRef idx="1">
-            <a:schemeClr val="accent1"/>
-          </a:fillRef>
-          <a:effectRef idx="0">
-            <a:schemeClr val="accent1"/>
-          </a:effectRef>
-          <a:fontRef idx="minor">
-            <a:schemeClr val="lt1"/>
-          </a:fontRef>
-        </p:style>
-        <p:txBody>
-          <a:bodyPr rtlCol="0" anchor="ctr"/>
-          <a:lstStyle/>
-          <a:p>
-            <a:pPr algn="ctr"/>
-            <a:endParaRPr lang="en-US"/>
-          </a:p>
-        </p:txBody>
-      </p:sp>
-      <p:sp>
-        <p:nvSpPr>
-          <p:cNvPr id="22" name="Rectangle 21">
-            <a:extLst>
-              <a:ext uri="{FF2B5EF4-FFF2-40B4-BE49-F238E27FC236}">
-                <a16:creationId xmlns:a16="http://schemas.microsoft.com/office/drawing/2014/main" id="{4F5923A5-3EA5-4A1F-8FB1-6E9E4AC90BEF}"/>
-              </a:ext>
-              <a:ext uri="{C183D7F6-B498-43B3-948B-1728B52AA6E4}">
-                <adec:decorative xmlns:adec="http://schemas.microsoft.com/office/drawing/2017/decorative" val="1"/>
-              </a:ext>
-            </a:extLst>
-          </p:cNvPr>
-          <p:cNvSpPr>
-            <a:spLocks noGrp="1" noRot="1" noChangeAspect="1" noMove="1" noResize="1" noEditPoints="1" noAdjustHandles="1" noChangeArrowheads="1" noChangeShapeType="1" noTextEdit="1"/>
-          </p:cNvSpPr>
-          <p:nvPr>
-            <p:extLst>
-              <p:ext uri="{386F3935-93C4-4BCD-93E2-E3B085C9AB24}">
-                <p16:designElem xmlns:p16="http://schemas.microsoft.com/office/powerpoint/2015/main" val="1"/>
-              </p:ext>
-            </p:extLst>
-          </p:nvPr>
-        </p:nvSpPr>
-        <p:spPr>
-          <a:xfrm>
-            <a:off x="0" y="3529852"/>
-            <a:ext cx="6736976" cy="3328145"/>
-          </a:xfrm>
-          <a:prstGeom prst="rect">
-            <a:avLst/>
-          </a:prstGeom>
-          <a:solidFill>
-            <a:schemeClr val="accent4">
-              <a:lumMod val="40000"/>
-              <a:lumOff val="60000"/>
-            </a:schemeClr>
-          </a:solidFill>
-          <a:ln>
-            <a:noFill/>
-          </a:ln>
-        </p:spPr>
-        <p:style>
-          <a:lnRef idx="2">
-            <a:schemeClr val="accent1">
-              <a:shade val="50000"/>
-            </a:schemeClr>
-          </a:lnRef>
-          <a:fillRef idx="1">
-            <a:schemeClr val="accent1"/>
-          </a:fillRef>
-          <a:effectRef idx="0">
-            <a:schemeClr val="accent1"/>
-          </a:effectRef>
-          <a:fontRef idx="minor">
-            <a:schemeClr val="lt1"/>
-          </a:fontRef>
-        </p:style>
-        <p:txBody>
-          <a:bodyPr rtlCol="0" anchor="ctr"/>
-          <a:lstStyle/>
-          <a:p>
-            <a:pPr algn="ctr"/>
-            <a:endParaRPr lang="en-US"/>
-          </a:p>
-        </p:txBody>
-      </p:sp>
-      <p:sp useBgFill="1">
-        <p:nvSpPr>
-          <p:cNvPr id="24" name="Freeform: Shape 23">
-            <a:extLst>
-              <a:ext uri="{FF2B5EF4-FFF2-40B4-BE49-F238E27FC236}">
-                <a16:creationId xmlns:a16="http://schemas.microsoft.com/office/drawing/2014/main" id="{1850567E-9970-49B5-8036-68DF198AB106}"/>
-              </a:ext>
-              <a:ext uri="{C183D7F6-B498-43B3-948B-1728B52AA6E4}">
-                <adec:decorative xmlns:adec="http://schemas.microsoft.com/office/drawing/2017/decorative" val="1"/>
-              </a:ext>
-            </a:extLst>
-          </p:cNvPr>
-          <p:cNvSpPr>
-            <a:spLocks noGrp="1" noRot="1" noChangeAspect="1" noMove="1" noResize="1" noEditPoints="1" noAdjustHandles="1" noChangeArrowheads="1" noChangeShapeType="1" noTextEdit="1"/>
-          </p:cNvSpPr>
-          <p:nvPr>
-            <p:extLst>
-              <p:ext uri="{386F3935-93C4-4BCD-93E2-E3B085C9AB24}">
-                <p16:designElem xmlns:p16="http://schemas.microsoft.com/office/powerpoint/2015/main" val="1"/>
-              </p:ext>
-            </p:extLst>
-          </p:nvPr>
-        </p:nvSpPr>
-        <p:spPr>
-          <a:xfrm>
-            <a:off x="0" y="2"/>
-            <a:ext cx="3414824" cy="6864873"/>
-          </a:xfrm>
-          <a:custGeom>
-            <a:avLst/>
-            <a:gdLst>
-              <a:gd name="connsiteX0" fmla="*/ 0 w 3414824"/>
-              <a:gd name="connsiteY0" fmla="*/ 3376141 h 6864873"/>
-              <a:gd name="connsiteX1" fmla="*/ 3414824 w 3414824"/>
-              <a:gd name="connsiteY1" fmla="*/ 3376141 h 6864873"/>
-              <a:gd name="connsiteX2" fmla="*/ 0 w 3414824"/>
-              <a:gd name="connsiteY2" fmla="*/ 6864873 h 6864873"/>
-              <a:gd name="connsiteX3" fmla="*/ 2 w 3414824"/>
-              <a:gd name="connsiteY3" fmla="*/ 0 h 6864873"/>
-              <a:gd name="connsiteX4" fmla="*/ 3414824 w 3414824"/>
-              <a:gd name="connsiteY4" fmla="*/ 0 h 6864873"/>
-              <a:gd name="connsiteX5" fmla="*/ 3414824 w 3414824"/>
-              <a:gd name="connsiteY5" fmla="*/ 3376140 h 6864873"/>
-              <a:gd name="connsiteX6" fmla="*/ 2 w 3414824"/>
-              <a:gd name="connsiteY6" fmla="*/ 3376140 h 6864873"/>
-            </a:gdLst>
-            <a:ahLst/>
-            <a:cxnLst>
-              <a:cxn ang="0">
-                <a:pos x="connsiteX0" y="connsiteY0"/>
-              </a:cxn>
-              <a:cxn ang="0">
-                <a:pos x="connsiteX1" y="connsiteY1"/>
-              </a:cxn>
-              <a:cxn ang="0">
-                <a:pos x="connsiteX2" y="connsiteY2"/>
-              </a:cxn>
-              <a:cxn ang="0">
-                <a:pos x="connsiteX3" y="connsiteY3"/>
-              </a:cxn>
-              <a:cxn ang="0">
-                <a:pos x="connsiteX4" y="connsiteY4"/>
-              </a:cxn>
-              <a:cxn ang="0">
-                <a:pos x="connsiteX5" y="connsiteY5"/>
-              </a:cxn>
-              <a:cxn ang="0">
-                <a:pos x="connsiteX6" y="connsiteY6"/>
-              </a:cxn>
-            </a:cxnLst>
-            <a:rect l="l" t="t" r="r" b="b"/>
-            <a:pathLst>
-              <a:path w="3414824" h="6864873">
-                <a:moveTo>
-                  <a:pt x="0" y="3376141"/>
-                </a:moveTo>
-                <a:lnTo>
-                  <a:pt x="3414824" y="3376141"/>
-                </a:lnTo>
-                <a:cubicBezTo>
-                  <a:pt x="3414824" y="5302914"/>
-                  <a:pt x="1885955" y="6864873"/>
-                  <a:pt x="0" y="6864873"/>
-                </a:cubicBezTo>
-                <a:close/>
-                <a:moveTo>
-                  <a:pt x="2" y="0"/>
-                </a:moveTo>
-                <a:lnTo>
-                  <a:pt x="3414824" y="0"/>
-                </a:lnTo>
-                <a:lnTo>
-                  <a:pt x="3414824" y="3376140"/>
-                </a:lnTo>
-                <a:lnTo>
-                  <a:pt x="2" y="3376140"/>
-                </a:lnTo>
-                <a:close/>
-              </a:path>
-            </a:pathLst>
-          </a:custGeom>
-          <a:ln>
-            <a:noFill/>
-          </a:ln>
-        </p:spPr>
-        <p:style>
-          <a:lnRef idx="2">
-            <a:schemeClr val="accent1">
-              <a:shade val="50000"/>
-            </a:schemeClr>
-          </a:lnRef>
-          <a:fillRef idx="1">
-            <a:schemeClr val="accent1"/>
-          </a:fillRef>
-          <a:effectRef idx="0">
-            <a:schemeClr val="accent1"/>
-          </a:effectRef>
-          <a:fontRef idx="minor">
-            <a:schemeClr val="lt1"/>
-          </a:fontRef>
-        </p:style>
-        <p:txBody>
-          <a:bodyPr wrap="square" rtlCol="0" anchor="ctr">
-            <a:noAutofit/>
-          </a:bodyPr>
-          <a:lstStyle/>
-          <a:p>
-            <a:pPr algn="ctr"/>
-            <a:endParaRPr lang="en-US" dirty="0"/>
-          </a:p>
-        </p:txBody>
-      </p:sp>
-      <p:sp>
-        <p:nvSpPr>
-          <p:cNvPr id="2" name="Title 1">
-            <a:extLst>
-              <a:ext uri="{FF2B5EF4-FFF2-40B4-BE49-F238E27FC236}">
-                <a16:creationId xmlns:a16="http://schemas.microsoft.com/office/drawing/2014/main" id="{B307EAE9-44A4-0BD9-FF1B-D39EE71ACF46}"/>
-              </a:ext>
-            </a:extLst>
-          </p:cNvPr>
-          <p:cNvSpPr>
-            <a:spLocks noGrp="1"/>
-          </p:cNvSpPr>
-          <p:nvPr>
-            <p:ph type="title"/>
-          </p:nvPr>
-        </p:nvSpPr>
-        <p:spPr>
-          <a:xfrm>
-            <a:off x="752476" y="1597958"/>
-            <a:ext cx="2401165" cy="2491904"/>
-          </a:xfrm>
-        </p:spPr>
-        <p:txBody>
-          <a:bodyPr anchor="t">
-            <a:normAutofit/>
-          </a:bodyPr>
-          <a:lstStyle/>
-          <a:p>
-            <a:r>
-              <a:rPr lang="en-US" sz="2400"/>
-              <a:t>Recap:</a:t>
-            </a:r>
-          </a:p>
-        </p:txBody>
-      </p:sp>
-      <p:sp>
-        <p:nvSpPr>
-          <p:cNvPr id="26" name="Freeform: Shape 25">
-            <a:extLst>
-              <a:ext uri="{FF2B5EF4-FFF2-40B4-BE49-F238E27FC236}">
-                <a16:creationId xmlns:a16="http://schemas.microsoft.com/office/drawing/2014/main" id="{252F6D40-1969-431D-97A1-D6439AD90942}"/>
-              </a:ext>
-              <a:ext uri="{C183D7F6-B498-43B3-948B-1728B52AA6E4}">
-                <adec:decorative xmlns:adec="http://schemas.microsoft.com/office/drawing/2017/decorative" val="1"/>
-              </a:ext>
-            </a:extLst>
-          </p:cNvPr>
-          <p:cNvSpPr>
-            <a:spLocks noGrp="1" noRot="1" noChangeAspect="1" noMove="1" noResize="1" noEditPoints="1" noAdjustHandles="1" noChangeArrowheads="1" noChangeShapeType="1" noTextEdit="1"/>
-          </p:cNvSpPr>
-          <p:nvPr>
-            <p:extLst>
-              <p:ext uri="{386F3935-93C4-4BCD-93E2-E3B085C9AB24}">
-                <p16:designElem xmlns:p16="http://schemas.microsoft.com/office/powerpoint/2015/main" val="1"/>
-              </p:ext>
-            </p:extLst>
-          </p:nvPr>
-        </p:nvSpPr>
-        <p:spPr>
-          <a:xfrm>
-            <a:off x="3414823" y="-6876"/>
-            <a:ext cx="8777176" cy="6871754"/>
-          </a:xfrm>
-          <a:custGeom>
-            <a:avLst/>
-            <a:gdLst>
-              <a:gd name="connsiteX0" fmla="*/ 0 w 8777176"/>
-              <a:gd name="connsiteY0" fmla="*/ 0 h 6871754"/>
-              <a:gd name="connsiteX1" fmla="*/ 3414822 w 8777176"/>
-              <a:gd name="connsiteY1" fmla="*/ 0 h 6871754"/>
-              <a:gd name="connsiteX2" fmla="*/ 3414822 w 8777176"/>
-              <a:gd name="connsiteY2" fmla="*/ 6875 h 6871754"/>
-              <a:gd name="connsiteX3" fmla="*/ 8777176 w 8777176"/>
-              <a:gd name="connsiteY3" fmla="*/ 6875 h 6871754"/>
-              <a:gd name="connsiteX4" fmla="*/ 8777176 w 8777176"/>
-              <a:gd name="connsiteY4" fmla="*/ 6871754 h 6871754"/>
-              <a:gd name="connsiteX5" fmla="*/ 3251085 w 8777176"/>
-              <a:gd name="connsiteY5" fmla="*/ 6871754 h 6871754"/>
-              <a:gd name="connsiteX6" fmla="*/ 3251085 w 8777176"/>
-              <a:gd name="connsiteY6" fmla="*/ 6860643 h 6871754"/>
-              <a:gd name="connsiteX7" fmla="*/ 3239098 w 8777176"/>
-              <a:gd name="connsiteY7" fmla="*/ 6860334 h 6871754"/>
-              <a:gd name="connsiteX8" fmla="*/ 0 w 8777176"/>
-              <a:gd name="connsiteY8" fmla="*/ 3376141 h 6871754"/>
-              <a:gd name="connsiteX9" fmla="*/ 3251085 w 8777176"/>
-              <a:gd name="connsiteY9" fmla="*/ 3376141 h 6871754"/>
-              <a:gd name="connsiteX10" fmla="*/ 3251085 w 8777176"/>
-              <a:gd name="connsiteY10" fmla="*/ 3376140 h 6871754"/>
-              <a:gd name="connsiteX11" fmla="*/ 0 w 8777176"/>
-              <a:gd name="connsiteY11" fmla="*/ 3376140 h 6871754"/>
-            </a:gdLst>
-            <a:ahLst/>
-            <a:cxnLst>
-              <a:cxn ang="0">
-                <a:pos x="connsiteX0" y="connsiteY0"/>
-              </a:cxn>
-              <a:cxn ang="0">
-                <a:pos x="connsiteX1" y="connsiteY1"/>
-              </a:cxn>
-              <a:cxn ang="0">
-                <a:pos x="connsiteX2" y="connsiteY2"/>
-              </a:cxn>
-              <a:cxn ang="0">
-                <a:pos x="connsiteX3" y="connsiteY3"/>
-              </a:cxn>
-              <a:cxn ang="0">
-                <a:pos x="connsiteX4" y="connsiteY4"/>
-              </a:cxn>
-              <a:cxn ang="0">
-                <a:pos x="connsiteX5" y="connsiteY5"/>
-              </a:cxn>
-              <a:cxn ang="0">
-                <a:pos x="connsiteX6" y="connsiteY6"/>
-              </a:cxn>
-              <a:cxn ang="0">
-                <a:pos x="connsiteX7" y="connsiteY7"/>
-              </a:cxn>
-              <a:cxn ang="0">
-                <a:pos x="connsiteX8" y="connsiteY8"/>
-              </a:cxn>
-              <a:cxn ang="0">
-                <a:pos x="connsiteX9" y="connsiteY9"/>
-              </a:cxn>
-              <a:cxn ang="0">
-                <a:pos x="connsiteX10" y="connsiteY10"/>
-              </a:cxn>
-              <a:cxn ang="0">
-                <a:pos x="connsiteX11" y="connsiteY11"/>
-              </a:cxn>
-            </a:cxnLst>
-            <a:rect l="l" t="t" r="r" b="b"/>
-            <a:pathLst>
-              <a:path w="8777176" h="6871754">
-                <a:moveTo>
-                  <a:pt x="0" y="0"/>
-                </a:moveTo>
-                <a:lnTo>
-                  <a:pt x="3414822" y="0"/>
-                </a:lnTo>
-                <a:lnTo>
-                  <a:pt x="3414822" y="6875"/>
-                </a:lnTo>
-                <a:lnTo>
-                  <a:pt x="8777176" y="6875"/>
-                </a:lnTo>
-                <a:lnTo>
-                  <a:pt x="8777176" y="6871754"/>
-                </a:lnTo>
-                <a:lnTo>
-                  <a:pt x="3251085" y="6871754"/>
-                </a:lnTo>
-                <a:lnTo>
-                  <a:pt x="3251085" y="6860643"/>
-                </a:lnTo>
-                <a:lnTo>
-                  <a:pt x="3239098" y="6860334"/>
-                </a:lnTo>
-                <a:cubicBezTo>
-                  <a:pt x="1434808" y="6766895"/>
-                  <a:pt x="0" y="5242703"/>
-                  <a:pt x="0" y="3376141"/>
-                </a:cubicBezTo>
-                <a:lnTo>
-                  <a:pt x="3251085" y="3376141"/>
-                </a:lnTo>
-                <a:lnTo>
-                  <a:pt x="3251085" y="3376140"/>
-                </a:lnTo>
-                <a:lnTo>
-                  <a:pt x="0" y="3376140"/>
-                </a:lnTo>
-                <a:close/>
-              </a:path>
-            </a:pathLst>
-          </a:custGeom>
-          <a:solidFill>
-            <a:schemeClr val="bg2"/>
-          </a:solidFill>
-          <a:ln>
-            <a:noFill/>
-          </a:ln>
-        </p:spPr>
-        <p:style>
-          <a:lnRef idx="2">
-            <a:schemeClr val="accent1">
-              <a:shade val="50000"/>
-            </a:schemeClr>
-          </a:lnRef>
-          <a:fillRef idx="1">
-            <a:schemeClr val="accent1"/>
-          </a:fillRef>
-          <a:effectRef idx="0">
-            <a:schemeClr val="accent1"/>
-          </a:effectRef>
-          <a:fontRef idx="minor">
-            <a:schemeClr val="lt1"/>
-          </a:fontRef>
-        </p:style>
-        <p:txBody>
-          <a:bodyPr wrap="square" rtlCol="0" anchor="ctr">
-            <a:noAutofit/>
-          </a:bodyPr>
-          <a:lstStyle/>
-          <a:p>
-            <a:pPr algn="ctr"/>
-            <a:endParaRPr lang="en-US" dirty="0"/>
-          </a:p>
-        </p:txBody>
-      </p:sp>
-      <p:graphicFrame>
-        <p:nvGraphicFramePr>
-          <p:cNvPr id="5" name="Content Placeholder 2">
-            <a:extLst>
-              <a:ext uri="{FF2B5EF4-FFF2-40B4-BE49-F238E27FC236}">
-                <a16:creationId xmlns:a16="http://schemas.microsoft.com/office/drawing/2014/main" id="{3CD413C9-12DE-1F76-36D0-2DFF0A6C7148}"/>
-              </a:ext>
-            </a:extLst>
-          </p:cNvPr>
-          <p:cNvGraphicFramePr>
-            <a:graphicFrameLocks noGrp="1"/>
-          </p:cNvGraphicFramePr>
-          <p:nvPr>
-            <p:ph idx="1"/>
-            <p:extLst>
-              <p:ext uri="{D42A27DB-BD31-4B8C-83A1-F6EECF244321}">
-                <p14:modId xmlns:p14="http://schemas.microsoft.com/office/powerpoint/2010/main" val="4070357114"/>
-              </p:ext>
-            </p:extLst>
-          </p:nvPr>
-        </p:nvGraphicFramePr>
-        <p:xfrm>
-          <a:off x="4461164" y="0"/>
-          <a:ext cx="7730835" cy="6437745"/>
-        </p:xfrm>
-        <a:graphic>
-          <a:graphicData uri="http://schemas.openxmlformats.org/drawingml/2006/diagram">
-            <dgm:relIds xmlns:dgm="http://schemas.openxmlformats.org/drawingml/2006/diagram" xmlns:r="http://schemas.openxmlformats.org/officeDocument/2006/relationships" r:dm="rId2" r:lo="rId3" r:qs="rId4" r:cs="rId5"/>
-          </a:graphicData>
-        </a:graphic>
-      </p:graphicFrame>
-    </p:spTree>
-    <p:extLst>
-      <p:ext uri="{BB962C8B-B14F-4D97-AF65-F5344CB8AC3E}">
-        <p14:creationId xmlns:p14="http://schemas.microsoft.com/office/powerpoint/2010/main" val="1716295436"/>
       </p:ext>
     </p:extLst>
   </p:cSld>
@@ -23612,6 +23950,561 @@
     <p:extLst>
       <p:ext uri="{BB962C8B-B14F-4D97-AF65-F5344CB8AC3E}">
         <p14:creationId xmlns:p14="http://schemas.microsoft.com/office/powerpoint/2010/main" val="2624943204"/>
+      </p:ext>
+    </p:extLst>
+  </p:cSld>
+  <p:clrMapOvr>
+    <a:masterClrMapping/>
+  </p:clrMapOvr>
+</p:sld>
+</file>
+
+<file path=ppt/slides/slide20.xml><?xml version="1.0" encoding="utf-8"?>
+<p:sld xmlns:a="http://schemas.openxmlformats.org/drawingml/2006/main" xmlns:r="http://schemas.openxmlformats.org/officeDocument/2006/relationships" xmlns:p="http://schemas.openxmlformats.org/presentationml/2006/main">
+  <p:cSld>
+    <p:bg>
+      <p:bgPr>
+        <a:solidFill>
+          <a:schemeClr val="bg1"/>
+        </a:solidFill>
+        <a:effectLst/>
+      </p:bgPr>
+    </p:bg>
+    <p:spTree>
+      <p:nvGrpSpPr>
+        <p:cNvPr id="1" name=""/>
+        <p:cNvGrpSpPr/>
+        <p:nvPr/>
+      </p:nvGrpSpPr>
+      <p:grpSpPr>
+        <a:xfrm>
+          <a:off x="0" y="0"/>
+          <a:ext cx="0" cy="0"/>
+          <a:chOff x="0" y="0"/>
+          <a:chExt cx="0" cy="0"/>
+        </a:xfrm>
+      </p:grpSpPr>
+      <p:sp>
+        <p:nvSpPr>
+          <p:cNvPr id="20" name="Rectangle 19">
+            <a:extLst>
+              <a:ext uri="{FF2B5EF4-FFF2-40B4-BE49-F238E27FC236}">
+                <a16:creationId xmlns:a16="http://schemas.microsoft.com/office/drawing/2014/main" id="{C1C08158-5BFB-475E-AFFD-3119675BE108}"/>
+              </a:ext>
+              <a:ext uri="{C183D7F6-B498-43B3-948B-1728B52AA6E4}">
+                <adec:decorative xmlns:adec="http://schemas.microsoft.com/office/drawing/2017/decorative" val="1"/>
+              </a:ext>
+            </a:extLst>
+          </p:cNvPr>
+          <p:cNvSpPr>
+            <a:spLocks noGrp="1" noRot="1" noChangeAspect="1" noMove="1" noResize="1" noEditPoints="1" noAdjustHandles="1" noChangeArrowheads="1" noChangeShapeType="1" noTextEdit="1"/>
+          </p:cNvSpPr>
+          <p:nvPr>
+            <p:extLst>
+              <p:ext uri="{386F3935-93C4-4BCD-93E2-E3B085C9AB24}">
+                <p16:designElem xmlns:p16="http://schemas.microsoft.com/office/powerpoint/2015/main" val="1"/>
+              </p:ext>
+            </p:extLst>
+          </p:nvPr>
+        </p:nvSpPr>
+        <p:spPr>
+          <a:xfrm>
+            <a:off x="0" y="0"/>
+            <a:ext cx="12192000" cy="6858000"/>
+          </a:xfrm>
+          <a:prstGeom prst="rect">
+            <a:avLst/>
+          </a:prstGeom>
+          <a:solidFill>
+            <a:srgbClr val="FFFFFF"/>
+          </a:solidFill>
+          <a:ln w="12700" cap="flat" cmpd="sng" algn="ctr">
+            <a:noFill/>
+            <a:prstDash val="solid"/>
+            <a:miter lim="800000"/>
+          </a:ln>
+          <a:effectLst/>
+          <a:extLst>
+            <a:ext uri="{91240B29-F687-4F45-9708-019B960494DF}">
+              <a14:hiddenLine xmlns:a14="http://schemas.microsoft.com/office/drawing/2010/main" w="12700" cap="flat" cmpd="sng" algn="ctr">
+                <a:solidFill>
+                  <a:schemeClr val="accent1">
+                    <a:shade val="50000"/>
+                  </a:schemeClr>
+                </a:solidFill>
+                <a:prstDash val="solid"/>
+                <a:miter lim="800000"/>
+              </a14:hiddenLine>
+            </a:ext>
+          </a:extLst>
+        </p:spPr>
+        <p:style>
+          <a:lnRef idx="2">
+            <a:schemeClr val="accent1">
+              <a:shade val="50000"/>
+            </a:schemeClr>
+          </a:lnRef>
+          <a:fillRef idx="1">
+            <a:schemeClr val="accent1"/>
+          </a:fillRef>
+          <a:effectRef idx="0">
+            <a:schemeClr val="accent1"/>
+          </a:effectRef>
+          <a:fontRef idx="minor">
+            <a:schemeClr val="lt1"/>
+          </a:fontRef>
+        </p:style>
+        <p:txBody>
+          <a:bodyPr rtlCol="0" anchor="ctr"/>
+          <a:lstStyle/>
+          <a:p>
+            <a:pPr algn="ctr"/>
+            <a:endParaRPr lang="en-US"/>
+          </a:p>
+        </p:txBody>
+      </p:sp>
+      <p:sp>
+        <p:nvSpPr>
+          <p:cNvPr id="22" name="Rectangle 21">
+            <a:extLst>
+              <a:ext uri="{FF2B5EF4-FFF2-40B4-BE49-F238E27FC236}">
+                <a16:creationId xmlns:a16="http://schemas.microsoft.com/office/drawing/2014/main" id="{4F5923A5-3EA5-4A1F-8FB1-6E9E4AC90BEF}"/>
+              </a:ext>
+              <a:ext uri="{C183D7F6-B498-43B3-948B-1728B52AA6E4}">
+                <adec:decorative xmlns:adec="http://schemas.microsoft.com/office/drawing/2017/decorative" val="1"/>
+              </a:ext>
+            </a:extLst>
+          </p:cNvPr>
+          <p:cNvSpPr>
+            <a:spLocks noGrp="1" noRot="1" noChangeAspect="1" noMove="1" noResize="1" noEditPoints="1" noAdjustHandles="1" noChangeArrowheads="1" noChangeShapeType="1" noTextEdit="1"/>
+          </p:cNvSpPr>
+          <p:nvPr>
+            <p:extLst>
+              <p:ext uri="{386F3935-93C4-4BCD-93E2-E3B085C9AB24}">
+                <p16:designElem xmlns:p16="http://schemas.microsoft.com/office/powerpoint/2015/main" val="1"/>
+              </p:ext>
+            </p:extLst>
+          </p:nvPr>
+        </p:nvSpPr>
+        <p:spPr>
+          <a:xfrm>
+            <a:off x="0" y="3529852"/>
+            <a:ext cx="6736976" cy="3328145"/>
+          </a:xfrm>
+          <a:prstGeom prst="rect">
+            <a:avLst/>
+          </a:prstGeom>
+          <a:solidFill>
+            <a:schemeClr val="accent4">
+              <a:lumMod val="40000"/>
+              <a:lumOff val="60000"/>
+            </a:schemeClr>
+          </a:solidFill>
+          <a:ln>
+            <a:noFill/>
+          </a:ln>
+        </p:spPr>
+        <p:style>
+          <a:lnRef idx="2">
+            <a:schemeClr val="accent1">
+              <a:shade val="50000"/>
+            </a:schemeClr>
+          </a:lnRef>
+          <a:fillRef idx="1">
+            <a:schemeClr val="accent1"/>
+          </a:fillRef>
+          <a:effectRef idx="0">
+            <a:schemeClr val="accent1"/>
+          </a:effectRef>
+          <a:fontRef idx="minor">
+            <a:schemeClr val="lt1"/>
+          </a:fontRef>
+        </p:style>
+        <p:txBody>
+          <a:bodyPr rtlCol="0" anchor="ctr"/>
+          <a:lstStyle/>
+          <a:p>
+            <a:pPr algn="ctr"/>
+            <a:endParaRPr lang="en-US"/>
+          </a:p>
+        </p:txBody>
+      </p:sp>
+      <p:sp useBgFill="1">
+        <p:nvSpPr>
+          <p:cNvPr id="24" name="Freeform: Shape 23">
+            <a:extLst>
+              <a:ext uri="{FF2B5EF4-FFF2-40B4-BE49-F238E27FC236}">
+                <a16:creationId xmlns:a16="http://schemas.microsoft.com/office/drawing/2014/main" id="{1850567E-9970-49B5-8036-68DF198AB106}"/>
+              </a:ext>
+              <a:ext uri="{C183D7F6-B498-43B3-948B-1728B52AA6E4}">
+                <adec:decorative xmlns:adec="http://schemas.microsoft.com/office/drawing/2017/decorative" val="1"/>
+              </a:ext>
+            </a:extLst>
+          </p:cNvPr>
+          <p:cNvSpPr>
+            <a:spLocks noGrp="1" noRot="1" noChangeAspect="1" noMove="1" noResize="1" noEditPoints="1" noAdjustHandles="1" noChangeArrowheads="1" noChangeShapeType="1" noTextEdit="1"/>
+          </p:cNvSpPr>
+          <p:nvPr>
+            <p:extLst>
+              <p:ext uri="{386F3935-93C4-4BCD-93E2-E3B085C9AB24}">
+                <p16:designElem xmlns:p16="http://schemas.microsoft.com/office/powerpoint/2015/main" val="1"/>
+              </p:ext>
+            </p:extLst>
+          </p:nvPr>
+        </p:nvSpPr>
+        <p:spPr>
+          <a:xfrm>
+            <a:off x="0" y="2"/>
+            <a:ext cx="3414824" cy="6864873"/>
+          </a:xfrm>
+          <a:custGeom>
+            <a:avLst/>
+            <a:gdLst>
+              <a:gd name="connsiteX0" fmla="*/ 0 w 3414824"/>
+              <a:gd name="connsiteY0" fmla="*/ 3376141 h 6864873"/>
+              <a:gd name="connsiteX1" fmla="*/ 3414824 w 3414824"/>
+              <a:gd name="connsiteY1" fmla="*/ 3376141 h 6864873"/>
+              <a:gd name="connsiteX2" fmla="*/ 0 w 3414824"/>
+              <a:gd name="connsiteY2" fmla="*/ 6864873 h 6864873"/>
+              <a:gd name="connsiteX3" fmla="*/ 2 w 3414824"/>
+              <a:gd name="connsiteY3" fmla="*/ 0 h 6864873"/>
+              <a:gd name="connsiteX4" fmla="*/ 3414824 w 3414824"/>
+              <a:gd name="connsiteY4" fmla="*/ 0 h 6864873"/>
+              <a:gd name="connsiteX5" fmla="*/ 3414824 w 3414824"/>
+              <a:gd name="connsiteY5" fmla="*/ 3376140 h 6864873"/>
+              <a:gd name="connsiteX6" fmla="*/ 2 w 3414824"/>
+              <a:gd name="connsiteY6" fmla="*/ 3376140 h 6864873"/>
+            </a:gdLst>
+            <a:ahLst/>
+            <a:cxnLst>
+              <a:cxn ang="0">
+                <a:pos x="connsiteX0" y="connsiteY0"/>
+              </a:cxn>
+              <a:cxn ang="0">
+                <a:pos x="connsiteX1" y="connsiteY1"/>
+              </a:cxn>
+              <a:cxn ang="0">
+                <a:pos x="connsiteX2" y="connsiteY2"/>
+              </a:cxn>
+              <a:cxn ang="0">
+                <a:pos x="connsiteX3" y="connsiteY3"/>
+              </a:cxn>
+              <a:cxn ang="0">
+                <a:pos x="connsiteX4" y="connsiteY4"/>
+              </a:cxn>
+              <a:cxn ang="0">
+                <a:pos x="connsiteX5" y="connsiteY5"/>
+              </a:cxn>
+              <a:cxn ang="0">
+                <a:pos x="connsiteX6" y="connsiteY6"/>
+              </a:cxn>
+            </a:cxnLst>
+            <a:rect l="l" t="t" r="r" b="b"/>
+            <a:pathLst>
+              <a:path w="3414824" h="6864873">
+                <a:moveTo>
+                  <a:pt x="0" y="3376141"/>
+                </a:moveTo>
+                <a:lnTo>
+                  <a:pt x="3414824" y="3376141"/>
+                </a:lnTo>
+                <a:cubicBezTo>
+                  <a:pt x="3414824" y="5302914"/>
+                  <a:pt x="1885955" y="6864873"/>
+                  <a:pt x="0" y="6864873"/>
+                </a:cubicBezTo>
+                <a:close/>
+                <a:moveTo>
+                  <a:pt x="2" y="0"/>
+                </a:moveTo>
+                <a:lnTo>
+                  <a:pt x="3414824" y="0"/>
+                </a:lnTo>
+                <a:lnTo>
+                  <a:pt x="3414824" y="3376140"/>
+                </a:lnTo>
+                <a:lnTo>
+                  <a:pt x="2" y="3376140"/>
+                </a:lnTo>
+                <a:close/>
+              </a:path>
+            </a:pathLst>
+          </a:custGeom>
+          <a:ln>
+            <a:noFill/>
+          </a:ln>
+        </p:spPr>
+        <p:style>
+          <a:lnRef idx="2">
+            <a:schemeClr val="accent1">
+              <a:shade val="50000"/>
+            </a:schemeClr>
+          </a:lnRef>
+          <a:fillRef idx="1">
+            <a:schemeClr val="accent1"/>
+          </a:fillRef>
+          <a:effectRef idx="0">
+            <a:schemeClr val="accent1"/>
+          </a:effectRef>
+          <a:fontRef idx="minor">
+            <a:schemeClr val="lt1"/>
+          </a:fontRef>
+        </p:style>
+        <p:txBody>
+          <a:bodyPr wrap="square" rtlCol="0" anchor="ctr">
+            <a:noAutofit/>
+          </a:bodyPr>
+          <a:lstStyle/>
+          <a:p>
+            <a:pPr algn="ctr"/>
+            <a:endParaRPr lang="en-US" dirty="0"/>
+          </a:p>
+        </p:txBody>
+      </p:sp>
+      <p:sp>
+        <p:nvSpPr>
+          <p:cNvPr id="2" name="Title 1">
+            <a:extLst>
+              <a:ext uri="{FF2B5EF4-FFF2-40B4-BE49-F238E27FC236}">
+                <a16:creationId xmlns:a16="http://schemas.microsoft.com/office/drawing/2014/main" id="{B307EAE9-44A4-0BD9-FF1B-D39EE71ACF46}"/>
+              </a:ext>
+            </a:extLst>
+          </p:cNvPr>
+          <p:cNvSpPr>
+            <a:spLocks noGrp="1"/>
+          </p:cNvSpPr>
+          <p:nvPr>
+            <p:ph type="title"/>
+          </p:nvPr>
+        </p:nvSpPr>
+        <p:spPr>
+          <a:xfrm>
+            <a:off x="752476" y="1597958"/>
+            <a:ext cx="2401165" cy="2491904"/>
+          </a:xfrm>
+        </p:spPr>
+        <p:txBody>
+          <a:bodyPr anchor="t">
+            <a:normAutofit/>
+          </a:bodyPr>
+          <a:lstStyle/>
+          <a:p>
+            <a:r>
+              <a:rPr lang="en-US" sz="2400"/>
+              <a:t>Recap:</a:t>
+            </a:r>
+          </a:p>
+        </p:txBody>
+      </p:sp>
+      <p:sp>
+        <p:nvSpPr>
+          <p:cNvPr id="26" name="Freeform: Shape 25">
+            <a:extLst>
+              <a:ext uri="{FF2B5EF4-FFF2-40B4-BE49-F238E27FC236}">
+                <a16:creationId xmlns:a16="http://schemas.microsoft.com/office/drawing/2014/main" id="{252F6D40-1969-431D-97A1-D6439AD90942}"/>
+              </a:ext>
+              <a:ext uri="{C183D7F6-B498-43B3-948B-1728B52AA6E4}">
+                <adec:decorative xmlns:adec="http://schemas.microsoft.com/office/drawing/2017/decorative" val="1"/>
+              </a:ext>
+            </a:extLst>
+          </p:cNvPr>
+          <p:cNvSpPr>
+            <a:spLocks noGrp="1" noRot="1" noChangeAspect="1" noMove="1" noResize="1" noEditPoints="1" noAdjustHandles="1" noChangeArrowheads="1" noChangeShapeType="1" noTextEdit="1"/>
+          </p:cNvSpPr>
+          <p:nvPr>
+            <p:extLst>
+              <p:ext uri="{386F3935-93C4-4BCD-93E2-E3B085C9AB24}">
+                <p16:designElem xmlns:p16="http://schemas.microsoft.com/office/powerpoint/2015/main" val="1"/>
+              </p:ext>
+            </p:extLst>
+          </p:nvPr>
+        </p:nvSpPr>
+        <p:spPr>
+          <a:xfrm>
+            <a:off x="3414823" y="-6876"/>
+            <a:ext cx="8777176" cy="6871754"/>
+          </a:xfrm>
+          <a:custGeom>
+            <a:avLst/>
+            <a:gdLst>
+              <a:gd name="connsiteX0" fmla="*/ 0 w 8777176"/>
+              <a:gd name="connsiteY0" fmla="*/ 0 h 6871754"/>
+              <a:gd name="connsiteX1" fmla="*/ 3414822 w 8777176"/>
+              <a:gd name="connsiteY1" fmla="*/ 0 h 6871754"/>
+              <a:gd name="connsiteX2" fmla="*/ 3414822 w 8777176"/>
+              <a:gd name="connsiteY2" fmla="*/ 6875 h 6871754"/>
+              <a:gd name="connsiteX3" fmla="*/ 8777176 w 8777176"/>
+              <a:gd name="connsiteY3" fmla="*/ 6875 h 6871754"/>
+              <a:gd name="connsiteX4" fmla="*/ 8777176 w 8777176"/>
+              <a:gd name="connsiteY4" fmla="*/ 6871754 h 6871754"/>
+              <a:gd name="connsiteX5" fmla="*/ 3251085 w 8777176"/>
+              <a:gd name="connsiteY5" fmla="*/ 6871754 h 6871754"/>
+              <a:gd name="connsiteX6" fmla="*/ 3251085 w 8777176"/>
+              <a:gd name="connsiteY6" fmla="*/ 6860643 h 6871754"/>
+              <a:gd name="connsiteX7" fmla="*/ 3239098 w 8777176"/>
+              <a:gd name="connsiteY7" fmla="*/ 6860334 h 6871754"/>
+              <a:gd name="connsiteX8" fmla="*/ 0 w 8777176"/>
+              <a:gd name="connsiteY8" fmla="*/ 3376141 h 6871754"/>
+              <a:gd name="connsiteX9" fmla="*/ 3251085 w 8777176"/>
+              <a:gd name="connsiteY9" fmla="*/ 3376141 h 6871754"/>
+              <a:gd name="connsiteX10" fmla="*/ 3251085 w 8777176"/>
+              <a:gd name="connsiteY10" fmla="*/ 3376140 h 6871754"/>
+              <a:gd name="connsiteX11" fmla="*/ 0 w 8777176"/>
+              <a:gd name="connsiteY11" fmla="*/ 3376140 h 6871754"/>
+            </a:gdLst>
+            <a:ahLst/>
+            <a:cxnLst>
+              <a:cxn ang="0">
+                <a:pos x="connsiteX0" y="connsiteY0"/>
+              </a:cxn>
+              <a:cxn ang="0">
+                <a:pos x="connsiteX1" y="connsiteY1"/>
+              </a:cxn>
+              <a:cxn ang="0">
+                <a:pos x="connsiteX2" y="connsiteY2"/>
+              </a:cxn>
+              <a:cxn ang="0">
+                <a:pos x="connsiteX3" y="connsiteY3"/>
+              </a:cxn>
+              <a:cxn ang="0">
+                <a:pos x="connsiteX4" y="connsiteY4"/>
+              </a:cxn>
+              <a:cxn ang="0">
+                <a:pos x="connsiteX5" y="connsiteY5"/>
+              </a:cxn>
+              <a:cxn ang="0">
+                <a:pos x="connsiteX6" y="connsiteY6"/>
+              </a:cxn>
+              <a:cxn ang="0">
+                <a:pos x="connsiteX7" y="connsiteY7"/>
+              </a:cxn>
+              <a:cxn ang="0">
+                <a:pos x="connsiteX8" y="connsiteY8"/>
+              </a:cxn>
+              <a:cxn ang="0">
+                <a:pos x="connsiteX9" y="connsiteY9"/>
+              </a:cxn>
+              <a:cxn ang="0">
+                <a:pos x="connsiteX10" y="connsiteY10"/>
+              </a:cxn>
+              <a:cxn ang="0">
+                <a:pos x="connsiteX11" y="connsiteY11"/>
+              </a:cxn>
+            </a:cxnLst>
+            <a:rect l="l" t="t" r="r" b="b"/>
+            <a:pathLst>
+              <a:path w="8777176" h="6871754">
+                <a:moveTo>
+                  <a:pt x="0" y="0"/>
+                </a:moveTo>
+                <a:lnTo>
+                  <a:pt x="3414822" y="0"/>
+                </a:lnTo>
+                <a:lnTo>
+                  <a:pt x="3414822" y="6875"/>
+                </a:lnTo>
+                <a:lnTo>
+                  <a:pt x="8777176" y="6875"/>
+                </a:lnTo>
+                <a:lnTo>
+                  <a:pt x="8777176" y="6871754"/>
+                </a:lnTo>
+                <a:lnTo>
+                  <a:pt x="3251085" y="6871754"/>
+                </a:lnTo>
+                <a:lnTo>
+                  <a:pt x="3251085" y="6860643"/>
+                </a:lnTo>
+                <a:lnTo>
+                  <a:pt x="3239098" y="6860334"/>
+                </a:lnTo>
+                <a:cubicBezTo>
+                  <a:pt x="1434808" y="6766895"/>
+                  <a:pt x="0" y="5242703"/>
+                  <a:pt x="0" y="3376141"/>
+                </a:cubicBezTo>
+                <a:lnTo>
+                  <a:pt x="3251085" y="3376141"/>
+                </a:lnTo>
+                <a:lnTo>
+                  <a:pt x="3251085" y="3376140"/>
+                </a:lnTo>
+                <a:lnTo>
+                  <a:pt x="0" y="3376140"/>
+                </a:lnTo>
+                <a:close/>
+              </a:path>
+            </a:pathLst>
+          </a:custGeom>
+          <a:solidFill>
+            <a:schemeClr val="bg2"/>
+          </a:solidFill>
+          <a:ln>
+            <a:noFill/>
+          </a:ln>
+        </p:spPr>
+        <p:style>
+          <a:lnRef idx="2">
+            <a:schemeClr val="accent1">
+              <a:shade val="50000"/>
+            </a:schemeClr>
+          </a:lnRef>
+          <a:fillRef idx="1">
+            <a:schemeClr val="accent1"/>
+          </a:fillRef>
+          <a:effectRef idx="0">
+            <a:schemeClr val="accent1"/>
+          </a:effectRef>
+          <a:fontRef idx="minor">
+            <a:schemeClr val="lt1"/>
+          </a:fontRef>
+        </p:style>
+        <p:txBody>
+          <a:bodyPr wrap="square" rtlCol="0" anchor="ctr">
+            <a:noAutofit/>
+          </a:bodyPr>
+          <a:lstStyle/>
+          <a:p>
+            <a:pPr algn="ctr"/>
+            <a:endParaRPr lang="en-US" dirty="0"/>
+          </a:p>
+        </p:txBody>
+      </p:sp>
+      <p:graphicFrame>
+        <p:nvGraphicFramePr>
+          <p:cNvPr id="5" name="Content Placeholder 2">
+            <a:extLst>
+              <a:ext uri="{FF2B5EF4-FFF2-40B4-BE49-F238E27FC236}">
+                <a16:creationId xmlns:a16="http://schemas.microsoft.com/office/drawing/2014/main" id="{3CD413C9-12DE-1F76-36D0-2DFF0A6C7148}"/>
+              </a:ext>
+            </a:extLst>
+          </p:cNvPr>
+          <p:cNvGraphicFramePr>
+            <a:graphicFrameLocks noGrp="1"/>
+          </p:cNvGraphicFramePr>
+          <p:nvPr>
+            <p:ph idx="1"/>
+            <p:extLst>
+              <p:ext uri="{D42A27DB-BD31-4B8C-83A1-F6EECF244321}">
+                <p14:modId xmlns:p14="http://schemas.microsoft.com/office/powerpoint/2010/main" val="4070357114"/>
+              </p:ext>
+            </p:extLst>
+          </p:nvPr>
+        </p:nvGraphicFramePr>
+        <p:xfrm>
+          <a:off x="4461164" y="0"/>
+          <a:ext cx="7730835" cy="6437745"/>
+        </p:xfrm>
+        <a:graphic>
+          <a:graphicData uri="http://schemas.openxmlformats.org/drawingml/2006/diagram">
+            <dgm:relIds xmlns:dgm="http://schemas.openxmlformats.org/drawingml/2006/diagram" xmlns:r="http://schemas.openxmlformats.org/officeDocument/2006/relationships" r:dm="rId2" r:lo="rId3" r:qs="rId4" r:cs="rId5"/>
+          </a:graphicData>
+        </a:graphic>
+      </p:graphicFrame>
+    </p:spTree>
+    <p:extLst>
+      <p:ext uri="{BB962C8B-B14F-4D97-AF65-F5344CB8AC3E}">
+        <p14:creationId xmlns:p14="http://schemas.microsoft.com/office/powerpoint/2010/main" val="1716295436"/>
       </p:ext>
     </p:extLst>
   </p:cSld>

--- a/DS_210/final/DS 210.pptx
+++ b/DS_210/final/DS 210.pptx
@@ -15433,7 +15433,7 @@
           <a:p>
             <a:fld id="{8C28A28C-4C6A-46EA-90C0-4EE0B89CC5C7}" type="datetimeFigureOut">
               <a:rPr lang="en-US" smtClean="0"/>
-              <a:t>5/11/22</a:t>
+              <a:t>5/12/22</a:t>
             </a:fld>
             <a:endParaRPr lang="en-US" dirty="0"/>
           </a:p>
@@ -15631,7 +15631,7 @@
           <a:p>
             <a:fld id="{8C28A28C-4C6A-46EA-90C0-4EE0B89CC5C7}" type="datetimeFigureOut">
               <a:rPr lang="en-US" smtClean="0"/>
-              <a:t>5/11/22</a:t>
+              <a:t>5/12/22</a:t>
             </a:fld>
             <a:endParaRPr lang="en-US"/>
           </a:p>
@@ -15839,7 +15839,7 @@
           <a:p>
             <a:fld id="{8C28A28C-4C6A-46EA-90C0-4EE0B89CC5C7}" type="datetimeFigureOut">
               <a:rPr lang="en-US" smtClean="0"/>
-              <a:t>5/11/22</a:t>
+              <a:t>5/12/22</a:t>
             </a:fld>
             <a:endParaRPr lang="en-US"/>
           </a:p>
@@ -16037,7 +16037,7 @@
           <a:p>
             <a:fld id="{8C28A28C-4C6A-46EA-90C0-4EE0B89CC5C7}" type="datetimeFigureOut">
               <a:rPr lang="en-US" smtClean="0"/>
-              <a:t>5/11/22</a:t>
+              <a:t>5/12/22</a:t>
             </a:fld>
             <a:endParaRPr lang="en-US"/>
           </a:p>
@@ -16314,7 +16314,7 @@
           <a:p>
             <a:fld id="{8C28A28C-4C6A-46EA-90C0-4EE0B89CC5C7}" type="datetimeFigureOut">
               <a:rPr lang="en-US" smtClean="0"/>
-              <a:t>5/11/22</a:t>
+              <a:t>5/12/22</a:t>
             </a:fld>
             <a:endParaRPr lang="en-US"/>
           </a:p>
@@ -16579,7 +16579,7 @@
           <a:p>
             <a:fld id="{8C28A28C-4C6A-46EA-90C0-4EE0B89CC5C7}" type="datetimeFigureOut">
               <a:rPr lang="en-US" smtClean="0"/>
-              <a:t>5/11/22</a:t>
+              <a:t>5/12/22</a:t>
             </a:fld>
             <a:endParaRPr lang="en-US"/>
           </a:p>
@@ -16991,7 +16991,7 @@
           <a:p>
             <a:fld id="{8C28A28C-4C6A-46EA-90C0-4EE0B89CC5C7}" type="datetimeFigureOut">
               <a:rPr lang="en-US" smtClean="0"/>
-              <a:t>5/11/22</a:t>
+              <a:t>5/12/22</a:t>
             </a:fld>
             <a:endParaRPr lang="en-US"/>
           </a:p>
@@ -17132,7 +17132,7 @@
           <a:p>
             <a:fld id="{8C28A28C-4C6A-46EA-90C0-4EE0B89CC5C7}" type="datetimeFigureOut">
               <a:rPr lang="en-US" smtClean="0"/>
-              <a:t>5/11/22</a:t>
+              <a:t>5/12/22</a:t>
             </a:fld>
             <a:endParaRPr lang="en-US"/>
           </a:p>
@@ -17245,7 +17245,7 @@
           <a:p>
             <a:fld id="{8C28A28C-4C6A-46EA-90C0-4EE0B89CC5C7}" type="datetimeFigureOut">
               <a:rPr lang="en-US" smtClean="0"/>
-              <a:t>5/11/22</a:t>
+              <a:t>5/12/22</a:t>
             </a:fld>
             <a:endParaRPr lang="en-US"/>
           </a:p>
@@ -17558,7 +17558,7 @@
           <a:p>
             <a:fld id="{8C28A28C-4C6A-46EA-90C0-4EE0B89CC5C7}" type="datetimeFigureOut">
               <a:rPr lang="en-US" smtClean="0"/>
-              <a:t>5/11/22</a:t>
+              <a:t>5/12/22</a:t>
             </a:fld>
             <a:endParaRPr lang="en-US"/>
           </a:p>
@@ -17846,7 +17846,7 @@
           <a:p>
             <a:fld id="{8C28A28C-4C6A-46EA-90C0-4EE0B89CC5C7}" type="datetimeFigureOut">
               <a:rPr lang="en-US" smtClean="0"/>
-              <a:t>5/11/22</a:t>
+              <a:t>5/12/22</a:t>
             </a:fld>
             <a:endParaRPr lang="en-US"/>
           </a:p>
@@ -18201,7 +18201,7 @@
             <a:fld id="{8C28A28C-4C6A-46EA-90C0-4EE0B89CC5C7}" type="datetimeFigureOut">
               <a:rPr lang="en-US" smtClean="0"/>
               <a:pPr/>
-              <a:t>5/11/22</a:t>
+              <a:t>5/12/22</a:t>
             </a:fld>
             <a:endParaRPr lang="en-US" dirty="0"/>
           </a:p>
@@ -19734,7 +19734,7 @@
         </p:blipFill>
         <p:spPr>
           <a:xfrm>
-            <a:off x="6146464" y="908546"/>
+            <a:off x="6146464" y="931406"/>
             <a:ext cx="4788861" cy="5040907"/>
           </a:xfrm>
           <a:prstGeom prst="rect">
@@ -20177,7 +20177,7 @@
         </p:blipFill>
         <p:spPr>
           <a:xfrm>
-            <a:off x="6776934" y="1344119"/>
+            <a:off x="6776934" y="1389839"/>
             <a:ext cx="4378597" cy="799094"/>
           </a:xfrm>
           <a:prstGeom prst="rect">
@@ -27718,7 +27718,7 @@
         </p:blipFill>
         <p:spPr>
           <a:xfrm>
-            <a:off x="5340433" y="212486"/>
+            <a:off x="5340433" y="258206"/>
             <a:ext cx="4478686" cy="6440873"/>
           </a:xfrm>
           <a:prstGeom prst="rect">
